--- a/doc/04.平台产品.pptx
+++ b/doc/04.平台产品.pptx
@@ -7,13 +7,8 @@
   <p:sldIdLst>
     <p:sldId id="258" r:id="rId2"/>
     <p:sldId id="277" r:id="rId3"/>
-    <p:sldId id="287" r:id="rId4"/>
-    <p:sldId id="278" r:id="rId5"/>
-    <p:sldId id="279" r:id="rId6"/>
-    <p:sldId id="280" r:id="rId7"/>
-    <p:sldId id="281" r:id="rId8"/>
-    <p:sldId id="289" r:id="rId9"/>
-    <p:sldId id="288" r:id="rId10"/>
+    <p:sldId id="278" r:id="rId4"/>
+    <p:sldId id="289" r:id="rId5"/>
   </p:sldIdLst>
   <p:sldSz cx="12192000" cy="6858000"/>
   <p:notesSz cx="6858000" cy="9144000"/>
@@ -279,7 +274,7 @@
           <a:p>
             <a:fld id="{1B7BBEA4-24BC-4F9A-BA49-26A596A24E96}" type="datetimeFigureOut">
               <a:rPr lang="zh-CN" altLang="en-US" smtClean="0"/>
-              <a:t>2021/4/13</a:t>
+              <a:t>2021/4/14</a:t>
             </a:fld>
             <a:endParaRPr lang="zh-CN" altLang="en-US"/>
           </a:p>
@@ -477,7 +472,7 @@
           <a:p>
             <a:fld id="{1B7BBEA4-24BC-4F9A-BA49-26A596A24E96}" type="datetimeFigureOut">
               <a:rPr lang="zh-CN" altLang="en-US" smtClean="0"/>
-              <a:t>2021/4/13</a:t>
+              <a:t>2021/4/14</a:t>
             </a:fld>
             <a:endParaRPr lang="zh-CN" altLang="en-US"/>
           </a:p>
@@ -685,7 +680,7 @@
           <a:p>
             <a:fld id="{1B7BBEA4-24BC-4F9A-BA49-26A596A24E96}" type="datetimeFigureOut">
               <a:rPr lang="zh-CN" altLang="en-US" smtClean="0"/>
-              <a:t>2021/4/13</a:t>
+              <a:t>2021/4/14</a:t>
             </a:fld>
             <a:endParaRPr lang="zh-CN" altLang="en-US"/>
           </a:p>
@@ -883,7 +878,7 @@
           <a:p>
             <a:fld id="{1B7BBEA4-24BC-4F9A-BA49-26A596A24E96}" type="datetimeFigureOut">
               <a:rPr lang="zh-CN" altLang="en-US" smtClean="0"/>
-              <a:t>2021/4/13</a:t>
+              <a:t>2021/4/14</a:t>
             </a:fld>
             <a:endParaRPr lang="zh-CN" altLang="en-US"/>
           </a:p>
@@ -1158,7 +1153,7 @@
           <a:p>
             <a:fld id="{1B7BBEA4-24BC-4F9A-BA49-26A596A24E96}" type="datetimeFigureOut">
               <a:rPr lang="zh-CN" altLang="en-US" smtClean="0"/>
-              <a:t>2021/4/13</a:t>
+              <a:t>2021/4/14</a:t>
             </a:fld>
             <a:endParaRPr lang="zh-CN" altLang="en-US"/>
           </a:p>
@@ -1423,7 +1418,7 @@
           <a:p>
             <a:fld id="{1B7BBEA4-24BC-4F9A-BA49-26A596A24E96}" type="datetimeFigureOut">
               <a:rPr lang="zh-CN" altLang="en-US" smtClean="0"/>
-              <a:t>2021/4/13</a:t>
+              <a:t>2021/4/14</a:t>
             </a:fld>
             <a:endParaRPr lang="zh-CN" altLang="en-US"/>
           </a:p>
@@ -1835,7 +1830,7 @@
           <a:p>
             <a:fld id="{1B7BBEA4-24BC-4F9A-BA49-26A596A24E96}" type="datetimeFigureOut">
               <a:rPr lang="zh-CN" altLang="en-US" smtClean="0"/>
-              <a:t>2021/4/13</a:t>
+              <a:t>2021/4/14</a:t>
             </a:fld>
             <a:endParaRPr lang="zh-CN" altLang="en-US"/>
           </a:p>
@@ -1976,7 +1971,7 @@
           <a:p>
             <a:fld id="{1B7BBEA4-24BC-4F9A-BA49-26A596A24E96}" type="datetimeFigureOut">
               <a:rPr lang="zh-CN" altLang="en-US" smtClean="0"/>
-              <a:t>2021/4/13</a:t>
+              <a:t>2021/4/14</a:t>
             </a:fld>
             <a:endParaRPr lang="zh-CN" altLang="en-US"/>
           </a:p>
@@ -2089,7 +2084,7 @@
           <a:p>
             <a:fld id="{1B7BBEA4-24BC-4F9A-BA49-26A596A24E96}" type="datetimeFigureOut">
               <a:rPr lang="zh-CN" altLang="en-US" smtClean="0"/>
-              <a:t>2021/4/13</a:t>
+              <a:t>2021/4/14</a:t>
             </a:fld>
             <a:endParaRPr lang="zh-CN" altLang="en-US"/>
           </a:p>
@@ -2400,7 +2395,7 @@
           <a:p>
             <a:fld id="{1B7BBEA4-24BC-4F9A-BA49-26A596A24E96}" type="datetimeFigureOut">
               <a:rPr lang="zh-CN" altLang="en-US" smtClean="0"/>
-              <a:t>2021/4/13</a:t>
+              <a:t>2021/4/14</a:t>
             </a:fld>
             <a:endParaRPr lang="zh-CN" altLang="en-US"/>
           </a:p>
@@ -2688,7 +2683,7 @@
           <a:p>
             <a:fld id="{1B7BBEA4-24BC-4F9A-BA49-26A596A24E96}" type="datetimeFigureOut">
               <a:rPr lang="zh-CN" altLang="en-US" smtClean="0"/>
-              <a:t>2021/4/13</a:t>
+              <a:t>2021/4/14</a:t>
             </a:fld>
             <a:endParaRPr lang="zh-CN" altLang="en-US"/>
           </a:p>
@@ -2929,7 +2924,7 @@
           <a:p>
             <a:fld id="{1B7BBEA4-24BC-4F9A-BA49-26A596A24E96}" type="datetimeFigureOut">
               <a:rPr lang="zh-CN" altLang="en-US" smtClean="0"/>
-              <a:t>2021/4/13</a:t>
+              <a:t>2021/4/14</a:t>
             </a:fld>
             <a:endParaRPr lang="zh-CN" altLang="en-US"/>
           </a:p>
@@ -3487,10 +3482,10 @@
       </p:sp>
       <p:grpSp>
         <p:nvGrpSpPr>
-          <p:cNvPr id="4" name="组合 3">
-            <a:extLst>
-              <a:ext uri="{FF2B5EF4-FFF2-40B4-BE49-F238E27FC236}">
-                <a16:creationId xmlns:a16="http://schemas.microsoft.com/office/drawing/2014/main" id="{12D31011-83A8-48E3-A445-683729F5CFCA}"/>
+          <p:cNvPr id="75" name="组合 74">
+            <a:extLst>
+              <a:ext uri="{FF2B5EF4-FFF2-40B4-BE49-F238E27FC236}">
+                <a16:creationId xmlns:a16="http://schemas.microsoft.com/office/drawing/2014/main" id="{87CBCAEF-3F11-4D1B-89AF-E90CB66A9155}"/>
               </a:ext>
             </a:extLst>
           </p:cNvPr>
@@ -3499,18 +3494,18 @@
         </p:nvGrpSpPr>
         <p:grpSpPr>
           <a:xfrm>
-            <a:off x="1177822" y="1123475"/>
+            <a:off x="1199043" y="1043775"/>
             <a:ext cx="6634783" cy="369332"/>
-            <a:chOff x="2259623" y="2182542"/>
+            <a:chOff x="1199043" y="1043775"/>
             <a:chExt cx="6634783" cy="369332"/>
           </a:xfrm>
         </p:grpSpPr>
         <p:sp>
           <p:nvSpPr>
-            <p:cNvPr id="2" name="箭头: V 形 1">
+            <p:cNvPr id="76" name="箭头: V 形 75">
               <a:extLst>
                 <a:ext uri="{FF2B5EF4-FFF2-40B4-BE49-F238E27FC236}">
-                  <a16:creationId xmlns:a16="http://schemas.microsoft.com/office/drawing/2014/main" id="{A312C813-5C09-41A4-BD42-47B352CFF218}"/>
+                  <a16:creationId xmlns:a16="http://schemas.microsoft.com/office/drawing/2014/main" id="{A2230EDF-4040-4753-91D6-FB4407CFBE4C}"/>
                 </a:ext>
               </a:extLst>
             </p:cNvPr>
@@ -3519,7 +3514,7 @@
           </p:nvSpPr>
           <p:spPr>
             <a:xfrm>
-              <a:off x="2259623" y="2277208"/>
+              <a:off x="1199043" y="1138441"/>
               <a:ext cx="324000" cy="180000"/>
             </a:xfrm>
             <a:prstGeom prst="chevron">
@@ -3557,10 +3552,10 @@
         </p:sp>
         <p:sp>
           <p:nvSpPr>
-            <p:cNvPr id="33" name="文本框 32">
+            <p:cNvPr id="77" name="文本框 76">
               <a:extLst>
                 <a:ext uri="{FF2B5EF4-FFF2-40B4-BE49-F238E27FC236}">
-                  <a16:creationId xmlns:a16="http://schemas.microsoft.com/office/drawing/2014/main" id="{DA6A0843-B96B-43C1-A646-5113A82BCB5A}"/>
+                  <a16:creationId xmlns:a16="http://schemas.microsoft.com/office/drawing/2014/main" id="{644F19CA-E718-44D3-B7C8-A59F8FBCF23F}"/>
                 </a:ext>
               </a:extLst>
             </p:cNvPr>
@@ -3569,7 +3564,7 @@
           </p:nvSpPr>
           <p:spPr>
             <a:xfrm>
-              <a:off x="2796852" y="2182542"/>
+              <a:off x="1736272" y="1043775"/>
               <a:ext cx="6097554" cy="369332"/>
             </a:xfrm>
             <a:prstGeom prst="rect">
@@ -3588,26 +3583,19 @@
                   <a:latin typeface="Consolas" panose="020B0609020204030204" pitchFamily="49" charset="0"/>
                   <a:ea typeface="微软雅黑" panose="020B0503020204020204" pitchFamily="34" charset="-122"/>
                 </a:rPr>
-                <a:t>平台产品</a:t>
-              </a:r>
-              <a:r>
-                <a:rPr lang="zh-CN" altLang="en-US" sz="1800" b="1">
-                  <a:latin typeface="Consolas" panose="020B0609020204030204" pitchFamily="49" charset="0"/>
-                  <a:ea typeface="微软雅黑" panose="020B0503020204020204" pitchFamily="34" charset="-122"/>
-                </a:rPr>
                 <a:t>表结构</a:t>
               </a:r>
-              <a:endParaRPr lang="zh-CN" altLang="en-US" dirty="0"/>
+              <a:endParaRPr lang="zh-CN" altLang="en-US"/>
             </a:p>
           </p:txBody>
         </p:sp>
       </p:grpSp>
       <p:grpSp>
         <p:nvGrpSpPr>
-          <p:cNvPr id="35" name="组合 34">
-            <a:extLst>
-              <a:ext uri="{FF2B5EF4-FFF2-40B4-BE49-F238E27FC236}">
-                <a16:creationId xmlns:a16="http://schemas.microsoft.com/office/drawing/2014/main" id="{97626578-461A-4C8B-85C6-BC8B55F881D2}"/>
+          <p:cNvPr id="78" name="组合 77">
+            <a:extLst>
+              <a:ext uri="{FF2B5EF4-FFF2-40B4-BE49-F238E27FC236}">
+                <a16:creationId xmlns:a16="http://schemas.microsoft.com/office/drawing/2014/main" id="{AF51185A-A617-4206-ACB8-AFBC50C47014}"/>
               </a:ext>
             </a:extLst>
           </p:cNvPr>
@@ -3616,18 +3604,18 @@
         </p:nvGrpSpPr>
         <p:grpSpPr>
           <a:xfrm>
-            <a:off x="1177822" y="2552367"/>
+            <a:off x="1199043" y="2145449"/>
             <a:ext cx="6634783" cy="369332"/>
-            <a:chOff x="2259623" y="2182542"/>
+            <a:chOff x="1199043" y="4720702"/>
             <a:chExt cx="6634783" cy="369332"/>
           </a:xfrm>
         </p:grpSpPr>
         <p:sp>
           <p:nvSpPr>
-            <p:cNvPr id="36" name="箭头: V 形 35">
+            <p:cNvPr id="79" name="箭头: V 形 78">
               <a:extLst>
                 <a:ext uri="{FF2B5EF4-FFF2-40B4-BE49-F238E27FC236}">
-                  <a16:creationId xmlns:a16="http://schemas.microsoft.com/office/drawing/2014/main" id="{C985E1AC-A52C-4E6D-9FB8-CDA8CE9EE64C}"/>
+                  <a16:creationId xmlns:a16="http://schemas.microsoft.com/office/drawing/2014/main" id="{90F27E60-2323-4133-88B6-DF7A8BBCB06B}"/>
                 </a:ext>
               </a:extLst>
             </p:cNvPr>
@@ -3636,7 +3624,7 @@
           </p:nvSpPr>
           <p:spPr>
             <a:xfrm>
-              <a:off x="2259623" y="2277208"/>
+              <a:off x="1199043" y="4815368"/>
               <a:ext cx="324000" cy="180000"/>
             </a:xfrm>
             <a:prstGeom prst="chevron">
@@ -3674,10 +3662,10 @@
         </p:sp>
         <p:sp>
           <p:nvSpPr>
-            <p:cNvPr id="37" name="文本框 36">
+            <p:cNvPr id="80" name="文本框 79">
               <a:extLst>
                 <a:ext uri="{FF2B5EF4-FFF2-40B4-BE49-F238E27FC236}">
-                  <a16:creationId xmlns:a16="http://schemas.microsoft.com/office/drawing/2014/main" id="{E6267DE6-D213-43F0-B468-7B0EEB116C03}"/>
+                  <a16:creationId xmlns:a16="http://schemas.microsoft.com/office/drawing/2014/main" id="{D72D0389-C94E-494B-873C-62FB59E6F342}"/>
                 </a:ext>
               </a:extLst>
             </p:cNvPr>
@@ -3686,7 +3674,7 @@
           </p:nvSpPr>
           <p:spPr>
             <a:xfrm>
-              <a:off x="2796852" y="2182542"/>
+              <a:off x="1736272" y="4720702"/>
               <a:ext cx="6097554" cy="369332"/>
             </a:xfrm>
             <a:prstGeom prst="rect">
@@ -3705,26 +3693,22 @@
                   <a:latin typeface="Consolas" panose="020B0609020204030204" pitchFamily="49" charset="0"/>
                   <a:ea typeface="微软雅黑" panose="020B0503020204020204" pitchFamily="34" charset="-122"/>
                 </a:rPr>
-                <a:t>平台产品上</a:t>
+                <a:t>流程及接口</a:t>
               </a:r>
-              <a:r>
-                <a:rPr lang="zh-CN" altLang="en-US" b="1" dirty="0">
-                  <a:latin typeface="Consolas" panose="020B0609020204030204" pitchFamily="49" charset="0"/>
-                  <a:ea typeface="微软雅黑" panose="020B0503020204020204" pitchFamily="34" charset="-122"/>
-                </a:rPr>
-                <a:t>架</a:t>
-              </a:r>
-              <a:endParaRPr lang="zh-CN" altLang="en-US" dirty="0"/>
+              <a:endParaRPr lang="zh-CN" altLang="en-US" sz="1800" b="1">
+                <a:latin typeface="Consolas" panose="020B0609020204030204" pitchFamily="49" charset="0"/>
+                <a:ea typeface="微软雅黑" panose="020B0503020204020204" pitchFamily="34" charset="-122"/>
+              </a:endParaRPr>
             </a:p>
           </p:txBody>
         </p:sp>
       </p:grpSp>
       <p:grpSp>
         <p:nvGrpSpPr>
-          <p:cNvPr id="38" name="组合 37">
-            <a:extLst>
-              <a:ext uri="{FF2B5EF4-FFF2-40B4-BE49-F238E27FC236}">
-                <a16:creationId xmlns:a16="http://schemas.microsoft.com/office/drawing/2014/main" id="{BC521525-960C-48FD-9CC4-86982E1A08D1}"/>
+          <p:cNvPr id="81" name="组合 80">
+            <a:extLst>
+              <a:ext uri="{FF2B5EF4-FFF2-40B4-BE49-F238E27FC236}">
+                <a16:creationId xmlns:a16="http://schemas.microsoft.com/office/drawing/2014/main" id="{28EDE227-691D-405A-8869-E43EA8D30C9D}"/>
               </a:ext>
             </a:extLst>
           </p:cNvPr>
@@ -3733,18 +3717,58 @@
         </p:nvGrpSpPr>
         <p:grpSpPr>
           <a:xfrm>
-            <a:off x="1177822" y="3028614"/>
-            <a:ext cx="6634783" cy="369332"/>
-            <a:chOff x="2259623" y="2182542"/>
-            <a:chExt cx="6634783" cy="369332"/>
+            <a:off x="1628272" y="1548091"/>
+            <a:ext cx="6485472" cy="369332"/>
+            <a:chOff x="1628272" y="1548091"/>
+            <a:chExt cx="6485472" cy="369332"/>
           </a:xfrm>
         </p:grpSpPr>
         <p:sp>
           <p:nvSpPr>
-            <p:cNvPr id="39" name="箭头: V 形 38">
+            <p:cNvPr id="82" name="文本框 81">
               <a:extLst>
                 <a:ext uri="{FF2B5EF4-FFF2-40B4-BE49-F238E27FC236}">
-                  <a16:creationId xmlns:a16="http://schemas.microsoft.com/office/drawing/2014/main" id="{4A68BB4A-7C53-4396-9A18-70EB469EDEE9}"/>
+                  <a16:creationId xmlns:a16="http://schemas.microsoft.com/office/drawing/2014/main" id="{899015CF-F2C0-43D1-839B-0CFB6A195D7B}"/>
+                </a:ext>
+              </a:extLst>
+            </p:cNvPr>
+            <p:cNvSpPr txBox="1"/>
+            <p:nvPr/>
+          </p:nvSpPr>
+          <p:spPr>
+            <a:xfrm>
+              <a:off x="2016190" y="1548091"/>
+              <a:ext cx="6097554" cy="369332"/>
+            </a:xfrm>
+            <a:prstGeom prst="rect">
+              <a:avLst/>
+            </a:prstGeom>
+            <a:noFill/>
+          </p:spPr>
+          <p:txBody>
+            <a:bodyPr wrap="square">
+              <a:spAutoFit/>
+            </a:bodyPr>
+            <a:lstStyle/>
+            <a:p>
+              <a:r>
+                <a:rPr lang="zh-CN" altLang="en-US" b="1">
+                  <a:latin typeface="Consolas" panose="020B0609020204030204" pitchFamily="49" charset="0"/>
+                  <a:ea typeface="微软雅黑" panose="020B0503020204020204" pitchFamily="34" charset="-122"/>
+                  <a:hlinkClick r:id="rId2" action="ppaction://hlinksldjump"/>
+                </a:rPr>
+                <a:t>产品</a:t>
+              </a:r>
+              <a:endParaRPr lang="zh-CN" altLang="en-US"/>
+            </a:p>
+          </p:txBody>
+        </p:sp>
+        <p:sp>
+          <p:nvSpPr>
+            <p:cNvPr id="83" name="菱形 82">
+              <a:extLst>
+                <a:ext uri="{FF2B5EF4-FFF2-40B4-BE49-F238E27FC236}">
+                  <a16:creationId xmlns:a16="http://schemas.microsoft.com/office/drawing/2014/main" id="{54C51994-307B-443A-89AB-814FA64A9499}"/>
                 </a:ext>
               </a:extLst>
             </p:cNvPr>
@@ -3753,10 +3777,10 @@
           </p:nvSpPr>
           <p:spPr>
             <a:xfrm>
-              <a:off x="2259623" y="2277208"/>
-              <a:ext cx="324000" cy="180000"/>
+              <a:off x="1628272" y="1624757"/>
+              <a:ext cx="216000" cy="216000"/>
             </a:xfrm>
-            <a:prstGeom prst="chevron">
+            <a:prstGeom prst="diamond">
               <a:avLst/>
             </a:prstGeom>
           </p:spPr>
@@ -3781,20 +3805,37 @@
             <a:lstStyle/>
             <a:p>
               <a:pPr algn="ctr"/>
-              <a:endParaRPr lang="zh-CN" altLang="en-US">
-                <a:solidFill>
-                  <a:schemeClr val="tx1"/>
-                </a:solidFill>
-              </a:endParaRPr>
+              <a:endParaRPr lang="zh-CN" altLang="en-US"/>
             </a:p>
           </p:txBody>
         </p:sp>
+      </p:grpSp>
+      <p:grpSp>
+        <p:nvGrpSpPr>
+          <p:cNvPr id="102" name="组合 101">
+            <a:extLst>
+              <a:ext uri="{FF2B5EF4-FFF2-40B4-BE49-F238E27FC236}">
+                <a16:creationId xmlns:a16="http://schemas.microsoft.com/office/drawing/2014/main" id="{D4D906AD-A3C2-4D46-9A0B-F83BA48C083A}"/>
+              </a:ext>
+            </a:extLst>
+          </p:cNvPr>
+          <p:cNvGrpSpPr/>
+          <p:nvPr/>
+        </p:nvGrpSpPr>
+        <p:grpSpPr>
+          <a:xfrm>
+            <a:off x="1628272" y="2663021"/>
+            <a:ext cx="6485472" cy="369332"/>
+            <a:chOff x="1628272" y="3360729"/>
+            <a:chExt cx="6485472" cy="369332"/>
+          </a:xfrm>
+        </p:grpSpPr>
         <p:sp>
           <p:nvSpPr>
-            <p:cNvPr id="40" name="文本框 39">
+            <p:cNvPr id="103" name="文本框 102">
               <a:extLst>
                 <a:ext uri="{FF2B5EF4-FFF2-40B4-BE49-F238E27FC236}">
-                  <a16:creationId xmlns:a16="http://schemas.microsoft.com/office/drawing/2014/main" id="{E9F6A35D-F1C7-493E-B064-A2FADF049FBD}"/>
+                  <a16:creationId xmlns:a16="http://schemas.microsoft.com/office/drawing/2014/main" id="{951E0345-9870-4566-BFD1-3495AEE04786}"/>
                 </a:ext>
               </a:extLst>
             </p:cNvPr>
@@ -3803,7 +3844,7 @@
           </p:nvSpPr>
           <p:spPr>
             <a:xfrm>
-              <a:off x="2796852" y="2182542"/>
+              <a:off x="2016190" y="3360729"/>
               <a:ext cx="6097554" cy="369332"/>
             </a:xfrm>
             <a:prstGeom prst="rect">
@@ -3818,50 +3859,23 @@
             <a:lstStyle/>
             <a:p>
               <a:r>
-                <a:rPr lang="zh-CN" altLang="en-US" sz="1800" b="1" dirty="0">
+                <a:rPr lang="zh-CN" altLang="en-US" b="1">
                   <a:latin typeface="Consolas" panose="020B0609020204030204" pitchFamily="49" charset="0"/>
                   <a:ea typeface="微软雅黑" panose="020B0503020204020204" pitchFamily="34" charset="-122"/>
+                  <a:hlinkClick r:id="rId3" action="ppaction://hlinksldjump"/>
                 </a:rPr>
-                <a:t>用户</a:t>
-              </a:r>
-              <a:r>
-                <a:rPr lang="zh-CN" altLang="en-US" sz="1800" b="1">
-                  <a:latin typeface="Consolas" panose="020B0609020204030204" pitchFamily="49" charset="0"/>
-                  <a:ea typeface="微软雅黑" panose="020B0503020204020204" pitchFamily="34" charset="-122"/>
-                </a:rPr>
-                <a:t>购买平台产品</a:t>
+                <a:t>发布平台产品</a:t>
               </a:r>
               <a:endParaRPr lang="zh-CN" altLang="en-US" dirty="0"/>
             </a:p>
           </p:txBody>
         </p:sp>
-      </p:grpSp>
-      <p:grpSp>
-        <p:nvGrpSpPr>
-          <p:cNvPr id="41" name="组合 40">
-            <a:extLst>
-              <a:ext uri="{FF2B5EF4-FFF2-40B4-BE49-F238E27FC236}">
-                <a16:creationId xmlns:a16="http://schemas.microsoft.com/office/drawing/2014/main" id="{EB51D245-B715-4332-A0DB-60096F4B151D}"/>
-              </a:ext>
-            </a:extLst>
-          </p:cNvPr>
-          <p:cNvGrpSpPr/>
-          <p:nvPr/>
-        </p:nvGrpSpPr>
-        <p:grpSpPr>
-          <a:xfrm>
-            <a:off x="1177822" y="3504861"/>
-            <a:ext cx="6634783" cy="369332"/>
-            <a:chOff x="2259623" y="2182542"/>
-            <a:chExt cx="6634783" cy="369332"/>
-          </a:xfrm>
-        </p:grpSpPr>
         <p:sp>
           <p:nvSpPr>
-            <p:cNvPr id="42" name="箭头: V 形 41">
+            <p:cNvPr id="104" name="菱形 103">
               <a:extLst>
                 <a:ext uri="{FF2B5EF4-FFF2-40B4-BE49-F238E27FC236}">
-                  <a16:creationId xmlns:a16="http://schemas.microsoft.com/office/drawing/2014/main" id="{3BC4E077-AC6F-4955-9786-E646B8FE9CAC}"/>
+                  <a16:creationId xmlns:a16="http://schemas.microsoft.com/office/drawing/2014/main" id="{8CF8C63A-C843-4886-9A13-E1D12AA793FE}"/>
                 </a:ext>
               </a:extLst>
             </p:cNvPr>
@@ -3870,10 +3884,10 @@
           </p:nvSpPr>
           <p:spPr>
             <a:xfrm>
-              <a:off x="2259623" y="2277208"/>
-              <a:ext cx="324000" cy="180000"/>
+              <a:off x="1628272" y="3437395"/>
+              <a:ext cx="216000" cy="216000"/>
             </a:xfrm>
-            <a:prstGeom prst="chevron">
+            <a:prstGeom prst="diamond">
               <a:avLst/>
             </a:prstGeom>
           </p:spPr>
@@ -3898,20 +3912,37 @@
             <a:lstStyle/>
             <a:p>
               <a:pPr algn="ctr"/>
-              <a:endParaRPr lang="zh-CN" altLang="en-US">
-                <a:solidFill>
-                  <a:schemeClr val="tx1"/>
-                </a:solidFill>
-              </a:endParaRPr>
+              <a:endParaRPr lang="zh-CN" altLang="en-US"/>
             </a:p>
           </p:txBody>
         </p:sp>
+      </p:grpSp>
+      <p:grpSp>
+        <p:nvGrpSpPr>
+          <p:cNvPr id="105" name="组合 104">
+            <a:extLst>
+              <a:ext uri="{FF2B5EF4-FFF2-40B4-BE49-F238E27FC236}">
+                <a16:creationId xmlns:a16="http://schemas.microsoft.com/office/drawing/2014/main" id="{4807028F-6252-41C7-B07B-1666A00BD2C1}"/>
+              </a:ext>
+            </a:extLst>
+          </p:cNvPr>
+          <p:cNvGrpSpPr/>
+          <p:nvPr/>
+        </p:nvGrpSpPr>
+        <p:grpSpPr>
+          <a:xfrm>
+            <a:off x="1628272" y="3087527"/>
+            <a:ext cx="6485472" cy="369332"/>
+            <a:chOff x="1628272" y="3689578"/>
+            <a:chExt cx="6485472" cy="369332"/>
+          </a:xfrm>
+        </p:grpSpPr>
         <p:sp>
           <p:nvSpPr>
-            <p:cNvPr id="43" name="文本框 42">
+            <p:cNvPr id="106" name="文本框 105">
               <a:extLst>
                 <a:ext uri="{FF2B5EF4-FFF2-40B4-BE49-F238E27FC236}">
-                  <a16:creationId xmlns:a16="http://schemas.microsoft.com/office/drawing/2014/main" id="{5D269F70-BA56-4E86-991F-3E2FE3DFF7B6}"/>
+                  <a16:creationId xmlns:a16="http://schemas.microsoft.com/office/drawing/2014/main" id="{2D84D20E-E06D-49AC-B0C6-A282ADF376EC}"/>
                 </a:ext>
               </a:extLst>
             </p:cNvPr>
@@ -3920,7 +3951,7 @@
           </p:nvSpPr>
           <p:spPr>
             <a:xfrm>
-              <a:off x="2796852" y="2182542"/>
+              <a:off x="2016190" y="3689578"/>
               <a:ext cx="6097554" cy="369332"/>
             </a:xfrm>
             <a:prstGeom prst="rect">
@@ -3935,43 +3966,31 @@
             <a:lstStyle/>
             <a:p>
               <a:r>
+                <a:rPr lang="zh-CN" altLang="en-US" b="1">
+                  <a:latin typeface="Consolas" panose="020B0609020204030204" pitchFamily="49" charset="0"/>
+                  <a:ea typeface="微软雅黑" panose="020B0503020204020204" pitchFamily="34" charset="-122"/>
+                  <a:hlinkClick r:id="rId4" action="ppaction://hlinksldjump"/>
+                </a:rPr>
+                <a:t>查看平台</a:t>
+              </a:r>
+              <a:r>
                 <a:rPr lang="zh-CN" altLang="en-US" sz="1800" b="1">
                   <a:latin typeface="Consolas" panose="020B0609020204030204" pitchFamily="49" charset="0"/>
                   <a:ea typeface="微软雅黑" panose="020B0503020204020204" pitchFamily="34" charset="-122"/>
+                  <a:hlinkClick r:id="rId4" action="ppaction://hlinksldjump"/>
                 </a:rPr>
-                <a:t>用户发布产品</a:t>
+                <a:t>产品</a:t>
               </a:r>
               <a:endParaRPr lang="zh-CN" altLang="en-US" dirty="0"/>
             </a:p>
           </p:txBody>
         </p:sp>
-      </p:grpSp>
-      <p:grpSp>
-        <p:nvGrpSpPr>
-          <p:cNvPr id="44" name="组合 43">
-            <a:extLst>
-              <a:ext uri="{FF2B5EF4-FFF2-40B4-BE49-F238E27FC236}">
-                <a16:creationId xmlns:a16="http://schemas.microsoft.com/office/drawing/2014/main" id="{9B711DA0-10CD-461C-B9CE-F3E272C1D39C}"/>
-              </a:ext>
-            </a:extLst>
-          </p:cNvPr>
-          <p:cNvGrpSpPr/>
-          <p:nvPr/>
-        </p:nvGrpSpPr>
-        <p:grpSpPr>
-          <a:xfrm>
-            <a:off x="1177822" y="3981108"/>
-            <a:ext cx="6634783" cy="369332"/>
-            <a:chOff x="2259623" y="2182542"/>
-            <a:chExt cx="6634783" cy="369332"/>
-          </a:xfrm>
-        </p:grpSpPr>
         <p:sp>
           <p:nvSpPr>
-            <p:cNvPr id="45" name="箭头: V 形 44">
+            <p:cNvPr id="107" name="菱形 106">
               <a:extLst>
                 <a:ext uri="{FF2B5EF4-FFF2-40B4-BE49-F238E27FC236}">
-                  <a16:creationId xmlns:a16="http://schemas.microsoft.com/office/drawing/2014/main" id="{24CFCFE2-EA6A-4F81-A4B0-ECC7577EC338}"/>
+                  <a16:creationId xmlns:a16="http://schemas.microsoft.com/office/drawing/2014/main" id="{9EF5713D-4E7D-40BC-AF2D-64DDD5B7E8BC}"/>
                 </a:ext>
               </a:extLst>
             </p:cNvPr>
@@ -3980,10 +3999,10 @@
           </p:nvSpPr>
           <p:spPr>
             <a:xfrm>
-              <a:off x="2259623" y="2277208"/>
-              <a:ext cx="324000" cy="180000"/>
+              <a:off x="1628272" y="3766244"/>
+              <a:ext cx="216000" cy="216000"/>
             </a:xfrm>
-            <a:prstGeom prst="chevron">
+            <a:prstGeom prst="diamond">
               <a:avLst/>
             </a:prstGeom>
           </p:spPr>
@@ -4008,394 +4027,7 @@
             <a:lstStyle/>
             <a:p>
               <a:pPr algn="ctr"/>
-              <a:endParaRPr lang="zh-CN" altLang="en-US">
-                <a:solidFill>
-                  <a:schemeClr val="tx1"/>
-                </a:solidFill>
-              </a:endParaRPr>
-            </a:p>
-          </p:txBody>
-        </p:sp>
-        <p:sp>
-          <p:nvSpPr>
-            <p:cNvPr id="46" name="文本框 45">
-              <a:extLst>
-                <a:ext uri="{FF2B5EF4-FFF2-40B4-BE49-F238E27FC236}">
-                  <a16:creationId xmlns:a16="http://schemas.microsoft.com/office/drawing/2014/main" id="{4B7A6BFD-5584-4F59-AC3B-3373DE532DC9}"/>
-                </a:ext>
-              </a:extLst>
-            </p:cNvPr>
-            <p:cNvSpPr txBox="1"/>
-            <p:nvPr/>
-          </p:nvSpPr>
-          <p:spPr>
-            <a:xfrm>
-              <a:off x="2796852" y="2182542"/>
-              <a:ext cx="6097554" cy="369332"/>
-            </a:xfrm>
-            <a:prstGeom prst="rect">
-              <a:avLst/>
-            </a:prstGeom>
-            <a:noFill/>
-          </p:spPr>
-          <p:txBody>
-            <a:bodyPr wrap="square">
-              <a:spAutoFit/>
-            </a:bodyPr>
-            <a:lstStyle/>
-            <a:p>
-              <a:r>
-                <a:rPr lang="zh-CN" altLang="en-US" sz="1800" b="1">
-                  <a:latin typeface="Consolas" panose="020B0609020204030204" pitchFamily="49" charset="0"/>
-                  <a:ea typeface="微软雅黑" panose="020B0503020204020204" pitchFamily="34" charset="-122"/>
-                </a:rPr>
-                <a:t>用户购买用户产品</a:t>
-              </a:r>
-              <a:endParaRPr lang="zh-CN" altLang="en-US" dirty="0"/>
-            </a:p>
-          </p:txBody>
-        </p:sp>
-      </p:grpSp>
-      <p:grpSp>
-        <p:nvGrpSpPr>
-          <p:cNvPr id="20" name="组合 19">
-            <a:extLst>
-              <a:ext uri="{FF2B5EF4-FFF2-40B4-BE49-F238E27FC236}">
-                <a16:creationId xmlns:a16="http://schemas.microsoft.com/office/drawing/2014/main" id="{3E399C01-AC68-4804-A2FD-81F986FFD611}"/>
-              </a:ext>
-            </a:extLst>
-          </p:cNvPr>
-          <p:cNvGrpSpPr/>
-          <p:nvPr/>
-        </p:nvGrpSpPr>
-        <p:grpSpPr>
-          <a:xfrm>
-            <a:off x="1177822" y="1542093"/>
-            <a:ext cx="6634783" cy="369332"/>
-            <a:chOff x="2259623" y="2182542"/>
-            <a:chExt cx="6634783" cy="369332"/>
-          </a:xfrm>
-        </p:grpSpPr>
-        <p:sp>
-          <p:nvSpPr>
-            <p:cNvPr id="21" name="箭头: V 形 20">
-              <a:extLst>
-                <a:ext uri="{FF2B5EF4-FFF2-40B4-BE49-F238E27FC236}">
-                  <a16:creationId xmlns:a16="http://schemas.microsoft.com/office/drawing/2014/main" id="{375C8FC4-9957-4CBF-83A9-DCB2AE0407CE}"/>
-                </a:ext>
-              </a:extLst>
-            </p:cNvPr>
-            <p:cNvSpPr/>
-            <p:nvPr/>
-          </p:nvSpPr>
-          <p:spPr>
-            <a:xfrm>
-              <a:off x="2259623" y="2277208"/>
-              <a:ext cx="324000" cy="180000"/>
-            </a:xfrm>
-            <a:prstGeom prst="chevron">
-              <a:avLst/>
-            </a:prstGeom>
-          </p:spPr>
-          <p:style>
-            <a:lnRef idx="2">
-              <a:schemeClr val="accent1">
-                <a:shade val="50000"/>
-              </a:schemeClr>
-            </a:lnRef>
-            <a:fillRef idx="1">
-              <a:schemeClr val="accent1"/>
-            </a:fillRef>
-            <a:effectRef idx="0">
-              <a:schemeClr val="accent1"/>
-            </a:effectRef>
-            <a:fontRef idx="minor">
-              <a:schemeClr val="lt1"/>
-            </a:fontRef>
-          </p:style>
-          <p:txBody>
-            <a:bodyPr rtlCol="0" anchor="ctr"/>
-            <a:lstStyle/>
-            <a:p>
-              <a:pPr algn="ctr"/>
-              <a:endParaRPr lang="zh-CN" altLang="en-US">
-                <a:solidFill>
-                  <a:schemeClr val="tx1"/>
-                </a:solidFill>
-              </a:endParaRPr>
-            </a:p>
-          </p:txBody>
-        </p:sp>
-        <p:sp>
-          <p:nvSpPr>
-            <p:cNvPr id="22" name="文本框 21">
-              <a:extLst>
-                <a:ext uri="{FF2B5EF4-FFF2-40B4-BE49-F238E27FC236}">
-                  <a16:creationId xmlns:a16="http://schemas.microsoft.com/office/drawing/2014/main" id="{6D07D0E2-590C-47BA-B368-30C6EEA3B298}"/>
-                </a:ext>
-              </a:extLst>
-            </p:cNvPr>
-            <p:cNvSpPr txBox="1"/>
-            <p:nvPr/>
-          </p:nvSpPr>
-          <p:spPr>
-            <a:xfrm>
-              <a:off x="2796852" y="2182542"/>
-              <a:ext cx="6097554" cy="369332"/>
-            </a:xfrm>
-            <a:prstGeom prst="rect">
-              <a:avLst/>
-            </a:prstGeom>
-            <a:noFill/>
-          </p:spPr>
-          <p:txBody>
-            <a:bodyPr wrap="square">
-              <a:spAutoFit/>
-            </a:bodyPr>
-            <a:lstStyle/>
-            <a:p>
-              <a:r>
-                <a:rPr lang="zh-CN" altLang="en-US" b="1">
-                  <a:latin typeface="Consolas" panose="020B0609020204030204" pitchFamily="49" charset="0"/>
-                  <a:ea typeface="微软雅黑" panose="020B0503020204020204" pitchFamily="34" charset="-122"/>
-                </a:rPr>
-                <a:t>用户产品</a:t>
-              </a:r>
-              <a:r>
-                <a:rPr lang="zh-CN" altLang="en-US" sz="1800" b="1">
-                  <a:latin typeface="Consolas" panose="020B0609020204030204" pitchFamily="49" charset="0"/>
-                  <a:ea typeface="微软雅黑" panose="020B0503020204020204" pitchFamily="34" charset="-122"/>
-                </a:rPr>
-                <a:t>表结构</a:t>
-              </a:r>
-              <a:endParaRPr lang="zh-CN" altLang="en-US" dirty="0"/>
-            </a:p>
-          </p:txBody>
-        </p:sp>
-      </p:grpSp>
-      <p:grpSp>
-        <p:nvGrpSpPr>
-          <p:cNvPr id="23" name="组合 22">
-            <a:extLst>
-              <a:ext uri="{FF2B5EF4-FFF2-40B4-BE49-F238E27FC236}">
-                <a16:creationId xmlns:a16="http://schemas.microsoft.com/office/drawing/2014/main" id="{F1FAFF8D-F935-4143-AD4B-75A5ABA08EA7}"/>
-              </a:ext>
-            </a:extLst>
-          </p:cNvPr>
-          <p:cNvGrpSpPr/>
-          <p:nvPr/>
-        </p:nvGrpSpPr>
-        <p:grpSpPr>
-          <a:xfrm>
-            <a:off x="1177822" y="4457355"/>
-            <a:ext cx="6634783" cy="369332"/>
-            <a:chOff x="2259623" y="2182542"/>
-            <a:chExt cx="6634783" cy="369332"/>
-          </a:xfrm>
-        </p:grpSpPr>
-        <p:sp>
-          <p:nvSpPr>
-            <p:cNvPr id="24" name="箭头: V 形 23">
-              <a:extLst>
-                <a:ext uri="{FF2B5EF4-FFF2-40B4-BE49-F238E27FC236}">
-                  <a16:creationId xmlns:a16="http://schemas.microsoft.com/office/drawing/2014/main" id="{E81479D0-1413-432F-9DBA-E117E0BC39BC}"/>
-                </a:ext>
-              </a:extLst>
-            </p:cNvPr>
-            <p:cNvSpPr/>
-            <p:nvPr/>
-          </p:nvSpPr>
-          <p:spPr>
-            <a:xfrm>
-              <a:off x="2259623" y="2277208"/>
-              <a:ext cx="324000" cy="180000"/>
-            </a:xfrm>
-            <a:prstGeom prst="chevron">
-              <a:avLst/>
-            </a:prstGeom>
-          </p:spPr>
-          <p:style>
-            <a:lnRef idx="2">
-              <a:schemeClr val="accent1">
-                <a:shade val="50000"/>
-              </a:schemeClr>
-            </a:lnRef>
-            <a:fillRef idx="1">
-              <a:schemeClr val="accent1"/>
-            </a:fillRef>
-            <a:effectRef idx="0">
-              <a:schemeClr val="accent1"/>
-            </a:effectRef>
-            <a:fontRef idx="minor">
-              <a:schemeClr val="lt1"/>
-            </a:fontRef>
-          </p:style>
-          <p:txBody>
-            <a:bodyPr rtlCol="0" anchor="ctr"/>
-            <a:lstStyle/>
-            <a:p>
-              <a:pPr algn="ctr"/>
-              <a:endParaRPr lang="zh-CN" altLang="en-US">
-                <a:solidFill>
-                  <a:schemeClr val="tx1"/>
-                </a:solidFill>
-              </a:endParaRPr>
-            </a:p>
-          </p:txBody>
-        </p:sp>
-        <p:sp>
-          <p:nvSpPr>
-            <p:cNvPr id="25" name="文本框 24">
-              <a:extLst>
-                <a:ext uri="{FF2B5EF4-FFF2-40B4-BE49-F238E27FC236}">
-                  <a16:creationId xmlns:a16="http://schemas.microsoft.com/office/drawing/2014/main" id="{3C1430D4-E22B-4A9F-9E13-C749B9D12721}"/>
-                </a:ext>
-              </a:extLst>
-            </p:cNvPr>
-            <p:cNvSpPr txBox="1"/>
-            <p:nvPr/>
-          </p:nvSpPr>
-          <p:spPr>
-            <a:xfrm>
-              <a:off x="2796852" y="2182542"/>
-              <a:ext cx="6097554" cy="369332"/>
-            </a:xfrm>
-            <a:prstGeom prst="rect">
-              <a:avLst/>
-            </a:prstGeom>
-            <a:noFill/>
-          </p:spPr>
-          <p:txBody>
-            <a:bodyPr wrap="square">
-              <a:spAutoFit/>
-            </a:bodyPr>
-            <a:lstStyle/>
-            <a:p>
-              <a:r>
-                <a:rPr lang="zh-CN" altLang="en-US" b="1">
-                  <a:latin typeface="Consolas" panose="020B0609020204030204" pitchFamily="49" charset="0"/>
-                  <a:ea typeface="微软雅黑" panose="020B0503020204020204" pitchFamily="34" charset="-122"/>
-                </a:rPr>
-                <a:t>查看平台</a:t>
-              </a:r>
-              <a:r>
-                <a:rPr lang="zh-CN" altLang="en-US" sz="1800" b="1">
-                  <a:latin typeface="Consolas" panose="020B0609020204030204" pitchFamily="49" charset="0"/>
-                  <a:ea typeface="微软雅黑" panose="020B0503020204020204" pitchFamily="34" charset="-122"/>
-                </a:rPr>
-                <a:t>产品</a:t>
-              </a:r>
-              <a:endParaRPr lang="zh-CN" altLang="en-US" dirty="0"/>
-            </a:p>
-          </p:txBody>
-        </p:sp>
-      </p:grpSp>
-      <p:grpSp>
-        <p:nvGrpSpPr>
-          <p:cNvPr id="26" name="组合 25">
-            <a:extLst>
-              <a:ext uri="{FF2B5EF4-FFF2-40B4-BE49-F238E27FC236}">
-                <a16:creationId xmlns:a16="http://schemas.microsoft.com/office/drawing/2014/main" id="{4B944796-D0BB-468F-B612-ED50A7B62AA6}"/>
-              </a:ext>
-            </a:extLst>
-          </p:cNvPr>
-          <p:cNvGrpSpPr/>
-          <p:nvPr/>
-        </p:nvGrpSpPr>
-        <p:grpSpPr>
-          <a:xfrm>
-            <a:off x="1177822" y="4933602"/>
-            <a:ext cx="6634783" cy="369332"/>
-            <a:chOff x="2259623" y="2182542"/>
-            <a:chExt cx="6634783" cy="369332"/>
-          </a:xfrm>
-        </p:grpSpPr>
-        <p:sp>
-          <p:nvSpPr>
-            <p:cNvPr id="27" name="箭头: V 形 26">
-              <a:extLst>
-                <a:ext uri="{FF2B5EF4-FFF2-40B4-BE49-F238E27FC236}">
-                  <a16:creationId xmlns:a16="http://schemas.microsoft.com/office/drawing/2014/main" id="{71189E1A-AB87-4569-A8AE-DF6474530B75}"/>
-                </a:ext>
-              </a:extLst>
-            </p:cNvPr>
-            <p:cNvSpPr/>
-            <p:nvPr/>
-          </p:nvSpPr>
-          <p:spPr>
-            <a:xfrm>
-              <a:off x="2259623" y="2277208"/>
-              <a:ext cx="324000" cy="180000"/>
-            </a:xfrm>
-            <a:prstGeom prst="chevron">
-              <a:avLst/>
-            </a:prstGeom>
-          </p:spPr>
-          <p:style>
-            <a:lnRef idx="2">
-              <a:schemeClr val="accent1">
-                <a:shade val="50000"/>
-              </a:schemeClr>
-            </a:lnRef>
-            <a:fillRef idx="1">
-              <a:schemeClr val="accent1"/>
-            </a:fillRef>
-            <a:effectRef idx="0">
-              <a:schemeClr val="accent1"/>
-            </a:effectRef>
-            <a:fontRef idx="minor">
-              <a:schemeClr val="lt1"/>
-            </a:fontRef>
-          </p:style>
-          <p:txBody>
-            <a:bodyPr rtlCol="0" anchor="ctr"/>
-            <a:lstStyle/>
-            <a:p>
-              <a:pPr algn="ctr"/>
-              <a:endParaRPr lang="zh-CN" altLang="en-US">
-                <a:solidFill>
-                  <a:schemeClr val="tx1"/>
-                </a:solidFill>
-              </a:endParaRPr>
-            </a:p>
-          </p:txBody>
-        </p:sp>
-        <p:sp>
-          <p:nvSpPr>
-            <p:cNvPr id="28" name="文本框 27">
-              <a:extLst>
-                <a:ext uri="{FF2B5EF4-FFF2-40B4-BE49-F238E27FC236}">
-                  <a16:creationId xmlns:a16="http://schemas.microsoft.com/office/drawing/2014/main" id="{4F6E3CAD-BE67-45B4-885C-05F87714A82D}"/>
-                </a:ext>
-              </a:extLst>
-            </p:cNvPr>
-            <p:cNvSpPr txBox="1"/>
-            <p:nvPr/>
-          </p:nvSpPr>
-          <p:spPr>
-            <a:xfrm>
-              <a:off x="2796852" y="2182542"/>
-              <a:ext cx="6097554" cy="369332"/>
-            </a:xfrm>
-            <a:prstGeom prst="rect">
-              <a:avLst/>
-            </a:prstGeom>
-            <a:noFill/>
-          </p:spPr>
-          <p:txBody>
-            <a:bodyPr wrap="square">
-              <a:spAutoFit/>
-            </a:bodyPr>
-            <a:lstStyle/>
-            <a:p>
-              <a:r>
-                <a:rPr lang="zh-CN" altLang="en-US" sz="1800" b="1">
-                  <a:latin typeface="Consolas" panose="020B0609020204030204" pitchFamily="49" charset="0"/>
-                  <a:ea typeface="微软雅黑" panose="020B0503020204020204" pitchFamily="34" charset="-122"/>
-                </a:rPr>
-                <a:t>查看用户产品</a:t>
-              </a:r>
-              <a:endParaRPr lang="zh-CN" altLang="en-US" dirty="0"/>
+              <a:endParaRPr lang="zh-CN" altLang="en-US"/>
             </a:p>
           </p:txBody>
         </p:sp>
@@ -4430,56 +4062,6 @@
           <a:chExt cx="0" cy="0"/>
         </a:xfrm>
       </p:grpSpPr>
-      <p:cxnSp>
-        <p:nvCxnSpPr>
-          <p:cNvPr id="239" name="直接连接符 238">
-            <a:extLst>
-              <a:ext uri="{FF2B5EF4-FFF2-40B4-BE49-F238E27FC236}">
-                <a16:creationId xmlns:a16="http://schemas.microsoft.com/office/drawing/2014/main" id="{05CC9636-A076-48A7-9A94-4E0212BA0C59}"/>
-              </a:ext>
-            </a:extLst>
-          </p:cNvPr>
-          <p:cNvCxnSpPr>
-            <a:cxnSpLocks/>
-          </p:cNvCxnSpPr>
-          <p:nvPr/>
-        </p:nvCxnSpPr>
-        <p:spPr>
-          <a:xfrm flipH="1">
-            <a:off x="433388" y="1006728"/>
-            <a:ext cx="11325225" cy="1"/>
-          </a:xfrm>
-          <a:prstGeom prst="line">
-            <a:avLst/>
-          </a:prstGeom>
-          <a:ln w="19050">
-            <a:solidFill>
-              <a:srgbClr val="00576E"/>
-            </a:solidFill>
-          </a:ln>
-          <a:effectLst>
-            <a:outerShdw blurRad="50800" dist="12700" dir="5400000" algn="t" rotWithShape="0">
-              <a:prstClr val="black">
-                <a:alpha val="40000"/>
-              </a:prstClr>
-            </a:outerShdw>
-          </a:effectLst>
-        </p:spPr>
-        <p:style>
-          <a:lnRef idx="2">
-            <a:schemeClr val="accent1"/>
-          </a:lnRef>
-          <a:fillRef idx="0">
-            <a:schemeClr val="accent1"/>
-          </a:fillRef>
-          <a:effectRef idx="1">
-            <a:schemeClr val="accent1"/>
-          </a:effectRef>
-          <a:fontRef idx="minor">
-            <a:schemeClr val="tx1"/>
-          </a:fontRef>
-        </p:style>
-      </p:cxnSp>
       <p:sp>
         <p:nvSpPr>
           <p:cNvPr id="240" name="矩形 239">
@@ -4546,7 +4128,7 @@
         <p:spPr>
           <a:xfrm>
             <a:off x="712379" y="173975"/>
-            <a:ext cx="3057247" cy="584775"/>
+            <a:ext cx="1005403" cy="584775"/>
           </a:xfrm>
           <a:prstGeom prst="rect">
             <a:avLst/>
@@ -4564,7 +4146,7 @@
                 <a:latin typeface="Consolas" panose="020B0609020204030204" pitchFamily="49" charset="0"/>
                 <a:ea typeface="微软雅黑" panose="020B0503020204020204" pitchFamily="34" charset="-122"/>
               </a:rPr>
-              <a:t>平台产品表结构</a:t>
+              <a:t>产品</a:t>
             </a:r>
           </a:p>
         </p:txBody>
@@ -4649,7 +4231,7 @@
                 <a:latin typeface="微软雅黑" panose="020B0503020204020204" pitchFamily="34" charset="-122"/>
                 <a:ea typeface="微软雅黑" panose="020B0503020204020204" pitchFamily="34" charset="-122"/>
               </a:rPr>
-              <a:t>platform_goods</a:t>
+              <a:t>goods</a:t>
             </a:r>
             <a:endParaRPr lang="zh-CN" altLang="en-US" sz="1600" b="1">
               <a:solidFill>
@@ -4753,13 +4335,6 @@
               </a:rPr>
               <a:t>[1~n][aaa,bbb,ccc…]</a:t>
             </a:r>
-            <a:endParaRPr lang="zh-CN" altLang="en-US" sz="1200" b="1">
-              <a:solidFill>
-                <a:schemeClr val="tx1"/>
-              </a:solidFill>
-              <a:latin typeface="微软雅黑" panose="020B0503020204020204" pitchFamily="34" charset="-122"/>
-              <a:ea typeface="微软雅黑" panose="020B0503020204020204" pitchFamily="34" charset="-122"/>
-            </a:endParaRPr>
           </a:p>
           <a:p>
             <a:r>
@@ -4770,15 +4345,8 @@
                 <a:latin typeface="微软雅黑" panose="020B0503020204020204" pitchFamily="34" charset="-122"/>
                 <a:ea typeface="微软雅黑" panose="020B0503020204020204" pitchFamily="34" charset="-122"/>
               </a:rPr>
-              <a:t>价格</a:t>
-            </a:r>
-            <a:endParaRPr lang="en-US" altLang="zh-CN" sz="1200" b="1">
-              <a:solidFill>
-                <a:schemeClr val="tx1"/>
-              </a:solidFill>
-              <a:latin typeface="微软雅黑" panose="020B0503020204020204" pitchFamily="34" charset="-122"/>
-              <a:ea typeface="微软雅黑" panose="020B0503020204020204" pitchFamily="34" charset="-122"/>
-            </a:endParaRPr>
+              <a:t>产品名称</a:t>
+            </a:r>
           </a:p>
           <a:p>
             <a:r>
@@ -4789,338 +4357,7 @@
                 <a:latin typeface="微软雅黑" panose="020B0503020204020204" pitchFamily="34" charset="-122"/>
                 <a:ea typeface="微软雅黑" panose="020B0503020204020204" pitchFamily="34" charset="-122"/>
               </a:rPr>
-              <a:t>数量</a:t>
-            </a:r>
-            <a:endParaRPr lang="en-US" altLang="zh-CN" sz="1200" b="1">
-              <a:solidFill>
-                <a:schemeClr val="tx1"/>
-              </a:solidFill>
-              <a:latin typeface="微软雅黑" panose="020B0503020204020204" pitchFamily="34" charset="-122"/>
-              <a:ea typeface="微软雅黑" panose="020B0503020204020204" pitchFamily="34" charset="-122"/>
-            </a:endParaRPr>
-          </a:p>
-        </p:txBody>
-      </p:sp>
-    </p:spTree>
-    <p:extLst>
-      <p:ext uri="{BB962C8B-B14F-4D97-AF65-F5344CB8AC3E}">
-        <p14:creationId xmlns:p14="http://schemas.microsoft.com/office/powerpoint/2010/main" val="1344706601"/>
-      </p:ext>
-    </p:extLst>
-  </p:cSld>
-  <p:clrMapOvr>
-    <a:masterClrMapping/>
-  </p:clrMapOvr>
-</p:sld>
-</file>
-
-<file path=ppt/slides/slide3.xml><?xml version="1.0" encoding="utf-8"?>
-<p:sld xmlns:a="http://schemas.openxmlformats.org/drawingml/2006/main" xmlns:r="http://schemas.openxmlformats.org/officeDocument/2006/relationships" xmlns:p="http://schemas.openxmlformats.org/presentationml/2006/main">
-  <p:cSld>
-    <p:spTree>
-      <p:nvGrpSpPr>
-        <p:cNvPr id="1" name=""/>
-        <p:cNvGrpSpPr/>
-        <p:nvPr/>
-      </p:nvGrpSpPr>
-      <p:grpSpPr>
-        <a:xfrm>
-          <a:off x="0" y="0"/>
-          <a:ext cx="0" cy="0"/>
-          <a:chOff x="0" y="0"/>
-          <a:chExt cx="0" cy="0"/>
-        </a:xfrm>
-      </p:grpSpPr>
-      <p:cxnSp>
-        <p:nvCxnSpPr>
-          <p:cNvPr id="239" name="直接连接符 238">
-            <a:extLst>
-              <a:ext uri="{FF2B5EF4-FFF2-40B4-BE49-F238E27FC236}">
-                <a16:creationId xmlns:a16="http://schemas.microsoft.com/office/drawing/2014/main" id="{05CC9636-A076-48A7-9A94-4E0212BA0C59}"/>
-              </a:ext>
-            </a:extLst>
-          </p:cNvPr>
-          <p:cNvCxnSpPr>
-            <a:cxnSpLocks/>
-          </p:cNvCxnSpPr>
-          <p:nvPr/>
-        </p:nvCxnSpPr>
-        <p:spPr>
-          <a:xfrm flipH="1">
-            <a:off x="433388" y="1006728"/>
-            <a:ext cx="11325225" cy="1"/>
-          </a:xfrm>
-          <a:prstGeom prst="line">
-            <a:avLst/>
-          </a:prstGeom>
-          <a:ln w="19050">
-            <a:solidFill>
-              <a:srgbClr val="00576E"/>
-            </a:solidFill>
-          </a:ln>
-          <a:effectLst>
-            <a:outerShdw blurRad="50800" dist="12700" dir="5400000" algn="t" rotWithShape="0">
-              <a:prstClr val="black">
-                <a:alpha val="40000"/>
-              </a:prstClr>
-            </a:outerShdw>
-          </a:effectLst>
-        </p:spPr>
-        <p:style>
-          <a:lnRef idx="2">
-            <a:schemeClr val="accent1"/>
-          </a:lnRef>
-          <a:fillRef idx="0">
-            <a:schemeClr val="accent1"/>
-          </a:fillRef>
-          <a:effectRef idx="1">
-            <a:schemeClr val="accent1"/>
-          </a:effectRef>
-          <a:fontRef idx="minor">
-            <a:schemeClr val="tx1"/>
-          </a:fontRef>
-        </p:style>
-      </p:cxnSp>
-      <p:sp>
-        <p:nvSpPr>
-          <p:cNvPr id="240" name="矩形 239">
-            <a:extLst>
-              <a:ext uri="{FF2B5EF4-FFF2-40B4-BE49-F238E27FC236}">
-                <a16:creationId xmlns:a16="http://schemas.microsoft.com/office/drawing/2014/main" id="{CE6D800A-2E58-40A9-AF4D-2C92406102BA}"/>
-              </a:ext>
-            </a:extLst>
-          </p:cNvPr>
-          <p:cNvSpPr/>
-          <p:nvPr/>
-        </p:nvSpPr>
-        <p:spPr>
-          <a:xfrm>
-            <a:off x="471489" y="209549"/>
-            <a:ext cx="119062" cy="513626"/>
-          </a:xfrm>
-          <a:prstGeom prst="rect">
-            <a:avLst/>
-          </a:prstGeom>
-          <a:solidFill>
-            <a:srgbClr val="00576E"/>
-          </a:solidFill>
-        </p:spPr>
-        <p:style>
-          <a:lnRef idx="2">
-            <a:schemeClr val="accent1">
-              <a:shade val="50000"/>
-            </a:schemeClr>
-          </a:lnRef>
-          <a:fillRef idx="1">
-            <a:schemeClr val="accent1"/>
-          </a:fillRef>
-          <a:effectRef idx="0">
-            <a:schemeClr val="accent1"/>
-          </a:effectRef>
-          <a:fontRef idx="minor">
-            <a:schemeClr val="lt1"/>
-          </a:fontRef>
-        </p:style>
-        <p:txBody>
-          <a:bodyPr rtlCol="0" anchor="ctr"/>
-          <a:lstStyle/>
-          <a:p>
-            <a:pPr algn="ctr"/>
-            <a:endParaRPr lang="zh-CN" altLang="en-US">
-              <a:latin typeface="Consolas" panose="020B0609020204030204" pitchFamily="49" charset="0"/>
-            </a:endParaRPr>
-          </a:p>
-        </p:txBody>
-      </p:sp>
-      <p:sp>
-        <p:nvSpPr>
-          <p:cNvPr id="241" name="文本框 240">
-            <a:extLst>
-              <a:ext uri="{FF2B5EF4-FFF2-40B4-BE49-F238E27FC236}">
-                <a16:creationId xmlns:a16="http://schemas.microsoft.com/office/drawing/2014/main" id="{90ABBAE7-6707-4A6F-819E-32C1CFD4250B}"/>
-              </a:ext>
-            </a:extLst>
-          </p:cNvPr>
-          <p:cNvSpPr txBox="1"/>
-          <p:nvPr/>
-        </p:nvSpPr>
-        <p:spPr>
-          <a:xfrm>
-            <a:off x="712379" y="173975"/>
-            <a:ext cx="3057247" cy="584775"/>
-          </a:xfrm>
-          <a:prstGeom prst="rect">
-            <a:avLst/>
-          </a:prstGeom>
-          <a:noFill/>
-        </p:spPr>
-        <p:txBody>
-          <a:bodyPr wrap="none" rtlCol="0">
-            <a:spAutoFit/>
-          </a:bodyPr>
-          <a:lstStyle/>
-          <a:p>
-            <a:r>
-              <a:rPr lang="zh-CN" altLang="en-US" sz="3200" b="1">
-                <a:latin typeface="Consolas" panose="020B0609020204030204" pitchFamily="49" charset="0"/>
-                <a:ea typeface="微软雅黑" panose="020B0503020204020204" pitchFamily="34" charset="-122"/>
-              </a:rPr>
-              <a:t>用户产品表结构</a:t>
-            </a:r>
-          </a:p>
-        </p:txBody>
-      </p:sp>
-      <p:sp>
-        <p:nvSpPr>
-          <p:cNvPr id="67" name="矩形: 圆角 66">
-            <a:extLst>
-              <a:ext uri="{FF2B5EF4-FFF2-40B4-BE49-F238E27FC236}">
-                <a16:creationId xmlns:a16="http://schemas.microsoft.com/office/drawing/2014/main" id="{9E765455-F3CE-4BD4-B63C-95A07F485C37}"/>
-              </a:ext>
-            </a:extLst>
-          </p:cNvPr>
-          <p:cNvSpPr/>
-          <p:nvPr/>
-        </p:nvSpPr>
-        <p:spPr>
-          <a:xfrm>
-            <a:off x="832597" y="1425219"/>
-            <a:ext cx="1728000" cy="576000"/>
-          </a:xfrm>
-          <a:prstGeom prst="roundRect">
-            <a:avLst/>
-          </a:prstGeom>
-          <a:solidFill>
-            <a:schemeClr val="bg1">
-              <a:lumMod val="95000"/>
-            </a:schemeClr>
-          </a:solidFill>
-          <a:ln>
-            <a:solidFill>
-              <a:schemeClr val="tx1"/>
-            </a:solidFill>
-          </a:ln>
-        </p:spPr>
-        <p:style>
-          <a:lnRef idx="2">
-            <a:schemeClr val="accent1">
-              <a:shade val="50000"/>
-            </a:schemeClr>
-          </a:lnRef>
-          <a:fillRef idx="1">
-            <a:schemeClr val="accent1"/>
-          </a:fillRef>
-          <a:effectRef idx="0">
-            <a:schemeClr val="accent1"/>
-          </a:effectRef>
-          <a:fontRef idx="minor">
-            <a:schemeClr val="lt1"/>
-          </a:fontRef>
-        </p:style>
-        <p:txBody>
-          <a:bodyPr wrap="none" lIns="36000" tIns="36000" rIns="36000" bIns="36000" rtlCol="0" anchor="ctr" anchorCtr="0"/>
-          <a:lstStyle/>
-          <a:p>
-            <a:pPr algn="ctr"/>
-            <a:r>
-              <a:rPr lang="zh-CN" altLang="en-US" sz="1600" b="1">
-                <a:solidFill>
-                  <a:schemeClr val="tx1"/>
-                </a:solidFill>
-                <a:latin typeface="微软雅黑" panose="020B0503020204020204" pitchFamily="34" charset="-122"/>
-                <a:ea typeface="微软雅黑" panose="020B0503020204020204" pitchFamily="34" charset="-122"/>
-              </a:rPr>
-              <a:t>用户当前产品表</a:t>
-            </a:r>
-            <a:endParaRPr lang="en-US" altLang="zh-CN" sz="1600" b="1">
-              <a:solidFill>
-                <a:schemeClr val="tx1"/>
-              </a:solidFill>
-              <a:latin typeface="微软雅黑" panose="020B0503020204020204" pitchFamily="34" charset="-122"/>
-              <a:ea typeface="微软雅黑" panose="020B0503020204020204" pitchFamily="34" charset="-122"/>
-            </a:endParaRPr>
-          </a:p>
-          <a:p>
-            <a:pPr algn="ctr"/>
-            <a:r>
-              <a:rPr lang="en-US" altLang="zh-CN" sz="1600" b="1">
-                <a:solidFill>
-                  <a:schemeClr val="tx1"/>
-                </a:solidFill>
-                <a:latin typeface="微软雅黑" panose="020B0503020204020204" pitchFamily="34" charset="-122"/>
-                <a:ea typeface="微软雅黑" panose="020B0503020204020204" pitchFamily="34" charset="-122"/>
-              </a:rPr>
-              <a:t>user_goods</a:t>
-            </a:r>
-            <a:endParaRPr lang="zh-CN" altLang="en-US" sz="1600" b="1">
-              <a:solidFill>
-                <a:schemeClr val="tx1"/>
-              </a:solidFill>
-              <a:latin typeface="微软雅黑" panose="020B0503020204020204" pitchFamily="34" charset="-122"/>
-              <a:ea typeface="微软雅黑" panose="020B0503020204020204" pitchFamily="34" charset="-122"/>
-            </a:endParaRPr>
-          </a:p>
-        </p:txBody>
-      </p:sp>
-      <p:sp>
-        <p:nvSpPr>
-          <p:cNvPr id="68" name="矩形: 圆角 67">
-            <a:extLst>
-              <a:ext uri="{FF2B5EF4-FFF2-40B4-BE49-F238E27FC236}">
-                <a16:creationId xmlns:a16="http://schemas.microsoft.com/office/drawing/2014/main" id="{0BAC5D00-5686-490B-8234-1795587BADF0}"/>
-              </a:ext>
-            </a:extLst>
-          </p:cNvPr>
-          <p:cNvSpPr/>
-          <p:nvPr/>
-        </p:nvSpPr>
-        <p:spPr>
-          <a:xfrm>
-            <a:off x="832597" y="2001219"/>
-            <a:ext cx="1728000" cy="691403"/>
-          </a:xfrm>
-          <a:prstGeom prst="roundRect">
-            <a:avLst>
-              <a:gd name="adj" fmla="val 5494"/>
-            </a:avLst>
-          </a:prstGeom>
-          <a:noFill/>
-          <a:ln>
-            <a:solidFill>
-              <a:schemeClr val="tx2"/>
-            </a:solidFill>
-            <a:prstDash val="dash"/>
-          </a:ln>
-        </p:spPr>
-        <p:style>
-          <a:lnRef idx="2">
-            <a:schemeClr val="accent1">
-              <a:shade val="50000"/>
-            </a:schemeClr>
-          </a:lnRef>
-          <a:fillRef idx="1">
-            <a:schemeClr val="accent1"/>
-          </a:fillRef>
-          <a:effectRef idx="0">
-            <a:schemeClr val="accent1"/>
-          </a:effectRef>
-          <a:fontRef idx="minor">
-            <a:schemeClr val="lt1"/>
-          </a:fontRef>
-        </p:style>
-        <p:txBody>
-          <a:bodyPr rtlCol="0" anchor="b" anchorCtr="0"/>
-          <a:lstStyle/>
-          <a:p>
-            <a:r>
-              <a:rPr lang="zh-CN" altLang="en-US" sz="1200" b="1">
-                <a:solidFill>
-                  <a:schemeClr val="tx1"/>
-                </a:solidFill>
-                <a:latin typeface="微软雅黑" panose="020B0503020204020204" pitchFamily="34" charset="-122"/>
-                <a:ea typeface="微软雅黑" panose="020B0503020204020204" pitchFamily="34" charset="-122"/>
-              </a:rPr>
-              <a:t>用户</a:t>
+              <a:t>产品单价 </a:t>
             </a:r>
             <a:r>
               <a:rPr lang="en-US" altLang="zh-CN" sz="1200" b="1">
@@ -5130,10 +4367,8 @@
                 <a:latin typeface="微软雅黑" panose="020B0503020204020204" pitchFamily="34" charset="-122"/>
                 <a:ea typeface="微软雅黑" panose="020B0503020204020204" pitchFamily="34" charset="-122"/>
               </a:rPr>
-              <a:t>id</a:t>
-            </a:r>
-          </a:p>
-          <a:p>
+              <a:t>[1</a:t>
+            </a:r>
             <a:r>
               <a:rPr lang="zh-CN" altLang="en-US" sz="1200" b="1">
                 <a:solidFill>
@@ -5152,484 +4387,17 @@
                 <a:latin typeface="微软雅黑" panose="020B0503020204020204" pitchFamily="34" charset="-122"/>
                 <a:ea typeface="微软雅黑" panose="020B0503020204020204" pitchFamily="34" charset="-122"/>
               </a:rPr>
-              <a:t>id</a:t>
-            </a:r>
-          </a:p>
-          <a:p>
-            <a:r>
-              <a:rPr lang="zh-CN" altLang="en-US" sz="1200" b="1">
-                <a:solidFill>
-                  <a:schemeClr val="tx1"/>
-                </a:solidFill>
-                <a:latin typeface="微软雅黑" panose="020B0503020204020204" pitchFamily="34" charset="-122"/>
-                <a:ea typeface="微软雅黑" panose="020B0503020204020204" pitchFamily="34" charset="-122"/>
-              </a:rPr>
-              <a:t>产品数量</a:t>
-            </a:r>
-            <a:endParaRPr lang="zh-CN" altLang="en-US" sz="1200">
-              <a:latin typeface="微软雅黑" panose="020B0503020204020204" pitchFamily="34" charset="-122"/>
-              <a:ea typeface="微软雅黑" panose="020B0503020204020204" pitchFamily="34" charset="-122"/>
-            </a:endParaRPr>
-          </a:p>
-        </p:txBody>
-      </p:sp>
-      <p:sp>
-        <p:nvSpPr>
-          <p:cNvPr id="70" name="矩形: 圆角 69">
-            <a:extLst>
-              <a:ext uri="{FF2B5EF4-FFF2-40B4-BE49-F238E27FC236}">
-                <a16:creationId xmlns:a16="http://schemas.microsoft.com/office/drawing/2014/main" id="{3BBD3911-4E8D-4A8D-9961-2481EAB97CCE}"/>
-              </a:ext>
-            </a:extLst>
-          </p:cNvPr>
-          <p:cNvSpPr/>
-          <p:nvPr/>
-        </p:nvSpPr>
-        <p:spPr>
-          <a:xfrm>
-            <a:off x="3049155" y="1413348"/>
-            <a:ext cx="1728000" cy="576000"/>
-          </a:xfrm>
-          <a:prstGeom prst="roundRect">
-            <a:avLst/>
-          </a:prstGeom>
-          <a:solidFill>
-            <a:schemeClr val="bg1">
-              <a:lumMod val="95000"/>
-            </a:schemeClr>
-          </a:solidFill>
-          <a:ln>
-            <a:solidFill>
-              <a:schemeClr val="tx1"/>
-            </a:solidFill>
-          </a:ln>
-        </p:spPr>
-        <p:style>
-          <a:lnRef idx="2">
-            <a:schemeClr val="accent1">
-              <a:shade val="50000"/>
-            </a:schemeClr>
-          </a:lnRef>
-          <a:fillRef idx="1">
-            <a:schemeClr val="accent1"/>
-          </a:fillRef>
-          <a:effectRef idx="0">
-            <a:schemeClr val="accent1"/>
-          </a:effectRef>
-          <a:fontRef idx="minor">
-            <a:schemeClr val="lt1"/>
-          </a:fontRef>
-        </p:style>
-        <p:txBody>
-          <a:bodyPr wrap="none" lIns="36000" tIns="36000" rIns="36000" bIns="36000" rtlCol="0" anchor="ctr" anchorCtr="0"/>
-          <a:lstStyle/>
-          <a:p>
-            <a:pPr algn="ctr"/>
-            <a:r>
-              <a:rPr lang="zh-CN" altLang="en-US" sz="1600" b="1">
-                <a:solidFill>
-                  <a:schemeClr val="tx1"/>
-                </a:solidFill>
-                <a:latin typeface="微软雅黑" panose="020B0503020204020204" pitchFamily="34" charset="-122"/>
-                <a:ea typeface="微软雅黑" panose="020B0503020204020204" pitchFamily="34" charset="-122"/>
-              </a:rPr>
-              <a:t>用户出售产品表</a:t>
-            </a:r>
-            <a:endParaRPr lang="en-US" altLang="zh-CN" sz="1600" b="1">
-              <a:solidFill>
-                <a:schemeClr val="tx1"/>
-              </a:solidFill>
-              <a:latin typeface="微软雅黑" panose="020B0503020204020204" pitchFamily="34" charset="-122"/>
-              <a:ea typeface="微软雅黑" panose="020B0503020204020204" pitchFamily="34" charset="-122"/>
-            </a:endParaRPr>
-          </a:p>
-          <a:p>
-            <a:pPr algn="ctr"/>
-            <a:r>
-              <a:rPr lang="en-US" altLang="zh-CN" sz="1600" b="1">
-                <a:solidFill>
-                  <a:schemeClr val="tx1"/>
-                </a:solidFill>
-                <a:latin typeface="微软雅黑" panose="020B0503020204020204" pitchFamily="34" charset="-122"/>
-                <a:ea typeface="微软雅黑" panose="020B0503020204020204" pitchFamily="34" charset="-122"/>
-              </a:rPr>
-              <a:t>user_sail_goods</a:t>
-            </a:r>
-            <a:endParaRPr lang="zh-CN" altLang="en-US" sz="1600" b="1">
-              <a:solidFill>
-                <a:schemeClr val="tx1"/>
-              </a:solidFill>
-              <a:latin typeface="微软雅黑" panose="020B0503020204020204" pitchFamily="34" charset="-122"/>
-              <a:ea typeface="微软雅黑" panose="020B0503020204020204" pitchFamily="34" charset="-122"/>
-            </a:endParaRPr>
-          </a:p>
-        </p:txBody>
-      </p:sp>
-      <p:sp>
-        <p:nvSpPr>
-          <p:cNvPr id="71" name="矩形: 圆角 70">
-            <a:extLst>
-              <a:ext uri="{FF2B5EF4-FFF2-40B4-BE49-F238E27FC236}">
-                <a16:creationId xmlns:a16="http://schemas.microsoft.com/office/drawing/2014/main" id="{8A77C51C-F25E-4C75-9804-504006BA2206}"/>
-              </a:ext>
-            </a:extLst>
-          </p:cNvPr>
-          <p:cNvSpPr/>
-          <p:nvPr/>
-        </p:nvSpPr>
-        <p:spPr>
-          <a:xfrm>
-            <a:off x="3049155" y="1983554"/>
-            <a:ext cx="1728000" cy="922722"/>
-          </a:xfrm>
-          <a:prstGeom prst="roundRect">
-            <a:avLst>
-              <a:gd name="adj" fmla="val 5494"/>
-            </a:avLst>
-          </a:prstGeom>
-          <a:noFill/>
-          <a:ln>
-            <a:solidFill>
-              <a:schemeClr val="tx2"/>
-            </a:solidFill>
-            <a:prstDash val="dash"/>
-          </a:ln>
-        </p:spPr>
-        <p:style>
-          <a:lnRef idx="2">
-            <a:schemeClr val="accent1">
-              <a:shade val="50000"/>
-            </a:schemeClr>
-          </a:lnRef>
-          <a:fillRef idx="1">
-            <a:schemeClr val="accent1"/>
-          </a:fillRef>
-          <a:effectRef idx="0">
-            <a:schemeClr val="accent1"/>
-          </a:effectRef>
-          <a:fontRef idx="minor">
-            <a:schemeClr val="lt1"/>
-          </a:fontRef>
-        </p:style>
-        <p:txBody>
-          <a:bodyPr rtlCol="0" anchor="b" anchorCtr="0"/>
-          <a:lstStyle/>
-          <a:p>
-            <a:r>
-              <a:rPr lang="zh-CN" altLang="en-US" sz="1200" b="1">
-                <a:solidFill>
-                  <a:schemeClr val="tx1"/>
-                </a:solidFill>
-                <a:latin typeface="微软雅黑" panose="020B0503020204020204" pitchFamily="34" charset="-122"/>
-                <a:ea typeface="微软雅黑" panose="020B0503020204020204" pitchFamily="34" charset="-122"/>
-              </a:rPr>
-              <a:t>用户</a:t>
-            </a:r>
-            <a:r>
-              <a:rPr lang="en-US" altLang="zh-CN" sz="1200" b="1">
-                <a:solidFill>
-                  <a:schemeClr val="tx1"/>
-                </a:solidFill>
-                <a:latin typeface="微软雅黑" panose="020B0503020204020204" pitchFamily="34" charset="-122"/>
-                <a:ea typeface="微软雅黑" panose="020B0503020204020204" pitchFamily="34" charset="-122"/>
-              </a:rPr>
-              <a:t>id</a:t>
-            </a:r>
-          </a:p>
-          <a:p>
-            <a:r>
-              <a:rPr lang="zh-CN" altLang="en-US" sz="1200" b="1">
-                <a:solidFill>
-                  <a:schemeClr val="tx1"/>
-                </a:solidFill>
-                <a:latin typeface="微软雅黑" panose="020B0503020204020204" pitchFamily="34" charset="-122"/>
-                <a:ea typeface="微软雅黑" panose="020B0503020204020204" pitchFamily="34" charset="-122"/>
-              </a:rPr>
-              <a:t>产品</a:t>
-            </a:r>
-            <a:r>
-              <a:rPr lang="en-US" altLang="zh-CN" sz="1200" b="1">
-                <a:solidFill>
-                  <a:schemeClr val="tx1"/>
-                </a:solidFill>
-                <a:latin typeface="微软雅黑" panose="020B0503020204020204" pitchFamily="34" charset="-122"/>
-                <a:ea typeface="微软雅黑" panose="020B0503020204020204" pitchFamily="34" charset="-122"/>
-              </a:rPr>
-              <a:t>id</a:t>
-            </a:r>
-          </a:p>
-          <a:p>
-            <a:r>
-              <a:rPr lang="zh-CN" altLang="en-US" sz="1200" b="1">
-                <a:solidFill>
-                  <a:schemeClr val="tx1"/>
-                </a:solidFill>
-                <a:latin typeface="微软雅黑" panose="020B0503020204020204" pitchFamily="34" charset="-122"/>
-                <a:ea typeface="微软雅黑" panose="020B0503020204020204" pitchFamily="34" charset="-122"/>
-              </a:rPr>
-              <a:t>产品数量</a:t>
-            </a:r>
-            <a:endParaRPr lang="en-US" altLang="zh-CN" sz="1200" b="1">
-              <a:solidFill>
-                <a:schemeClr val="tx1"/>
-              </a:solidFill>
-              <a:latin typeface="微软雅黑" panose="020B0503020204020204" pitchFamily="34" charset="-122"/>
-              <a:ea typeface="微软雅黑" panose="020B0503020204020204" pitchFamily="34" charset="-122"/>
-            </a:endParaRPr>
-          </a:p>
-          <a:p>
-            <a:r>
-              <a:rPr lang="zh-CN" altLang="en-US" sz="1200" b="1">
-                <a:solidFill>
-                  <a:schemeClr val="tx1"/>
-                </a:solidFill>
-                <a:latin typeface="微软雅黑" panose="020B0503020204020204" pitchFamily="34" charset="-122"/>
-                <a:ea typeface="微软雅黑" panose="020B0503020204020204" pitchFamily="34" charset="-122"/>
-              </a:rPr>
-              <a:t>产品价格</a:t>
-            </a:r>
-            <a:endParaRPr lang="zh-CN" altLang="en-US" sz="1200">
-              <a:latin typeface="微软雅黑" panose="020B0503020204020204" pitchFamily="34" charset="-122"/>
-              <a:ea typeface="微软雅黑" panose="020B0503020204020204" pitchFamily="34" charset="-122"/>
-            </a:endParaRPr>
-          </a:p>
-        </p:txBody>
-      </p:sp>
-    </p:spTree>
-    <p:extLst>
-      <p:ext uri="{BB962C8B-B14F-4D97-AF65-F5344CB8AC3E}">
-        <p14:creationId xmlns:p14="http://schemas.microsoft.com/office/powerpoint/2010/main" val="2688571366"/>
-      </p:ext>
-    </p:extLst>
-  </p:cSld>
-  <p:clrMapOvr>
-    <a:masterClrMapping/>
-  </p:clrMapOvr>
-</p:sld>
-</file>
-
-<file path=ppt/slides/slide4.xml><?xml version="1.0" encoding="utf-8"?>
-<p:sld xmlns:a="http://schemas.openxmlformats.org/drawingml/2006/main" xmlns:r="http://schemas.openxmlformats.org/officeDocument/2006/relationships" xmlns:p="http://schemas.openxmlformats.org/presentationml/2006/main">
-  <p:cSld>
-    <p:spTree>
-      <p:nvGrpSpPr>
-        <p:cNvPr id="1" name=""/>
-        <p:cNvGrpSpPr/>
-        <p:nvPr/>
-      </p:nvGrpSpPr>
-      <p:grpSpPr>
-        <a:xfrm>
-          <a:off x="0" y="0"/>
-          <a:ext cx="0" cy="0"/>
-          <a:chOff x="0" y="0"/>
-          <a:chExt cx="0" cy="0"/>
-        </a:xfrm>
-      </p:grpSpPr>
-      <p:sp>
-        <p:nvSpPr>
-          <p:cNvPr id="53" name="矩形: 圆角 52">
-            <a:extLst>
-              <a:ext uri="{FF2B5EF4-FFF2-40B4-BE49-F238E27FC236}">
-                <a16:creationId xmlns:a16="http://schemas.microsoft.com/office/drawing/2014/main" id="{40CB1BC0-9F2F-42B0-8691-F1896B1D2EE4}"/>
-              </a:ext>
-            </a:extLst>
-          </p:cNvPr>
-          <p:cNvSpPr/>
-          <p:nvPr/>
-        </p:nvSpPr>
-        <p:spPr>
-          <a:xfrm>
-            <a:off x="3961140" y="1767946"/>
-            <a:ext cx="2666316" cy="648000"/>
-          </a:xfrm>
-          <a:prstGeom prst="roundRect">
-            <a:avLst/>
-          </a:prstGeom>
-          <a:solidFill>
-            <a:srgbClr val="00B050"/>
-          </a:solidFill>
-          <a:ln>
-            <a:solidFill>
-              <a:schemeClr val="tx1"/>
-            </a:solidFill>
-          </a:ln>
-        </p:spPr>
-        <p:style>
-          <a:lnRef idx="2">
-            <a:schemeClr val="accent1">
-              <a:shade val="50000"/>
-            </a:schemeClr>
-          </a:lnRef>
-          <a:fillRef idx="1">
-            <a:schemeClr val="accent1"/>
-          </a:fillRef>
-          <a:effectRef idx="0">
-            <a:schemeClr val="accent1"/>
-          </a:effectRef>
-          <a:fontRef idx="minor">
-            <a:schemeClr val="lt1"/>
-          </a:fontRef>
-        </p:style>
-        <p:txBody>
-          <a:bodyPr wrap="none" lIns="36000" tIns="36000" rIns="36000" bIns="36000" rtlCol="0" anchor="ctr" anchorCtr="0"/>
-          <a:lstStyle/>
-          <a:p>
-            <a:pPr algn="ctr"/>
-            <a:r>
-              <a:rPr lang="zh-CN" altLang="en-US" sz="1600" b="1">
-                <a:solidFill>
-                  <a:schemeClr val="tx1"/>
-                </a:solidFill>
-                <a:latin typeface="微软雅黑" panose="020B0503020204020204" pitchFamily="34" charset="-122"/>
-                <a:ea typeface="微软雅黑" panose="020B0503020204020204" pitchFamily="34" charset="-122"/>
-              </a:rPr>
-              <a:t>发布产品</a:t>
-            </a:r>
-            <a:endParaRPr lang="en-US" altLang="zh-CN" sz="1600" b="1" dirty="0">
-              <a:solidFill>
-                <a:schemeClr val="tx1"/>
-              </a:solidFill>
-              <a:latin typeface="微软雅黑" panose="020B0503020204020204" pitchFamily="34" charset="-122"/>
-              <a:ea typeface="微软雅黑" panose="020B0503020204020204" pitchFamily="34" charset="-122"/>
-            </a:endParaRPr>
-          </a:p>
-          <a:p>
-            <a:pPr algn="ctr"/>
-            <a:r>
-              <a:rPr lang="en-US" altLang="zh-CN" sz="1600" b="1">
-                <a:solidFill>
-                  <a:schemeClr val="tx1"/>
-                </a:solidFill>
-                <a:latin typeface="微软雅黑" panose="020B0503020204020204" pitchFamily="34" charset="-122"/>
-                <a:ea typeface="微软雅黑" panose="020B0503020204020204" pitchFamily="34" charset="-122"/>
-              </a:rPr>
-              <a:t>publish_platform_goods</a:t>
-            </a:r>
-            <a:endParaRPr lang="zh-CN" altLang="en-US" sz="1600" b="1">
-              <a:solidFill>
-                <a:schemeClr val="tx1"/>
-              </a:solidFill>
-              <a:latin typeface="微软雅黑" panose="020B0503020204020204" pitchFamily="34" charset="-122"/>
-              <a:ea typeface="微软雅黑" panose="020B0503020204020204" pitchFamily="34" charset="-122"/>
-            </a:endParaRPr>
-          </a:p>
-        </p:txBody>
-      </p:sp>
-      <p:sp>
-        <p:nvSpPr>
-          <p:cNvPr id="48" name="矩形: 圆角 47">
-            <a:extLst>
-              <a:ext uri="{FF2B5EF4-FFF2-40B4-BE49-F238E27FC236}">
-                <a16:creationId xmlns:a16="http://schemas.microsoft.com/office/drawing/2014/main" id="{EBD4EA97-5025-4DE6-B38D-69D50269EB33}"/>
-              </a:ext>
-            </a:extLst>
-          </p:cNvPr>
-          <p:cNvSpPr/>
-          <p:nvPr/>
-        </p:nvSpPr>
-        <p:spPr>
-          <a:xfrm>
-            <a:off x="712378" y="1821946"/>
-            <a:ext cx="1440000" cy="540000"/>
-          </a:xfrm>
-          <a:prstGeom prst="roundRect">
-            <a:avLst/>
-          </a:prstGeom>
-          <a:solidFill>
-            <a:srgbClr val="00B0F0"/>
-          </a:solidFill>
-          <a:ln>
-            <a:solidFill>
-              <a:schemeClr val="tx1"/>
-            </a:solidFill>
-          </a:ln>
-        </p:spPr>
-        <p:style>
-          <a:lnRef idx="2">
-            <a:schemeClr val="accent1">
-              <a:shade val="50000"/>
-            </a:schemeClr>
-          </a:lnRef>
-          <a:fillRef idx="1">
-            <a:schemeClr val="accent1"/>
-          </a:fillRef>
-          <a:effectRef idx="0">
-            <a:schemeClr val="accent1"/>
-          </a:effectRef>
-          <a:fontRef idx="minor">
-            <a:schemeClr val="lt1"/>
-          </a:fontRef>
-        </p:style>
-        <p:txBody>
-          <a:bodyPr wrap="none" lIns="36000" tIns="36000" rIns="36000" bIns="36000" rtlCol="0" anchor="ctr" anchorCtr="0"/>
-          <a:lstStyle/>
-          <a:p>
-            <a:pPr algn="ctr"/>
-            <a:r>
-              <a:rPr lang="zh-CN" altLang="en-US" sz="1600" b="1">
-                <a:solidFill>
-                  <a:schemeClr val="tx1"/>
-                </a:solidFill>
-                <a:latin typeface="微软雅黑" panose="020B0503020204020204" pitchFamily="34" charset="-122"/>
-                <a:ea typeface="微软雅黑" panose="020B0503020204020204" pitchFamily="34" charset="-122"/>
-              </a:rPr>
-              <a:t>平台</a:t>
+              <a:t>=???BUD]</a:t>
             </a:r>
           </a:p>
         </p:txBody>
       </p:sp>
       <p:cxnSp>
         <p:nvCxnSpPr>
-          <p:cNvPr id="111" name="直接箭头连接符 110">
-            <a:extLst>
-              <a:ext uri="{FF2B5EF4-FFF2-40B4-BE49-F238E27FC236}">
-                <a16:creationId xmlns:a16="http://schemas.microsoft.com/office/drawing/2014/main" id="{E503A773-633A-4D3C-8724-1D424425A2E9}"/>
-              </a:ext>
-            </a:extLst>
-          </p:cNvPr>
-          <p:cNvCxnSpPr>
-            <a:cxnSpLocks/>
-            <a:stCxn id="53" idx="3"/>
-            <a:endCxn id="31" idx="1"/>
-          </p:cNvCxnSpPr>
-          <p:nvPr/>
-        </p:nvCxnSpPr>
-        <p:spPr>
-          <a:xfrm>
-            <a:off x="6627456" y="2091946"/>
-            <a:ext cx="1734253" cy="0"/>
-          </a:xfrm>
-          <a:prstGeom prst="straightConnector1">
-            <a:avLst/>
-          </a:prstGeom>
-          <a:ln w="57150">
-            <a:solidFill>
-              <a:srgbClr val="FFC000"/>
-            </a:solidFill>
-            <a:tailEnd type="triangle"/>
-          </a:ln>
-        </p:spPr>
-        <p:style>
-          <a:lnRef idx="1">
-            <a:schemeClr val="accent1"/>
-          </a:lnRef>
-          <a:fillRef idx="0">
-            <a:schemeClr val="accent1"/>
-          </a:fillRef>
-          <a:effectRef idx="0">
-            <a:schemeClr val="accent1"/>
-          </a:effectRef>
-          <a:fontRef idx="minor">
-            <a:schemeClr val="tx1"/>
-          </a:fontRef>
-        </p:style>
-      </p:cxnSp>
-      <p:cxnSp>
-        <p:nvCxnSpPr>
-          <p:cNvPr id="239" name="直接连接符 238">
-            <a:extLst>
-              <a:ext uri="{FF2B5EF4-FFF2-40B4-BE49-F238E27FC236}">
-                <a16:creationId xmlns:a16="http://schemas.microsoft.com/office/drawing/2014/main" id="{05CC9636-A076-48A7-9A94-4E0212BA0C59}"/>
+          <p:cNvPr id="9" name="直接连接符 8">
+            <a:extLst>
+              <a:ext uri="{FF2B5EF4-FFF2-40B4-BE49-F238E27FC236}">
+                <a16:creationId xmlns:a16="http://schemas.microsoft.com/office/drawing/2014/main" id="{A9EA9495-850F-47D5-9F50-1DD112E11786}"/>
               </a:ext>
             </a:extLst>
           </p:cNvPr>
@@ -5674,6 +4442,285 @@
           </a:fontRef>
         </p:style>
       </p:cxnSp>
+    </p:spTree>
+    <p:extLst>
+      <p:ext uri="{BB962C8B-B14F-4D97-AF65-F5344CB8AC3E}">
+        <p14:creationId xmlns:p14="http://schemas.microsoft.com/office/powerpoint/2010/main" val="1344706601"/>
+      </p:ext>
+    </p:extLst>
+  </p:cSld>
+  <p:clrMapOvr>
+    <a:masterClrMapping/>
+  </p:clrMapOvr>
+</p:sld>
+</file>
+
+<file path=ppt/slides/slide3.xml><?xml version="1.0" encoding="utf-8"?>
+<p:sld xmlns:a="http://schemas.openxmlformats.org/drawingml/2006/main" xmlns:r="http://schemas.openxmlformats.org/officeDocument/2006/relationships" xmlns:p="http://schemas.openxmlformats.org/presentationml/2006/main">
+  <p:cSld>
+    <p:spTree>
+      <p:nvGrpSpPr>
+        <p:cNvPr id="1" name=""/>
+        <p:cNvGrpSpPr/>
+        <p:nvPr/>
+      </p:nvGrpSpPr>
+      <p:grpSpPr>
+        <a:xfrm>
+          <a:off x="0" y="0"/>
+          <a:ext cx="0" cy="0"/>
+          <a:chOff x="0" y="0"/>
+          <a:chExt cx="0" cy="0"/>
+        </a:xfrm>
+      </p:grpSpPr>
+      <p:sp>
+        <p:nvSpPr>
+          <p:cNvPr id="53" name="矩形: 圆角 52">
+            <a:extLst>
+              <a:ext uri="{FF2B5EF4-FFF2-40B4-BE49-F238E27FC236}">
+                <a16:creationId xmlns:a16="http://schemas.microsoft.com/office/drawing/2014/main" id="{40CB1BC0-9F2F-42B0-8691-F1896B1D2EE4}"/>
+              </a:ext>
+            </a:extLst>
+          </p:cNvPr>
+          <p:cNvSpPr/>
+          <p:nvPr/>
+        </p:nvSpPr>
+        <p:spPr>
+          <a:xfrm>
+            <a:off x="3961140" y="1767946"/>
+            <a:ext cx="2666316" cy="648000"/>
+          </a:xfrm>
+          <a:prstGeom prst="roundRect">
+            <a:avLst/>
+          </a:prstGeom>
+          <a:solidFill>
+            <a:srgbClr val="00B050"/>
+          </a:solidFill>
+          <a:ln>
+            <a:solidFill>
+              <a:schemeClr val="tx1"/>
+            </a:solidFill>
+          </a:ln>
+        </p:spPr>
+        <p:style>
+          <a:lnRef idx="2">
+            <a:schemeClr val="accent1">
+              <a:shade val="50000"/>
+            </a:schemeClr>
+          </a:lnRef>
+          <a:fillRef idx="1">
+            <a:schemeClr val="accent1"/>
+          </a:fillRef>
+          <a:effectRef idx="0">
+            <a:schemeClr val="accent1"/>
+          </a:effectRef>
+          <a:fontRef idx="minor">
+            <a:schemeClr val="lt1"/>
+          </a:fontRef>
+        </p:style>
+        <p:txBody>
+          <a:bodyPr wrap="none" lIns="36000" tIns="36000" rIns="36000" bIns="36000" rtlCol="0" anchor="ctr" anchorCtr="0"/>
+          <a:lstStyle/>
+          <a:p>
+            <a:pPr algn="ctr"/>
+            <a:r>
+              <a:rPr lang="zh-CN" altLang="en-US" sz="1600" b="1">
+                <a:solidFill>
+                  <a:schemeClr val="tx1"/>
+                </a:solidFill>
+                <a:latin typeface="微软雅黑" panose="020B0503020204020204" pitchFamily="34" charset="-122"/>
+                <a:ea typeface="微软雅黑" panose="020B0503020204020204" pitchFamily="34" charset="-122"/>
+              </a:rPr>
+              <a:t>发布产品</a:t>
+            </a:r>
+            <a:endParaRPr lang="en-US" altLang="zh-CN" sz="1600" b="1" dirty="0">
+              <a:solidFill>
+                <a:schemeClr val="tx1"/>
+              </a:solidFill>
+              <a:latin typeface="微软雅黑" panose="020B0503020204020204" pitchFamily="34" charset="-122"/>
+              <a:ea typeface="微软雅黑" panose="020B0503020204020204" pitchFamily="34" charset="-122"/>
+            </a:endParaRPr>
+          </a:p>
+          <a:p>
+            <a:pPr algn="ctr"/>
+            <a:r>
+              <a:rPr lang="en-US" altLang="zh-CN" sz="1600" b="1">
+                <a:solidFill>
+                  <a:schemeClr val="tx1"/>
+                </a:solidFill>
+                <a:latin typeface="微软雅黑" panose="020B0503020204020204" pitchFamily="34" charset="-122"/>
+                <a:ea typeface="微软雅黑" panose="020B0503020204020204" pitchFamily="34" charset="-122"/>
+              </a:rPr>
+              <a:t>publish_goods</a:t>
+            </a:r>
+            <a:endParaRPr lang="zh-CN" altLang="en-US" sz="1600" b="1">
+              <a:solidFill>
+                <a:schemeClr val="tx1"/>
+              </a:solidFill>
+              <a:latin typeface="微软雅黑" panose="020B0503020204020204" pitchFamily="34" charset="-122"/>
+              <a:ea typeface="微软雅黑" panose="020B0503020204020204" pitchFamily="34" charset="-122"/>
+            </a:endParaRPr>
+          </a:p>
+        </p:txBody>
+      </p:sp>
+      <p:sp>
+        <p:nvSpPr>
+          <p:cNvPr id="48" name="矩形: 圆角 47">
+            <a:extLst>
+              <a:ext uri="{FF2B5EF4-FFF2-40B4-BE49-F238E27FC236}">
+                <a16:creationId xmlns:a16="http://schemas.microsoft.com/office/drawing/2014/main" id="{EBD4EA97-5025-4DE6-B38D-69D50269EB33}"/>
+              </a:ext>
+            </a:extLst>
+          </p:cNvPr>
+          <p:cNvSpPr/>
+          <p:nvPr/>
+        </p:nvSpPr>
+        <p:spPr>
+          <a:xfrm>
+            <a:off x="712378" y="1821946"/>
+            <a:ext cx="1440000" cy="540000"/>
+          </a:xfrm>
+          <a:prstGeom prst="roundRect">
+            <a:avLst/>
+          </a:prstGeom>
+          <a:solidFill>
+            <a:srgbClr val="00B0F0"/>
+          </a:solidFill>
+          <a:ln>
+            <a:solidFill>
+              <a:schemeClr val="tx1"/>
+            </a:solidFill>
+          </a:ln>
+        </p:spPr>
+        <p:style>
+          <a:lnRef idx="2">
+            <a:schemeClr val="accent1">
+              <a:shade val="50000"/>
+            </a:schemeClr>
+          </a:lnRef>
+          <a:fillRef idx="1">
+            <a:schemeClr val="accent1"/>
+          </a:fillRef>
+          <a:effectRef idx="0">
+            <a:schemeClr val="accent1"/>
+          </a:effectRef>
+          <a:fontRef idx="minor">
+            <a:schemeClr val="lt1"/>
+          </a:fontRef>
+        </p:style>
+        <p:txBody>
+          <a:bodyPr wrap="none" lIns="36000" tIns="36000" rIns="36000" bIns="36000" rtlCol="0" anchor="ctr" anchorCtr="0"/>
+          <a:lstStyle/>
+          <a:p>
+            <a:pPr algn="ctr"/>
+            <a:r>
+              <a:rPr lang="zh-CN" altLang="en-US" sz="1600" b="1">
+                <a:solidFill>
+                  <a:schemeClr val="tx1"/>
+                </a:solidFill>
+                <a:latin typeface="微软雅黑" panose="020B0503020204020204" pitchFamily="34" charset="-122"/>
+                <a:ea typeface="微软雅黑" panose="020B0503020204020204" pitchFamily="34" charset="-122"/>
+              </a:rPr>
+              <a:t>平台</a:t>
+            </a:r>
+          </a:p>
+        </p:txBody>
+      </p:sp>
+      <p:cxnSp>
+        <p:nvCxnSpPr>
+          <p:cNvPr id="111" name="直接箭头连接符 110">
+            <a:extLst>
+              <a:ext uri="{FF2B5EF4-FFF2-40B4-BE49-F238E27FC236}">
+                <a16:creationId xmlns:a16="http://schemas.microsoft.com/office/drawing/2014/main" id="{E503A773-633A-4D3C-8724-1D424425A2E9}"/>
+              </a:ext>
+            </a:extLst>
+          </p:cNvPr>
+          <p:cNvCxnSpPr>
+            <a:cxnSpLocks/>
+            <a:stCxn id="53" idx="3"/>
+            <a:endCxn id="31" idx="1"/>
+          </p:cNvCxnSpPr>
+          <p:nvPr/>
+        </p:nvCxnSpPr>
+        <p:spPr>
+          <a:xfrm>
+            <a:off x="6627456" y="2091946"/>
+            <a:ext cx="1734253" cy="0"/>
+          </a:xfrm>
+          <a:prstGeom prst="straightConnector1">
+            <a:avLst/>
+          </a:prstGeom>
+          <a:ln w="57150">
+            <a:solidFill>
+              <a:srgbClr val="FFC000"/>
+            </a:solidFill>
+            <a:tailEnd type="triangle"/>
+          </a:ln>
+        </p:spPr>
+        <p:style>
+          <a:lnRef idx="1">
+            <a:schemeClr val="accent1"/>
+          </a:lnRef>
+          <a:fillRef idx="0">
+            <a:schemeClr val="accent1"/>
+          </a:fillRef>
+          <a:effectRef idx="0">
+            <a:schemeClr val="accent1"/>
+          </a:effectRef>
+          <a:fontRef idx="minor">
+            <a:schemeClr val="tx1"/>
+          </a:fontRef>
+        </p:style>
+      </p:cxnSp>
+      <p:cxnSp>
+        <p:nvCxnSpPr>
+          <p:cNvPr id="239" name="直接连接符 238">
+            <a:extLst>
+              <a:ext uri="{FF2B5EF4-FFF2-40B4-BE49-F238E27FC236}">
+                <a16:creationId xmlns:a16="http://schemas.microsoft.com/office/drawing/2014/main" id="{05CC9636-A076-48A7-9A94-4E0212BA0C59}"/>
+              </a:ext>
+            </a:extLst>
+          </p:cNvPr>
+          <p:cNvCxnSpPr>
+            <a:cxnSpLocks/>
+          </p:cNvCxnSpPr>
+          <p:nvPr/>
+        </p:nvCxnSpPr>
+        <p:spPr>
+          <a:xfrm flipH="1">
+            <a:off x="433388" y="866051"/>
+            <a:ext cx="11325225" cy="1"/>
+          </a:xfrm>
+          <a:prstGeom prst="line">
+            <a:avLst/>
+          </a:prstGeom>
+          <a:ln w="19050">
+            <a:solidFill>
+              <a:srgbClr val="00576E"/>
+            </a:solidFill>
+          </a:ln>
+          <a:effectLst>
+            <a:outerShdw blurRad="50800" dist="12700" dir="5400000" algn="t" rotWithShape="0">
+              <a:prstClr val="black">
+                <a:alpha val="40000"/>
+              </a:prstClr>
+            </a:outerShdw>
+          </a:effectLst>
+        </p:spPr>
+        <p:style>
+          <a:lnRef idx="2">
+            <a:schemeClr val="accent1"/>
+          </a:lnRef>
+          <a:fillRef idx="0">
+            <a:schemeClr val="accent1"/>
+          </a:fillRef>
+          <a:effectRef idx="1">
+            <a:schemeClr val="accent1"/>
+          </a:effectRef>
+          <a:fontRef idx="minor">
+            <a:schemeClr val="tx1"/>
+          </a:fontRef>
+        </p:style>
+      </p:cxnSp>
       <p:sp>
         <p:nvSpPr>
           <p:cNvPr id="240" name="矩形 239">
@@ -5740,7 +4787,7 @@
         <p:spPr>
           <a:xfrm>
             <a:off x="712379" y="173975"/>
-            <a:ext cx="2646878" cy="584775"/>
+            <a:ext cx="1826141" cy="584775"/>
           </a:xfrm>
           <a:prstGeom prst="rect">
             <a:avLst/>
@@ -5758,7 +4805,7 @@
                 <a:latin typeface="Consolas" panose="020B0609020204030204" pitchFamily="49" charset="0"/>
                 <a:ea typeface="微软雅黑" panose="020B0503020204020204" pitchFamily="34" charset="-122"/>
               </a:rPr>
-              <a:t>平台发布产品</a:t>
+              <a:t>发布产品</a:t>
             </a:r>
           </a:p>
         </p:txBody>
@@ -5887,7 +4934,7 @@
 </p:sld>
 </file>
 
-<file path=ppt/slides/slide5.xml><?xml version="1.0" encoding="utf-8"?>
+<file path=ppt/slides/slide4.xml><?xml version="1.0" encoding="utf-8"?>
 <p:sld xmlns:a="http://schemas.openxmlformats.org/drawingml/2006/main" xmlns:r="http://schemas.openxmlformats.org/officeDocument/2006/relationships" xmlns:p="http://schemas.openxmlformats.org/presentationml/2006/main">
   <p:cSld>
     <p:spTree>
@@ -5904,6 +4951,159 @@
           <a:chExt cx="0" cy="0"/>
         </a:xfrm>
       </p:grpSpPr>
+      <p:sp>
+        <p:nvSpPr>
+          <p:cNvPr id="61" name="矩形: 圆角 60">
+            <a:extLst>
+              <a:ext uri="{FF2B5EF4-FFF2-40B4-BE49-F238E27FC236}">
+                <a16:creationId xmlns:a16="http://schemas.microsoft.com/office/drawing/2014/main" id="{E3777F73-EAAB-43DE-8A90-6B6D895B1B1F}"/>
+              </a:ext>
+            </a:extLst>
+          </p:cNvPr>
+          <p:cNvSpPr/>
+          <p:nvPr/>
+        </p:nvSpPr>
+        <p:spPr>
+          <a:xfrm>
+            <a:off x="712379" y="1643378"/>
+            <a:ext cx="1357162" cy="540000"/>
+          </a:xfrm>
+          <a:prstGeom prst="roundRect">
+            <a:avLst/>
+          </a:prstGeom>
+          <a:solidFill>
+            <a:srgbClr val="00B0F0"/>
+          </a:solidFill>
+          <a:ln>
+            <a:solidFill>
+              <a:schemeClr val="tx1"/>
+            </a:solidFill>
+          </a:ln>
+        </p:spPr>
+        <p:style>
+          <a:lnRef idx="2">
+            <a:schemeClr val="accent1">
+              <a:shade val="50000"/>
+            </a:schemeClr>
+          </a:lnRef>
+          <a:fillRef idx="1">
+            <a:schemeClr val="accent1"/>
+          </a:fillRef>
+          <a:effectRef idx="0">
+            <a:schemeClr val="accent1"/>
+          </a:effectRef>
+          <a:fontRef idx="minor">
+            <a:schemeClr val="lt1"/>
+          </a:fontRef>
+        </p:style>
+        <p:txBody>
+          <a:bodyPr wrap="none" lIns="36000" tIns="36000" rIns="36000" bIns="36000" rtlCol="0" anchor="ctr" anchorCtr="0"/>
+          <a:lstStyle/>
+          <a:p>
+            <a:pPr algn="ctr"/>
+            <a:r>
+              <a:rPr lang="zh-CN" altLang="en-US" sz="1600" b="1">
+                <a:solidFill>
+                  <a:schemeClr val="tx1"/>
+                </a:solidFill>
+                <a:latin typeface="微软雅黑" panose="020B0503020204020204" pitchFamily="34" charset="-122"/>
+                <a:ea typeface="微软雅黑" panose="020B0503020204020204" pitchFamily="34" charset="-122"/>
+              </a:rPr>
+              <a:t>用户</a:t>
+            </a:r>
+          </a:p>
+        </p:txBody>
+      </p:sp>
+      <p:sp>
+        <p:nvSpPr>
+          <p:cNvPr id="101" name="矩形: 圆角 100">
+            <a:extLst>
+              <a:ext uri="{FF2B5EF4-FFF2-40B4-BE49-F238E27FC236}">
+                <a16:creationId xmlns:a16="http://schemas.microsoft.com/office/drawing/2014/main" id="{2FD8AFDB-B92D-4C27-ABEC-799C66831DBB}"/>
+              </a:ext>
+            </a:extLst>
+          </p:cNvPr>
+          <p:cNvSpPr/>
+          <p:nvPr/>
+        </p:nvSpPr>
+        <p:spPr>
+          <a:xfrm>
+            <a:off x="3427492" y="1589378"/>
+            <a:ext cx="2297156" cy="648000"/>
+          </a:xfrm>
+          <a:prstGeom prst="roundRect">
+            <a:avLst/>
+          </a:prstGeom>
+          <a:solidFill>
+            <a:srgbClr val="00B050"/>
+          </a:solidFill>
+          <a:ln>
+            <a:solidFill>
+              <a:schemeClr val="tx1"/>
+            </a:solidFill>
+          </a:ln>
+        </p:spPr>
+        <p:style>
+          <a:lnRef idx="2">
+            <a:schemeClr val="accent1">
+              <a:shade val="50000"/>
+            </a:schemeClr>
+          </a:lnRef>
+          <a:fillRef idx="1">
+            <a:schemeClr val="accent1"/>
+          </a:fillRef>
+          <a:effectRef idx="0">
+            <a:schemeClr val="accent1"/>
+          </a:effectRef>
+          <a:fontRef idx="minor">
+            <a:schemeClr val="lt1"/>
+          </a:fontRef>
+        </p:style>
+        <p:txBody>
+          <a:bodyPr wrap="none" lIns="36000" tIns="36000" rIns="36000" bIns="36000" rtlCol="0" anchor="ctr" anchorCtr="0"/>
+          <a:lstStyle/>
+          <a:p>
+            <a:pPr algn="ctr"/>
+            <a:r>
+              <a:rPr lang="zh-CN" altLang="en-US" sz="1600" b="1">
+                <a:solidFill>
+                  <a:schemeClr val="tx1"/>
+                </a:solidFill>
+                <a:latin typeface="微软雅黑" panose="020B0503020204020204" pitchFamily="34" charset="-122"/>
+                <a:ea typeface="微软雅黑" panose="020B0503020204020204" pitchFamily="34" charset="-122"/>
+              </a:rPr>
+              <a:t>查看产品列表</a:t>
+            </a:r>
+            <a:endParaRPr lang="en-US" altLang="zh-CN" sz="1600" b="1">
+              <a:solidFill>
+                <a:schemeClr val="tx1"/>
+              </a:solidFill>
+              <a:latin typeface="微软雅黑" panose="020B0503020204020204" pitchFamily="34" charset="-122"/>
+              <a:ea typeface="微软雅黑" panose="020B0503020204020204" pitchFamily="34" charset="-122"/>
+            </a:endParaRPr>
+          </a:p>
+          <a:p>
+            <a:pPr algn="ctr"/>
+            <a:r>
+              <a:rPr lang="en-US" altLang="zh-CN" sz="1600" b="1">
+                <a:solidFill>
+                  <a:schemeClr val="tx1"/>
+                </a:solidFill>
+                <a:latin typeface="微软雅黑" panose="020B0503020204020204" pitchFamily="34" charset="-122"/>
+                <a:ea typeface="微软雅黑" panose="020B0503020204020204" pitchFamily="34" charset="-122"/>
+              </a:rPr>
+              <a:t>list_goods</a:t>
+            </a:r>
+            <a:endParaRPr lang="zh-CN" altLang="en-US" sz="1600" b="1">
+              <a:solidFill>
+                <a:schemeClr val="tx1"/>
+              </a:solidFill>
+              <a:latin typeface="微软雅黑" panose="020B0503020204020204" pitchFamily="34" charset="-122"/>
+              <a:ea typeface="微软雅黑" panose="020B0503020204020204" pitchFamily="34" charset="-122"/>
+            </a:endParaRPr>
+          </a:p>
+        </p:txBody>
+      </p:sp>
       <p:cxnSp>
         <p:nvCxnSpPr>
           <p:cNvPr id="239" name="直接连接符 238">
@@ -6020,1929 +5220,6 @@
         <p:spPr>
           <a:xfrm>
             <a:off x="712379" y="173975"/>
-            <a:ext cx="3467616" cy="584775"/>
-          </a:xfrm>
-          <a:prstGeom prst="rect">
-            <a:avLst/>
-          </a:prstGeom>
-          <a:noFill/>
-        </p:spPr>
-        <p:txBody>
-          <a:bodyPr wrap="none" rtlCol="0">
-            <a:spAutoFit/>
-          </a:bodyPr>
-          <a:lstStyle/>
-          <a:p>
-            <a:r>
-              <a:rPr lang="zh-CN" altLang="en-US" sz="3200" b="1">
-                <a:latin typeface="Consolas" panose="020B0609020204030204" pitchFamily="49" charset="0"/>
-                <a:ea typeface="微软雅黑" panose="020B0503020204020204" pitchFamily="34" charset="-122"/>
-              </a:rPr>
-              <a:t>用户购买平台产品</a:t>
-            </a:r>
-          </a:p>
-        </p:txBody>
-      </p:sp>
-      <p:sp>
-        <p:nvSpPr>
-          <p:cNvPr id="42" name="矩形: 圆角 41">
-            <a:extLst>
-              <a:ext uri="{FF2B5EF4-FFF2-40B4-BE49-F238E27FC236}">
-                <a16:creationId xmlns:a16="http://schemas.microsoft.com/office/drawing/2014/main" id="{72E3ADA6-A1D7-4020-A2AA-532AFDCEC56C}"/>
-              </a:ext>
-            </a:extLst>
-          </p:cNvPr>
-          <p:cNvSpPr/>
-          <p:nvPr/>
-        </p:nvSpPr>
-        <p:spPr>
-          <a:xfrm>
-            <a:off x="712379" y="1879448"/>
-            <a:ext cx="1440000" cy="540000"/>
-          </a:xfrm>
-          <a:prstGeom prst="roundRect">
-            <a:avLst/>
-          </a:prstGeom>
-          <a:solidFill>
-            <a:srgbClr val="00B0F0"/>
-          </a:solidFill>
-          <a:ln>
-            <a:solidFill>
-              <a:schemeClr val="tx1"/>
-            </a:solidFill>
-          </a:ln>
-        </p:spPr>
-        <p:style>
-          <a:lnRef idx="2">
-            <a:schemeClr val="accent1">
-              <a:shade val="50000"/>
-            </a:schemeClr>
-          </a:lnRef>
-          <a:fillRef idx="1">
-            <a:schemeClr val="accent1"/>
-          </a:fillRef>
-          <a:effectRef idx="0">
-            <a:schemeClr val="accent1"/>
-          </a:effectRef>
-          <a:fontRef idx="minor">
-            <a:schemeClr val="lt1"/>
-          </a:fontRef>
-        </p:style>
-        <p:txBody>
-          <a:bodyPr wrap="none" lIns="36000" tIns="36000" rIns="36000" bIns="36000" rtlCol="0" anchor="ctr" anchorCtr="0"/>
-          <a:lstStyle/>
-          <a:p>
-            <a:pPr algn="ctr"/>
-            <a:r>
-              <a:rPr lang="zh-CN" altLang="en-US" sz="1600" b="1">
-                <a:solidFill>
-                  <a:schemeClr val="tx1"/>
-                </a:solidFill>
-                <a:latin typeface="微软雅黑" panose="020B0503020204020204" pitchFamily="34" charset="-122"/>
-                <a:ea typeface="微软雅黑" panose="020B0503020204020204" pitchFamily="34" charset="-122"/>
-              </a:rPr>
-              <a:t>用户</a:t>
-            </a:r>
-          </a:p>
-        </p:txBody>
-      </p:sp>
-      <p:sp>
-        <p:nvSpPr>
-          <p:cNvPr id="43" name="矩形: 圆角 42">
-            <a:extLst>
-              <a:ext uri="{FF2B5EF4-FFF2-40B4-BE49-F238E27FC236}">
-                <a16:creationId xmlns:a16="http://schemas.microsoft.com/office/drawing/2014/main" id="{AF78721D-EB12-43C3-8382-22A430D952EC}"/>
-              </a:ext>
-            </a:extLst>
-          </p:cNvPr>
-          <p:cNvSpPr/>
-          <p:nvPr/>
-        </p:nvSpPr>
-        <p:spPr>
-          <a:xfrm>
-            <a:off x="3618194" y="1821914"/>
-            <a:ext cx="2385371" cy="648000"/>
-          </a:xfrm>
-          <a:prstGeom prst="roundRect">
-            <a:avLst/>
-          </a:prstGeom>
-          <a:solidFill>
-            <a:srgbClr val="00B050"/>
-          </a:solidFill>
-          <a:ln>
-            <a:solidFill>
-              <a:schemeClr val="tx1"/>
-            </a:solidFill>
-          </a:ln>
-        </p:spPr>
-        <p:style>
-          <a:lnRef idx="2">
-            <a:schemeClr val="accent1">
-              <a:shade val="50000"/>
-            </a:schemeClr>
-          </a:lnRef>
-          <a:fillRef idx="1">
-            <a:schemeClr val="accent1"/>
-          </a:fillRef>
-          <a:effectRef idx="0">
-            <a:schemeClr val="accent1"/>
-          </a:effectRef>
-          <a:fontRef idx="minor">
-            <a:schemeClr val="lt1"/>
-          </a:fontRef>
-        </p:style>
-        <p:txBody>
-          <a:bodyPr wrap="none" lIns="36000" tIns="36000" rIns="36000" bIns="36000" rtlCol="0" anchor="ctr" anchorCtr="0"/>
-          <a:lstStyle/>
-          <a:p>
-            <a:pPr algn="ctr"/>
-            <a:r>
-              <a:rPr lang="zh-CN" altLang="en-US" sz="1600" b="1">
-                <a:solidFill>
-                  <a:schemeClr val="tx1"/>
-                </a:solidFill>
-                <a:latin typeface="微软雅黑" panose="020B0503020204020204" pitchFamily="34" charset="-122"/>
-                <a:ea typeface="微软雅黑" panose="020B0503020204020204" pitchFamily="34" charset="-122"/>
-              </a:rPr>
-              <a:t>购买产品</a:t>
-            </a:r>
-            <a:endParaRPr lang="en-US" altLang="zh-CN" sz="1600" b="1">
-              <a:solidFill>
-                <a:schemeClr val="tx1"/>
-              </a:solidFill>
-              <a:latin typeface="微软雅黑" panose="020B0503020204020204" pitchFamily="34" charset="-122"/>
-              <a:ea typeface="微软雅黑" panose="020B0503020204020204" pitchFamily="34" charset="-122"/>
-            </a:endParaRPr>
-          </a:p>
-          <a:p>
-            <a:pPr algn="ctr"/>
-            <a:r>
-              <a:rPr lang="en-US" altLang="zh-CN" sz="1600" b="1">
-                <a:solidFill>
-                  <a:schemeClr val="tx1"/>
-                </a:solidFill>
-                <a:latin typeface="微软雅黑" panose="020B0503020204020204" pitchFamily="34" charset="-122"/>
-                <a:ea typeface="微软雅黑" panose="020B0503020204020204" pitchFamily="34" charset="-122"/>
-              </a:rPr>
-              <a:t>buy_platform_goods</a:t>
-            </a:r>
-            <a:endParaRPr lang="zh-CN" altLang="en-US" sz="1600" b="1">
-              <a:solidFill>
-                <a:schemeClr val="tx1"/>
-              </a:solidFill>
-              <a:latin typeface="微软雅黑" panose="020B0503020204020204" pitchFamily="34" charset="-122"/>
-              <a:ea typeface="微软雅黑" panose="020B0503020204020204" pitchFamily="34" charset="-122"/>
-            </a:endParaRPr>
-          </a:p>
-        </p:txBody>
-      </p:sp>
-      <p:cxnSp>
-        <p:nvCxnSpPr>
-          <p:cNvPr id="34" name="直接箭头连接符 33">
-            <a:extLst>
-              <a:ext uri="{FF2B5EF4-FFF2-40B4-BE49-F238E27FC236}">
-                <a16:creationId xmlns:a16="http://schemas.microsoft.com/office/drawing/2014/main" id="{04A35C32-DA37-4EB7-A556-6952BCC806F0}"/>
-              </a:ext>
-            </a:extLst>
-          </p:cNvPr>
-          <p:cNvCxnSpPr>
-            <a:cxnSpLocks/>
-            <a:stCxn id="43" idx="3"/>
-            <a:endCxn id="35" idx="1"/>
-          </p:cNvCxnSpPr>
-          <p:nvPr/>
-        </p:nvCxnSpPr>
-        <p:spPr>
-          <a:xfrm>
-            <a:off x="6003565" y="2145914"/>
-            <a:ext cx="2570242" cy="427595"/>
-          </a:xfrm>
-          <a:prstGeom prst="straightConnector1">
-            <a:avLst/>
-          </a:prstGeom>
-          <a:ln w="57150">
-            <a:solidFill>
-              <a:srgbClr val="FFC000"/>
-            </a:solidFill>
-            <a:tailEnd type="triangle"/>
-          </a:ln>
-        </p:spPr>
-        <p:style>
-          <a:lnRef idx="1">
-            <a:schemeClr val="accent1"/>
-          </a:lnRef>
-          <a:fillRef idx="0">
-            <a:schemeClr val="accent1"/>
-          </a:fillRef>
-          <a:effectRef idx="0">
-            <a:schemeClr val="accent1"/>
-          </a:effectRef>
-          <a:fontRef idx="minor">
-            <a:schemeClr val="tx1"/>
-          </a:fontRef>
-        </p:style>
-      </p:cxnSp>
-      <p:sp>
-        <p:nvSpPr>
-          <p:cNvPr id="35" name="矩形: 圆角 34">
-            <a:extLst>
-              <a:ext uri="{FF2B5EF4-FFF2-40B4-BE49-F238E27FC236}">
-                <a16:creationId xmlns:a16="http://schemas.microsoft.com/office/drawing/2014/main" id="{4F499228-7684-41C5-9D8A-AF8960D92B69}"/>
-              </a:ext>
-            </a:extLst>
-          </p:cNvPr>
-          <p:cNvSpPr/>
-          <p:nvPr/>
-        </p:nvSpPr>
-        <p:spPr>
-          <a:xfrm>
-            <a:off x="8573807" y="2375509"/>
-            <a:ext cx="1728000" cy="396000"/>
-          </a:xfrm>
-          <a:prstGeom prst="roundRect">
-            <a:avLst/>
-          </a:prstGeom>
-          <a:solidFill>
-            <a:schemeClr val="bg1">
-              <a:lumMod val="95000"/>
-            </a:schemeClr>
-          </a:solidFill>
-          <a:ln>
-            <a:solidFill>
-              <a:schemeClr val="tx1"/>
-            </a:solidFill>
-          </a:ln>
-        </p:spPr>
-        <p:style>
-          <a:lnRef idx="2">
-            <a:schemeClr val="accent1">
-              <a:shade val="50000"/>
-            </a:schemeClr>
-          </a:lnRef>
-          <a:fillRef idx="1">
-            <a:schemeClr val="accent1"/>
-          </a:fillRef>
-          <a:effectRef idx="0">
-            <a:schemeClr val="accent1"/>
-          </a:effectRef>
-          <a:fontRef idx="minor">
-            <a:schemeClr val="lt1"/>
-          </a:fontRef>
-        </p:style>
-        <p:txBody>
-          <a:bodyPr wrap="none" lIns="36000" tIns="36000" rIns="36000" bIns="36000" rtlCol="0" anchor="ctr" anchorCtr="0"/>
-          <a:lstStyle/>
-          <a:p>
-            <a:pPr algn="ctr"/>
-            <a:r>
-              <a:rPr lang="zh-CN" altLang="en-US" sz="1600" b="1">
-                <a:solidFill>
-                  <a:schemeClr val="tx1"/>
-                </a:solidFill>
-                <a:latin typeface="微软雅黑" panose="020B0503020204020204" pitchFamily="34" charset="-122"/>
-                <a:ea typeface="微软雅黑" panose="020B0503020204020204" pitchFamily="34" charset="-122"/>
-              </a:rPr>
-              <a:t>用户当前产品表</a:t>
-            </a:r>
-          </a:p>
-        </p:txBody>
-      </p:sp>
-      <p:cxnSp>
-        <p:nvCxnSpPr>
-          <p:cNvPr id="37" name="直接箭头连接符 36">
-            <a:extLst>
-              <a:ext uri="{FF2B5EF4-FFF2-40B4-BE49-F238E27FC236}">
-                <a16:creationId xmlns:a16="http://schemas.microsoft.com/office/drawing/2014/main" id="{09768FC4-939C-4617-9AC3-78B6BFF6246A}"/>
-              </a:ext>
-            </a:extLst>
-          </p:cNvPr>
-          <p:cNvCxnSpPr>
-            <a:cxnSpLocks/>
-            <a:stCxn id="43" idx="3"/>
-            <a:endCxn id="38" idx="1"/>
-          </p:cNvCxnSpPr>
-          <p:nvPr/>
-        </p:nvCxnSpPr>
-        <p:spPr>
-          <a:xfrm flipV="1">
-            <a:off x="6003565" y="1951448"/>
-            <a:ext cx="2570242" cy="194466"/>
-          </a:xfrm>
-          <a:prstGeom prst="straightConnector1">
-            <a:avLst/>
-          </a:prstGeom>
-          <a:ln w="57150">
-            <a:solidFill>
-              <a:srgbClr val="FFC000"/>
-            </a:solidFill>
-            <a:tailEnd type="triangle"/>
-          </a:ln>
-        </p:spPr>
-        <p:style>
-          <a:lnRef idx="1">
-            <a:schemeClr val="accent1"/>
-          </a:lnRef>
-          <a:fillRef idx="0">
-            <a:schemeClr val="accent1"/>
-          </a:fillRef>
-          <a:effectRef idx="0">
-            <a:schemeClr val="accent1"/>
-          </a:effectRef>
-          <a:fontRef idx="minor">
-            <a:schemeClr val="tx1"/>
-          </a:fontRef>
-        </p:style>
-      </p:cxnSp>
-      <p:sp>
-        <p:nvSpPr>
-          <p:cNvPr id="38" name="矩形: 圆角 37">
-            <a:extLst>
-              <a:ext uri="{FF2B5EF4-FFF2-40B4-BE49-F238E27FC236}">
-                <a16:creationId xmlns:a16="http://schemas.microsoft.com/office/drawing/2014/main" id="{49CB9022-016E-4FCA-8096-9D0AE8DC4761}"/>
-              </a:ext>
-            </a:extLst>
-          </p:cNvPr>
-          <p:cNvSpPr/>
-          <p:nvPr/>
-        </p:nvSpPr>
-        <p:spPr>
-          <a:xfrm>
-            <a:off x="8573807" y="1753448"/>
-            <a:ext cx="1728000" cy="396000"/>
-          </a:xfrm>
-          <a:prstGeom prst="roundRect">
-            <a:avLst/>
-          </a:prstGeom>
-          <a:solidFill>
-            <a:schemeClr val="bg1">
-              <a:lumMod val="95000"/>
-            </a:schemeClr>
-          </a:solidFill>
-          <a:ln>
-            <a:solidFill>
-              <a:schemeClr val="tx1"/>
-            </a:solidFill>
-          </a:ln>
-        </p:spPr>
-        <p:style>
-          <a:lnRef idx="2">
-            <a:schemeClr val="accent1">
-              <a:shade val="50000"/>
-            </a:schemeClr>
-          </a:lnRef>
-          <a:fillRef idx="1">
-            <a:schemeClr val="accent1"/>
-          </a:fillRef>
-          <a:effectRef idx="0">
-            <a:schemeClr val="accent1"/>
-          </a:effectRef>
-          <a:fontRef idx="minor">
-            <a:schemeClr val="lt1"/>
-          </a:fontRef>
-        </p:style>
-        <p:txBody>
-          <a:bodyPr wrap="none" lIns="36000" tIns="36000" rIns="36000" bIns="36000" rtlCol="0" anchor="ctr" anchorCtr="0"/>
-          <a:lstStyle/>
-          <a:p>
-            <a:pPr algn="ctr"/>
-            <a:r>
-              <a:rPr lang="zh-CN" altLang="en-US" sz="1600" b="1">
-                <a:solidFill>
-                  <a:schemeClr val="tx1"/>
-                </a:solidFill>
-                <a:latin typeface="微软雅黑" panose="020B0503020204020204" pitchFamily="34" charset="-122"/>
-                <a:ea typeface="微软雅黑" panose="020B0503020204020204" pitchFamily="34" charset="-122"/>
-              </a:rPr>
-              <a:t>平台产品表</a:t>
-            </a:r>
-          </a:p>
-        </p:txBody>
-      </p:sp>
-      <p:cxnSp>
-        <p:nvCxnSpPr>
-          <p:cNvPr id="24" name="直接箭头连接符 23">
-            <a:extLst>
-              <a:ext uri="{FF2B5EF4-FFF2-40B4-BE49-F238E27FC236}">
-                <a16:creationId xmlns:a16="http://schemas.microsoft.com/office/drawing/2014/main" id="{929C86E3-CC98-475F-8249-6FF9D1995BD7}"/>
-              </a:ext>
-            </a:extLst>
-          </p:cNvPr>
-          <p:cNvCxnSpPr>
-            <a:cxnSpLocks/>
-            <a:stCxn id="42" idx="3"/>
-            <a:endCxn id="43" idx="1"/>
-          </p:cNvCxnSpPr>
-          <p:nvPr/>
-        </p:nvCxnSpPr>
-        <p:spPr>
-          <a:xfrm flipV="1">
-            <a:off x="2152379" y="2145914"/>
-            <a:ext cx="1465815" cy="3534"/>
-          </a:xfrm>
-          <a:prstGeom prst="straightConnector1">
-            <a:avLst/>
-          </a:prstGeom>
-          <a:ln w="31750">
-            <a:solidFill>
-              <a:schemeClr val="tx1"/>
-            </a:solidFill>
-            <a:tailEnd type="triangle"/>
-          </a:ln>
-        </p:spPr>
-        <p:style>
-          <a:lnRef idx="1">
-            <a:schemeClr val="accent1"/>
-          </a:lnRef>
-          <a:fillRef idx="0">
-            <a:schemeClr val="accent1"/>
-          </a:fillRef>
-          <a:effectRef idx="0">
-            <a:schemeClr val="accent1"/>
-          </a:effectRef>
-          <a:fontRef idx="minor">
-            <a:schemeClr val="tx1"/>
-          </a:fontRef>
-        </p:style>
-      </p:cxnSp>
-    </p:spTree>
-    <p:extLst>
-      <p:ext uri="{BB962C8B-B14F-4D97-AF65-F5344CB8AC3E}">
-        <p14:creationId xmlns:p14="http://schemas.microsoft.com/office/powerpoint/2010/main" val="4071845704"/>
-      </p:ext>
-    </p:extLst>
-  </p:cSld>
-  <p:clrMapOvr>
-    <a:masterClrMapping/>
-  </p:clrMapOvr>
-</p:sld>
-</file>
-
-<file path=ppt/slides/slide6.xml><?xml version="1.0" encoding="utf-8"?>
-<p:sld xmlns:a="http://schemas.openxmlformats.org/drawingml/2006/main" xmlns:r="http://schemas.openxmlformats.org/officeDocument/2006/relationships" xmlns:p="http://schemas.openxmlformats.org/presentationml/2006/main">
-  <p:cSld>
-    <p:spTree>
-      <p:nvGrpSpPr>
-        <p:cNvPr id="1" name=""/>
-        <p:cNvGrpSpPr/>
-        <p:nvPr/>
-      </p:nvGrpSpPr>
-      <p:grpSpPr>
-        <a:xfrm>
-          <a:off x="0" y="0"/>
-          <a:ext cx="0" cy="0"/>
-          <a:chOff x="0" y="0"/>
-          <a:chExt cx="0" cy="0"/>
-        </a:xfrm>
-      </p:grpSpPr>
-      <p:sp>
-        <p:nvSpPr>
-          <p:cNvPr id="61" name="矩形: 圆角 60">
-            <a:extLst>
-              <a:ext uri="{FF2B5EF4-FFF2-40B4-BE49-F238E27FC236}">
-                <a16:creationId xmlns:a16="http://schemas.microsoft.com/office/drawing/2014/main" id="{E3777F73-EAAB-43DE-8A90-6B6D895B1B1F}"/>
-              </a:ext>
-            </a:extLst>
-          </p:cNvPr>
-          <p:cNvSpPr/>
-          <p:nvPr/>
-        </p:nvSpPr>
-        <p:spPr>
-          <a:xfrm>
-            <a:off x="712379" y="1664262"/>
-            <a:ext cx="1224000" cy="540000"/>
-          </a:xfrm>
-          <a:prstGeom prst="roundRect">
-            <a:avLst/>
-          </a:prstGeom>
-          <a:solidFill>
-            <a:srgbClr val="00B0F0"/>
-          </a:solidFill>
-          <a:ln>
-            <a:solidFill>
-              <a:schemeClr val="tx1"/>
-            </a:solidFill>
-          </a:ln>
-        </p:spPr>
-        <p:style>
-          <a:lnRef idx="2">
-            <a:schemeClr val="accent1">
-              <a:shade val="50000"/>
-            </a:schemeClr>
-          </a:lnRef>
-          <a:fillRef idx="1">
-            <a:schemeClr val="accent1"/>
-          </a:fillRef>
-          <a:effectRef idx="0">
-            <a:schemeClr val="accent1"/>
-          </a:effectRef>
-          <a:fontRef idx="minor">
-            <a:schemeClr val="lt1"/>
-          </a:fontRef>
-        </p:style>
-        <p:txBody>
-          <a:bodyPr wrap="none" lIns="36000" tIns="36000" rIns="36000" bIns="36000" rtlCol="0" anchor="ctr" anchorCtr="0"/>
-          <a:lstStyle/>
-          <a:p>
-            <a:pPr algn="ctr"/>
-            <a:r>
-              <a:rPr lang="zh-CN" altLang="en-US" sz="1600" b="1">
-                <a:solidFill>
-                  <a:schemeClr val="tx1"/>
-                </a:solidFill>
-                <a:latin typeface="微软雅黑" panose="020B0503020204020204" pitchFamily="34" charset="-122"/>
-                <a:ea typeface="微软雅黑" panose="020B0503020204020204" pitchFamily="34" charset="-122"/>
-              </a:rPr>
-              <a:t>用户</a:t>
-            </a:r>
-          </a:p>
-        </p:txBody>
-      </p:sp>
-      <p:sp>
-        <p:nvSpPr>
-          <p:cNvPr id="101" name="矩形: 圆角 100">
-            <a:extLst>
-              <a:ext uri="{FF2B5EF4-FFF2-40B4-BE49-F238E27FC236}">
-                <a16:creationId xmlns:a16="http://schemas.microsoft.com/office/drawing/2014/main" id="{2FD8AFDB-B92D-4C27-ABEC-799C66831DBB}"/>
-              </a:ext>
-            </a:extLst>
-          </p:cNvPr>
-          <p:cNvSpPr/>
-          <p:nvPr/>
-        </p:nvSpPr>
-        <p:spPr>
-          <a:xfrm>
-            <a:off x="3359257" y="1610262"/>
-            <a:ext cx="2511377" cy="648000"/>
-          </a:xfrm>
-          <a:prstGeom prst="roundRect">
-            <a:avLst/>
-          </a:prstGeom>
-          <a:solidFill>
-            <a:srgbClr val="00B050"/>
-          </a:solidFill>
-          <a:ln>
-            <a:solidFill>
-              <a:schemeClr val="tx1"/>
-            </a:solidFill>
-          </a:ln>
-        </p:spPr>
-        <p:style>
-          <a:lnRef idx="2">
-            <a:schemeClr val="accent1">
-              <a:shade val="50000"/>
-            </a:schemeClr>
-          </a:lnRef>
-          <a:fillRef idx="1">
-            <a:schemeClr val="accent1"/>
-          </a:fillRef>
-          <a:effectRef idx="0">
-            <a:schemeClr val="accent1"/>
-          </a:effectRef>
-          <a:fontRef idx="minor">
-            <a:schemeClr val="lt1"/>
-          </a:fontRef>
-        </p:style>
-        <p:txBody>
-          <a:bodyPr wrap="none" lIns="36000" tIns="36000" rIns="36000" bIns="36000" rtlCol="0" anchor="ctr" anchorCtr="0"/>
-          <a:lstStyle/>
-          <a:p>
-            <a:pPr algn="ctr"/>
-            <a:r>
-              <a:rPr lang="zh-CN" altLang="en-US" sz="1600" b="1">
-                <a:solidFill>
-                  <a:schemeClr val="tx1"/>
-                </a:solidFill>
-                <a:latin typeface="微软雅黑" panose="020B0503020204020204" pitchFamily="34" charset="-122"/>
-                <a:ea typeface="微软雅黑" panose="020B0503020204020204" pitchFamily="34" charset="-122"/>
-              </a:rPr>
-              <a:t>发布出售产品</a:t>
-            </a:r>
-            <a:endParaRPr lang="en-US" altLang="zh-CN" sz="1600" b="1">
-              <a:solidFill>
-                <a:schemeClr val="tx1"/>
-              </a:solidFill>
-              <a:latin typeface="微软雅黑" panose="020B0503020204020204" pitchFamily="34" charset="-122"/>
-              <a:ea typeface="微软雅黑" panose="020B0503020204020204" pitchFamily="34" charset="-122"/>
-            </a:endParaRPr>
-          </a:p>
-          <a:p>
-            <a:pPr algn="ctr"/>
-            <a:r>
-              <a:rPr lang="en-US" altLang="zh-CN" sz="1600" b="1">
-                <a:solidFill>
-                  <a:schemeClr val="tx1"/>
-                </a:solidFill>
-                <a:latin typeface="微软雅黑" panose="020B0503020204020204" pitchFamily="34" charset="-122"/>
-                <a:ea typeface="微软雅黑" panose="020B0503020204020204" pitchFamily="34" charset="-122"/>
-              </a:rPr>
-              <a:t>publish_person_goods</a:t>
-            </a:r>
-            <a:endParaRPr lang="zh-CN" altLang="en-US" sz="1600" b="1">
-              <a:solidFill>
-                <a:schemeClr val="tx1"/>
-              </a:solidFill>
-              <a:latin typeface="微软雅黑" panose="020B0503020204020204" pitchFamily="34" charset="-122"/>
-              <a:ea typeface="微软雅黑" panose="020B0503020204020204" pitchFamily="34" charset="-122"/>
-            </a:endParaRPr>
-          </a:p>
-        </p:txBody>
-      </p:sp>
-      <p:cxnSp>
-        <p:nvCxnSpPr>
-          <p:cNvPr id="239" name="直接连接符 238">
-            <a:extLst>
-              <a:ext uri="{FF2B5EF4-FFF2-40B4-BE49-F238E27FC236}">
-                <a16:creationId xmlns:a16="http://schemas.microsoft.com/office/drawing/2014/main" id="{05CC9636-A076-48A7-9A94-4E0212BA0C59}"/>
-              </a:ext>
-            </a:extLst>
-          </p:cNvPr>
-          <p:cNvCxnSpPr>
-            <a:cxnSpLocks/>
-          </p:cNvCxnSpPr>
-          <p:nvPr/>
-        </p:nvCxnSpPr>
-        <p:spPr>
-          <a:xfrm flipH="1">
-            <a:off x="433388" y="866051"/>
-            <a:ext cx="11325225" cy="1"/>
-          </a:xfrm>
-          <a:prstGeom prst="line">
-            <a:avLst/>
-          </a:prstGeom>
-          <a:ln w="19050">
-            <a:solidFill>
-              <a:srgbClr val="00576E"/>
-            </a:solidFill>
-          </a:ln>
-          <a:effectLst>
-            <a:outerShdw blurRad="50800" dist="12700" dir="5400000" algn="t" rotWithShape="0">
-              <a:prstClr val="black">
-                <a:alpha val="40000"/>
-              </a:prstClr>
-            </a:outerShdw>
-          </a:effectLst>
-        </p:spPr>
-        <p:style>
-          <a:lnRef idx="2">
-            <a:schemeClr val="accent1"/>
-          </a:lnRef>
-          <a:fillRef idx="0">
-            <a:schemeClr val="accent1"/>
-          </a:fillRef>
-          <a:effectRef idx="1">
-            <a:schemeClr val="accent1"/>
-          </a:effectRef>
-          <a:fontRef idx="minor">
-            <a:schemeClr val="tx1"/>
-          </a:fontRef>
-        </p:style>
-      </p:cxnSp>
-      <p:sp>
-        <p:nvSpPr>
-          <p:cNvPr id="240" name="矩形 239">
-            <a:extLst>
-              <a:ext uri="{FF2B5EF4-FFF2-40B4-BE49-F238E27FC236}">
-                <a16:creationId xmlns:a16="http://schemas.microsoft.com/office/drawing/2014/main" id="{CE6D800A-2E58-40A9-AF4D-2C92406102BA}"/>
-              </a:ext>
-            </a:extLst>
-          </p:cNvPr>
-          <p:cNvSpPr/>
-          <p:nvPr/>
-        </p:nvSpPr>
-        <p:spPr>
-          <a:xfrm>
-            <a:off x="471489" y="209549"/>
-            <a:ext cx="119062" cy="513626"/>
-          </a:xfrm>
-          <a:prstGeom prst="rect">
-            <a:avLst/>
-          </a:prstGeom>
-          <a:solidFill>
-            <a:srgbClr val="00576E"/>
-          </a:solidFill>
-        </p:spPr>
-        <p:style>
-          <a:lnRef idx="2">
-            <a:schemeClr val="accent1">
-              <a:shade val="50000"/>
-            </a:schemeClr>
-          </a:lnRef>
-          <a:fillRef idx="1">
-            <a:schemeClr val="accent1"/>
-          </a:fillRef>
-          <a:effectRef idx="0">
-            <a:schemeClr val="accent1"/>
-          </a:effectRef>
-          <a:fontRef idx="minor">
-            <a:schemeClr val="lt1"/>
-          </a:fontRef>
-        </p:style>
-        <p:txBody>
-          <a:bodyPr rtlCol="0" anchor="ctr"/>
-          <a:lstStyle/>
-          <a:p>
-            <a:pPr algn="ctr"/>
-            <a:endParaRPr lang="zh-CN" altLang="en-US">
-              <a:latin typeface="Consolas" panose="020B0609020204030204" pitchFamily="49" charset="0"/>
-            </a:endParaRPr>
-          </a:p>
-        </p:txBody>
-      </p:sp>
-      <p:sp>
-        <p:nvSpPr>
-          <p:cNvPr id="241" name="文本框 240">
-            <a:extLst>
-              <a:ext uri="{FF2B5EF4-FFF2-40B4-BE49-F238E27FC236}">
-                <a16:creationId xmlns:a16="http://schemas.microsoft.com/office/drawing/2014/main" id="{90ABBAE7-6707-4A6F-819E-32C1CFD4250B}"/>
-              </a:ext>
-            </a:extLst>
-          </p:cNvPr>
-          <p:cNvSpPr txBox="1"/>
-          <p:nvPr/>
-        </p:nvSpPr>
-        <p:spPr>
-          <a:xfrm>
-            <a:off x="712379" y="173975"/>
-            <a:ext cx="2646878" cy="584775"/>
-          </a:xfrm>
-          <a:prstGeom prst="rect">
-            <a:avLst/>
-          </a:prstGeom>
-          <a:noFill/>
-        </p:spPr>
-        <p:txBody>
-          <a:bodyPr wrap="none" rtlCol="0">
-            <a:spAutoFit/>
-          </a:bodyPr>
-          <a:lstStyle/>
-          <a:p>
-            <a:r>
-              <a:rPr lang="zh-CN" altLang="en-US" sz="3200" b="1">
-                <a:latin typeface="Consolas" panose="020B0609020204030204" pitchFamily="49" charset="0"/>
-                <a:ea typeface="微软雅黑" panose="020B0503020204020204" pitchFamily="34" charset="-122"/>
-              </a:rPr>
-              <a:t>用户出售产品</a:t>
-            </a:r>
-          </a:p>
-        </p:txBody>
-      </p:sp>
-      <p:cxnSp>
-        <p:nvCxnSpPr>
-          <p:cNvPr id="34" name="直接箭头连接符 33">
-            <a:extLst>
-              <a:ext uri="{FF2B5EF4-FFF2-40B4-BE49-F238E27FC236}">
-                <a16:creationId xmlns:a16="http://schemas.microsoft.com/office/drawing/2014/main" id="{04A35C32-DA37-4EB7-A556-6952BCC806F0}"/>
-              </a:ext>
-            </a:extLst>
-          </p:cNvPr>
-          <p:cNvCxnSpPr>
-            <a:cxnSpLocks/>
-            <a:stCxn id="101" idx="3"/>
-            <a:endCxn id="35" idx="1"/>
-          </p:cNvCxnSpPr>
-          <p:nvPr/>
-        </p:nvCxnSpPr>
-        <p:spPr>
-          <a:xfrm>
-            <a:off x="5870634" y="1934262"/>
-            <a:ext cx="2114722" cy="349397"/>
-          </a:xfrm>
-          <a:prstGeom prst="straightConnector1">
-            <a:avLst/>
-          </a:prstGeom>
-          <a:ln w="31750">
-            <a:solidFill>
-              <a:srgbClr val="FFC000"/>
-            </a:solidFill>
-            <a:tailEnd type="triangle"/>
-          </a:ln>
-        </p:spPr>
-        <p:style>
-          <a:lnRef idx="1">
-            <a:schemeClr val="accent1"/>
-          </a:lnRef>
-          <a:fillRef idx="0">
-            <a:schemeClr val="accent1"/>
-          </a:fillRef>
-          <a:effectRef idx="0">
-            <a:schemeClr val="accent1"/>
-          </a:effectRef>
-          <a:fontRef idx="minor">
-            <a:schemeClr val="tx1"/>
-          </a:fontRef>
-        </p:style>
-      </p:cxnSp>
-      <p:sp>
-        <p:nvSpPr>
-          <p:cNvPr id="35" name="矩形: 圆角 34">
-            <a:extLst>
-              <a:ext uri="{FF2B5EF4-FFF2-40B4-BE49-F238E27FC236}">
-                <a16:creationId xmlns:a16="http://schemas.microsoft.com/office/drawing/2014/main" id="{4F499228-7684-41C5-9D8A-AF8960D92B69}"/>
-              </a:ext>
-            </a:extLst>
-          </p:cNvPr>
-          <p:cNvSpPr/>
-          <p:nvPr/>
-        </p:nvSpPr>
-        <p:spPr>
-          <a:xfrm>
-            <a:off x="7985356" y="2085659"/>
-            <a:ext cx="1728000" cy="396000"/>
-          </a:xfrm>
-          <a:prstGeom prst="roundRect">
-            <a:avLst/>
-          </a:prstGeom>
-          <a:solidFill>
-            <a:schemeClr val="bg1">
-              <a:lumMod val="95000"/>
-            </a:schemeClr>
-          </a:solidFill>
-          <a:ln>
-            <a:solidFill>
-              <a:schemeClr val="tx1"/>
-            </a:solidFill>
-          </a:ln>
-        </p:spPr>
-        <p:style>
-          <a:lnRef idx="2">
-            <a:schemeClr val="accent1">
-              <a:shade val="50000"/>
-            </a:schemeClr>
-          </a:lnRef>
-          <a:fillRef idx="1">
-            <a:schemeClr val="accent1"/>
-          </a:fillRef>
-          <a:effectRef idx="0">
-            <a:schemeClr val="accent1"/>
-          </a:effectRef>
-          <a:fontRef idx="minor">
-            <a:schemeClr val="lt1"/>
-          </a:fontRef>
-        </p:style>
-        <p:txBody>
-          <a:bodyPr wrap="none" lIns="36000" tIns="36000" rIns="36000" bIns="36000" rtlCol="0" anchor="ctr" anchorCtr="0"/>
-          <a:lstStyle/>
-          <a:p>
-            <a:pPr algn="ctr"/>
-            <a:r>
-              <a:rPr lang="zh-CN" altLang="en-US" sz="1600" b="1">
-                <a:solidFill>
-                  <a:schemeClr val="tx1"/>
-                </a:solidFill>
-                <a:latin typeface="微软雅黑" panose="020B0503020204020204" pitchFamily="34" charset="-122"/>
-                <a:ea typeface="微软雅黑" panose="020B0503020204020204" pitchFamily="34" charset="-122"/>
-              </a:rPr>
-              <a:t>用户产品出售表</a:t>
-            </a:r>
-          </a:p>
-        </p:txBody>
-      </p:sp>
-      <p:cxnSp>
-        <p:nvCxnSpPr>
-          <p:cNvPr id="37" name="直接箭头连接符 36">
-            <a:extLst>
-              <a:ext uri="{FF2B5EF4-FFF2-40B4-BE49-F238E27FC236}">
-                <a16:creationId xmlns:a16="http://schemas.microsoft.com/office/drawing/2014/main" id="{09768FC4-939C-4617-9AC3-78B6BFF6246A}"/>
-              </a:ext>
-            </a:extLst>
-          </p:cNvPr>
-          <p:cNvCxnSpPr>
-            <a:cxnSpLocks/>
-            <a:stCxn id="101" idx="3"/>
-            <a:endCxn id="38" idx="1"/>
-          </p:cNvCxnSpPr>
-          <p:nvPr/>
-        </p:nvCxnSpPr>
-        <p:spPr>
-          <a:xfrm flipV="1">
-            <a:off x="5870634" y="1631118"/>
-            <a:ext cx="2114722" cy="303144"/>
-          </a:xfrm>
-          <a:prstGeom prst="straightConnector1">
-            <a:avLst/>
-          </a:prstGeom>
-          <a:ln w="31750">
-            <a:solidFill>
-              <a:srgbClr val="FFC000"/>
-            </a:solidFill>
-            <a:tailEnd type="triangle"/>
-          </a:ln>
-        </p:spPr>
-        <p:style>
-          <a:lnRef idx="1">
-            <a:schemeClr val="accent1"/>
-          </a:lnRef>
-          <a:fillRef idx="0">
-            <a:schemeClr val="accent1"/>
-          </a:fillRef>
-          <a:effectRef idx="0">
-            <a:schemeClr val="accent1"/>
-          </a:effectRef>
-          <a:fontRef idx="minor">
-            <a:schemeClr val="tx1"/>
-          </a:fontRef>
-        </p:style>
-      </p:cxnSp>
-      <p:sp>
-        <p:nvSpPr>
-          <p:cNvPr id="38" name="矩形: 圆角 37">
-            <a:extLst>
-              <a:ext uri="{FF2B5EF4-FFF2-40B4-BE49-F238E27FC236}">
-                <a16:creationId xmlns:a16="http://schemas.microsoft.com/office/drawing/2014/main" id="{49CB9022-016E-4FCA-8096-9D0AE8DC4761}"/>
-              </a:ext>
-            </a:extLst>
-          </p:cNvPr>
-          <p:cNvSpPr/>
-          <p:nvPr/>
-        </p:nvSpPr>
-        <p:spPr>
-          <a:xfrm>
-            <a:off x="7985356" y="1433118"/>
-            <a:ext cx="1728000" cy="396000"/>
-          </a:xfrm>
-          <a:prstGeom prst="roundRect">
-            <a:avLst/>
-          </a:prstGeom>
-          <a:solidFill>
-            <a:schemeClr val="bg1">
-              <a:lumMod val="95000"/>
-            </a:schemeClr>
-          </a:solidFill>
-          <a:ln>
-            <a:solidFill>
-              <a:schemeClr val="tx1"/>
-            </a:solidFill>
-          </a:ln>
-        </p:spPr>
-        <p:style>
-          <a:lnRef idx="2">
-            <a:schemeClr val="accent1">
-              <a:shade val="50000"/>
-            </a:schemeClr>
-          </a:lnRef>
-          <a:fillRef idx="1">
-            <a:schemeClr val="accent1"/>
-          </a:fillRef>
-          <a:effectRef idx="0">
-            <a:schemeClr val="accent1"/>
-          </a:effectRef>
-          <a:fontRef idx="minor">
-            <a:schemeClr val="lt1"/>
-          </a:fontRef>
-        </p:style>
-        <p:txBody>
-          <a:bodyPr wrap="none" lIns="36000" tIns="36000" rIns="36000" bIns="36000" rtlCol="0" anchor="ctr" anchorCtr="0"/>
-          <a:lstStyle/>
-          <a:p>
-            <a:pPr algn="ctr"/>
-            <a:r>
-              <a:rPr lang="zh-CN" altLang="en-US" sz="1600" b="1">
-                <a:solidFill>
-                  <a:schemeClr val="tx1"/>
-                </a:solidFill>
-                <a:latin typeface="微软雅黑" panose="020B0503020204020204" pitchFamily="34" charset="-122"/>
-                <a:ea typeface="微软雅黑" panose="020B0503020204020204" pitchFamily="34" charset="-122"/>
-              </a:rPr>
-              <a:t>用户当前产品表</a:t>
-            </a:r>
-          </a:p>
-        </p:txBody>
-      </p:sp>
-      <p:cxnSp>
-        <p:nvCxnSpPr>
-          <p:cNvPr id="13" name="直接箭头连接符 12">
-            <a:extLst>
-              <a:ext uri="{FF2B5EF4-FFF2-40B4-BE49-F238E27FC236}">
-                <a16:creationId xmlns:a16="http://schemas.microsoft.com/office/drawing/2014/main" id="{82431891-14A1-4A76-8A00-FC8405BA6A29}"/>
-              </a:ext>
-            </a:extLst>
-          </p:cNvPr>
-          <p:cNvCxnSpPr>
-            <a:cxnSpLocks/>
-            <a:stCxn id="61" idx="3"/>
-            <a:endCxn id="101" idx="1"/>
-          </p:cNvCxnSpPr>
-          <p:nvPr/>
-        </p:nvCxnSpPr>
-        <p:spPr>
-          <a:xfrm>
-            <a:off x="1936379" y="1934262"/>
-            <a:ext cx="1422878" cy="0"/>
-          </a:xfrm>
-          <a:prstGeom prst="straightConnector1">
-            <a:avLst/>
-          </a:prstGeom>
-          <a:ln w="31750">
-            <a:solidFill>
-              <a:schemeClr val="tx1"/>
-            </a:solidFill>
-            <a:tailEnd type="triangle"/>
-          </a:ln>
-        </p:spPr>
-        <p:style>
-          <a:lnRef idx="1">
-            <a:schemeClr val="accent1"/>
-          </a:lnRef>
-          <a:fillRef idx="0">
-            <a:schemeClr val="accent1"/>
-          </a:fillRef>
-          <a:effectRef idx="0">
-            <a:schemeClr val="accent1"/>
-          </a:effectRef>
-          <a:fontRef idx="minor">
-            <a:schemeClr val="tx1"/>
-          </a:fontRef>
-        </p:style>
-      </p:cxnSp>
-    </p:spTree>
-    <p:extLst>
-      <p:ext uri="{BB962C8B-B14F-4D97-AF65-F5344CB8AC3E}">
-        <p14:creationId xmlns:p14="http://schemas.microsoft.com/office/powerpoint/2010/main" val="3030828946"/>
-      </p:ext>
-    </p:extLst>
-  </p:cSld>
-  <p:clrMapOvr>
-    <a:masterClrMapping/>
-  </p:clrMapOvr>
-</p:sld>
-</file>
-
-<file path=ppt/slides/slide7.xml><?xml version="1.0" encoding="utf-8"?>
-<p:sld xmlns:a="http://schemas.openxmlformats.org/drawingml/2006/main" xmlns:r="http://schemas.openxmlformats.org/officeDocument/2006/relationships" xmlns:p="http://schemas.openxmlformats.org/presentationml/2006/main">
-  <p:cSld>
-    <p:spTree>
-      <p:nvGrpSpPr>
-        <p:cNvPr id="1" name=""/>
-        <p:cNvGrpSpPr/>
-        <p:nvPr/>
-      </p:nvGrpSpPr>
-      <p:grpSpPr>
-        <a:xfrm>
-          <a:off x="0" y="0"/>
-          <a:ext cx="0" cy="0"/>
-          <a:chOff x="0" y="0"/>
-          <a:chExt cx="0" cy="0"/>
-        </a:xfrm>
-      </p:grpSpPr>
-      <p:cxnSp>
-        <p:nvCxnSpPr>
-          <p:cNvPr id="239" name="直接连接符 238">
-            <a:extLst>
-              <a:ext uri="{FF2B5EF4-FFF2-40B4-BE49-F238E27FC236}">
-                <a16:creationId xmlns:a16="http://schemas.microsoft.com/office/drawing/2014/main" id="{05CC9636-A076-48A7-9A94-4E0212BA0C59}"/>
-              </a:ext>
-            </a:extLst>
-          </p:cNvPr>
-          <p:cNvCxnSpPr>
-            <a:cxnSpLocks/>
-          </p:cNvCxnSpPr>
-          <p:nvPr/>
-        </p:nvCxnSpPr>
-        <p:spPr>
-          <a:xfrm flipH="1">
-            <a:off x="433388" y="866051"/>
-            <a:ext cx="11325225" cy="1"/>
-          </a:xfrm>
-          <a:prstGeom prst="line">
-            <a:avLst/>
-          </a:prstGeom>
-          <a:ln w="19050">
-            <a:solidFill>
-              <a:srgbClr val="00576E"/>
-            </a:solidFill>
-          </a:ln>
-          <a:effectLst>
-            <a:outerShdw blurRad="50800" dist="12700" dir="5400000" algn="t" rotWithShape="0">
-              <a:prstClr val="black">
-                <a:alpha val="40000"/>
-              </a:prstClr>
-            </a:outerShdw>
-          </a:effectLst>
-        </p:spPr>
-        <p:style>
-          <a:lnRef idx="2">
-            <a:schemeClr val="accent1"/>
-          </a:lnRef>
-          <a:fillRef idx="0">
-            <a:schemeClr val="accent1"/>
-          </a:fillRef>
-          <a:effectRef idx="1">
-            <a:schemeClr val="accent1"/>
-          </a:effectRef>
-          <a:fontRef idx="minor">
-            <a:schemeClr val="tx1"/>
-          </a:fontRef>
-        </p:style>
-      </p:cxnSp>
-      <p:sp>
-        <p:nvSpPr>
-          <p:cNvPr id="240" name="矩形 239">
-            <a:extLst>
-              <a:ext uri="{FF2B5EF4-FFF2-40B4-BE49-F238E27FC236}">
-                <a16:creationId xmlns:a16="http://schemas.microsoft.com/office/drawing/2014/main" id="{CE6D800A-2E58-40A9-AF4D-2C92406102BA}"/>
-              </a:ext>
-            </a:extLst>
-          </p:cNvPr>
-          <p:cNvSpPr/>
-          <p:nvPr/>
-        </p:nvSpPr>
-        <p:spPr>
-          <a:xfrm>
-            <a:off x="471489" y="209549"/>
-            <a:ext cx="119062" cy="513626"/>
-          </a:xfrm>
-          <a:prstGeom prst="rect">
-            <a:avLst/>
-          </a:prstGeom>
-          <a:solidFill>
-            <a:srgbClr val="00576E"/>
-          </a:solidFill>
-        </p:spPr>
-        <p:style>
-          <a:lnRef idx="2">
-            <a:schemeClr val="accent1">
-              <a:shade val="50000"/>
-            </a:schemeClr>
-          </a:lnRef>
-          <a:fillRef idx="1">
-            <a:schemeClr val="accent1"/>
-          </a:fillRef>
-          <a:effectRef idx="0">
-            <a:schemeClr val="accent1"/>
-          </a:effectRef>
-          <a:fontRef idx="minor">
-            <a:schemeClr val="lt1"/>
-          </a:fontRef>
-        </p:style>
-        <p:txBody>
-          <a:bodyPr rtlCol="0" anchor="ctr"/>
-          <a:lstStyle/>
-          <a:p>
-            <a:pPr algn="ctr"/>
-            <a:endParaRPr lang="zh-CN" altLang="en-US">
-              <a:latin typeface="Consolas" panose="020B0609020204030204" pitchFamily="49" charset="0"/>
-            </a:endParaRPr>
-          </a:p>
-        </p:txBody>
-      </p:sp>
-      <p:sp>
-        <p:nvSpPr>
-          <p:cNvPr id="241" name="文本框 240">
-            <a:extLst>
-              <a:ext uri="{FF2B5EF4-FFF2-40B4-BE49-F238E27FC236}">
-                <a16:creationId xmlns:a16="http://schemas.microsoft.com/office/drawing/2014/main" id="{90ABBAE7-6707-4A6F-819E-32C1CFD4250B}"/>
-              </a:ext>
-            </a:extLst>
-          </p:cNvPr>
-          <p:cNvSpPr txBox="1"/>
-          <p:nvPr/>
-        </p:nvSpPr>
-        <p:spPr>
-          <a:xfrm>
-            <a:off x="712379" y="173975"/>
-            <a:ext cx="3467616" cy="584775"/>
-          </a:xfrm>
-          <a:prstGeom prst="rect">
-            <a:avLst/>
-          </a:prstGeom>
-          <a:noFill/>
-        </p:spPr>
-        <p:txBody>
-          <a:bodyPr wrap="none" rtlCol="0">
-            <a:spAutoFit/>
-          </a:bodyPr>
-          <a:lstStyle/>
-          <a:p>
-            <a:r>
-              <a:rPr lang="zh-CN" altLang="en-US" sz="3200" b="1">
-                <a:latin typeface="Consolas" panose="020B0609020204030204" pitchFamily="49" charset="0"/>
-                <a:ea typeface="微软雅黑" panose="020B0503020204020204" pitchFamily="34" charset="-122"/>
-              </a:rPr>
-              <a:t>用户购买用户产品</a:t>
-            </a:r>
-          </a:p>
-        </p:txBody>
-      </p:sp>
-      <p:sp>
-        <p:nvSpPr>
-          <p:cNvPr id="23" name="矩形: 圆角 22">
-            <a:extLst>
-              <a:ext uri="{FF2B5EF4-FFF2-40B4-BE49-F238E27FC236}">
-                <a16:creationId xmlns:a16="http://schemas.microsoft.com/office/drawing/2014/main" id="{DE79CEAC-65D3-4CF0-B5C1-3C5CD4003A5E}"/>
-              </a:ext>
-            </a:extLst>
-          </p:cNvPr>
-          <p:cNvSpPr/>
-          <p:nvPr/>
-        </p:nvSpPr>
-        <p:spPr>
-          <a:xfrm>
-            <a:off x="712379" y="1594190"/>
-            <a:ext cx="1224000" cy="540000"/>
-          </a:xfrm>
-          <a:prstGeom prst="roundRect">
-            <a:avLst/>
-          </a:prstGeom>
-          <a:solidFill>
-            <a:srgbClr val="00B0F0"/>
-          </a:solidFill>
-          <a:ln>
-            <a:solidFill>
-              <a:schemeClr val="tx1"/>
-            </a:solidFill>
-          </a:ln>
-        </p:spPr>
-        <p:style>
-          <a:lnRef idx="2">
-            <a:schemeClr val="accent1">
-              <a:shade val="50000"/>
-            </a:schemeClr>
-          </a:lnRef>
-          <a:fillRef idx="1">
-            <a:schemeClr val="accent1"/>
-          </a:fillRef>
-          <a:effectRef idx="0">
-            <a:schemeClr val="accent1"/>
-          </a:effectRef>
-          <a:fontRef idx="minor">
-            <a:schemeClr val="lt1"/>
-          </a:fontRef>
-        </p:style>
-        <p:txBody>
-          <a:bodyPr wrap="none" lIns="36000" tIns="36000" rIns="36000" bIns="36000" rtlCol="0" anchor="ctr" anchorCtr="0"/>
-          <a:lstStyle/>
-          <a:p>
-            <a:pPr algn="ctr"/>
-            <a:r>
-              <a:rPr lang="zh-CN" altLang="en-US" sz="1600" b="1">
-                <a:solidFill>
-                  <a:schemeClr val="tx1"/>
-                </a:solidFill>
-                <a:latin typeface="微软雅黑" panose="020B0503020204020204" pitchFamily="34" charset="-122"/>
-                <a:ea typeface="微软雅黑" panose="020B0503020204020204" pitchFamily="34" charset="-122"/>
-              </a:rPr>
-              <a:t>用户</a:t>
-            </a:r>
-          </a:p>
-        </p:txBody>
-      </p:sp>
-      <p:sp>
-        <p:nvSpPr>
-          <p:cNvPr id="24" name="矩形: 圆角 23">
-            <a:extLst>
-              <a:ext uri="{FF2B5EF4-FFF2-40B4-BE49-F238E27FC236}">
-                <a16:creationId xmlns:a16="http://schemas.microsoft.com/office/drawing/2014/main" id="{A25478A8-4FB0-427C-BBD8-232A2989DAF4}"/>
-              </a:ext>
-            </a:extLst>
-          </p:cNvPr>
-          <p:cNvSpPr/>
-          <p:nvPr/>
-        </p:nvSpPr>
-        <p:spPr>
-          <a:xfrm>
-            <a:off x="3322148" y="1540190"/>
-            <a:ext cx="2219996" cy="648000"/>
-          </a:xfrm>
-          <a:prstGeom prst="roundRect">
-            <a:avLst/>
-          </a:prstGeom>
-          <a:solidFill>
-            <a:srgbClr val="00B050"/>
-          </a:solidFill>
-          <a:ln>
-            <a:solidFill>
-              <a:schemeClr val="tx1"/>
-            </a:solidFill>
-          </a:ln>
-        </p:spPr>
-        <p:style>
-          <a:lnRef idx="2">
-            <a:schemeClr val="accent1">
-              <a:shade val="50000"/>
-            </a:schemeClr>
-          </a:lnRef>
-          <a:fillRef idx="1">
-            <a:schemeClr val="accent1"/>
-          </a:fillRef>
-          <a:effectRef idx="0">
-            <a:schemeClr val="accent1"/>
-          </a:effectRef>
-          <a:fontRef idx="minor">
-            <a:schemeClr val="lt1"/>
-          </a:fontRef>
-        </p:style>
-        <p:txBody>
-          <a:bodyPr wrap="none" lIns="36000" tIns="36000" rIns="36000" bIns="36000" rtlCol="0" anchor="ctr" anchorCtr="0"/>
-          <a:lstStyle/>
-          <a:p>
-            <a:pPr algn="ctr"/>
-            <a:r>
-              <a:rPr lang="zh-CN" altLang="en-US" sz="1600" b="1">
-                <a:solidFill>
-                  <a:schemeClr val="tx1"/>
-                </a:solidFill>
-                <a:latin typeface="微软雅黑" panose="020B0503020204020204" pitchFamily="34" charset="-122"/>
-                <a:ea typeface="微软雅黑" panose="020B0503020204020204" pitchFamily="34" charset="-122"/>
-              </a:rPr>
-              <a:t>购买用户产品</a:t>
-            </a:r>
-            <a:endParaRPr lang="en-US" altLang="zh-CN" sz="1600" b="1">
-              <a:solidFill>
-                <a:schemeClr val="tx1"/>
-              </a:solidFill>
-              <a:latin typeface="微软雅黑" panose="020B0503020204020204" pitchFamily="34" charset="-122"/>
-              <a:ea typeface="微软雅黑" panose="020B0503020204020204" pitchFamily="34" charset="-122"/>
-            </a:endParaRPr>
-          </a:p>
-          <a:p>
-            <a:pPr algn="ctr"/>
-            <a:r>
-              <a:rPr lang="en-US" altLang="zh-CN" sz="1600" b="1">
-                <a:solidFill>
-                  <a:schemeClr val="tx1"/>
-                </a:solidFill>
-                <a:latin typeface="微软雅黑" panose="020B0503020204020204" pitchFamily="34" charset="-122"/>
-                <a:ea typeface="微软雅黑" panose="020B0503020204020204" pitchFamily="34" charset="-122"/>
-              </a:rPr>
-              <a:t>buy_person_goods</a:t>
-            </a:r>
-            <a:endParaRPr lang="zh-CN" altLang="en-US" sz="1600" b="1">
-              <a:solidFill>
-                <a:schemeClr val="tx1"/>
-              </a:solidFill>
-              <a:latin typeface="微软雅黑" panose="020B0503020204020204" pitchFamily="34" charset="-122"/>
-              <a:ea typeface="微软雅黑" panose="020B0503020204020204" pitchFamily="34" charset="-122"/>
-            </a:endParaRPr>
-          </a:p>
-        </p:txBody>
-      </p:sp>
-      <p:sp>
-        <p:nvSpPr>
-          <p:cNvPr id="26" name="矩形: 圆角 25">
-            <a:extLst>
-              <a:ext uri="{FF2B5EF4-FFF2-40B4-BE49-F238E27FC236}">
-                <a16:creationId xmlns:a16="http://schemas.microsoft.com/office/drawing/2014/main" id="{7BEDAD88-DAEB-4482-B899-6955EFC36603}"/>
-              </a:ext>
-            </a:extLst>
-          </p:cNvPr>
-          <p:cNvSpPr/>
-          <p:nvPr/>
-        </p:nvSpPr>
-        <p:spPr>
-          <a:xfrm>
-            <a:off x="7080048" y="2062190"/>
-            <a:ext cx="1728000" cy="396000"/>
-          </a:xfrm>
-          <a:prstGeom prst="roundRect">
-            <a:avLst/>
-          </a:prstGeom>
-          <a:solidFill>
-            <a:schemeClr val="bg1">
-              <a:lumMod val="95000"/>
-            </a:schemeClr>
-          </a:solidFill>
-          <a:ln>
-            <a:solidFill>
-              <a:schemeClr val="tx1"/>
-            </a:solidFill>
-          </a:ln>
-        </p:spPr>
-        <p:style>
-          <a:lnRef idx="2">
-            <a:schemeClr val="accent1">
-              <a:shade val="50000"/>
-            </a:schemeClr>
-          </a:lnRef>
-          <a:fillRef idx="1">
-            <a:schemeClr val="accent1"/>
-          </a:fillRef>
-          <a:effectRef idx="0">
-            <a:schemeClr val="accent1"/>
-          </a:effectRef>
-          <a:fontRef idx="minor">
-            <a:schemeClr val="lt1"/>
-          </a:fontRef>
-        </p:style>
-        <p:txBody>
-          <a:bodyPr wrap="none" lIns="36000" tIns="36000" rIns="36000" bIns="36000" rtlCol="0" anchor="ctr" anchorCtr="0"/>
-          <a:lstStyle/>
-          <a:p>
-            <a:pPr algn="ctr"/>
-            <a:r>
-              <a:rPr lang="zh-CN" altLang="en-US" sz="1600" b="1">
-                <a:solidFill>
-                  <a:schemeClr val="tx1"/>
-                </a:solidFill>
-                <a:latin typeface="微软雅黑" panose="020B0503020204020204" pitchFamily="34" charset="-122"/>
-                <a:ea typeface="微软雅黑" panose="020B0503020204020204" pitchFamily="34" charset="-122"/>
-              </a:rPr>
-              <a:t>出售者产品出售表</a:t>
-            </a:r>
-          </a:p>
-        </p:txBody>
-      </p:sp>
-      <p:sp>
-        <p:nvSpPr>
-          <p:cNvPr id="28" name="矩形: 圆角 27">
-            <a:extLst>
-              <a:ext uri="{FF2B5EF4-FFF2-40B4-BE49-F238E27FC236}">
-                <a16:creationId xmlns:a16="http://schemas.microsoft.com/office/drawing/2014/main" id="{A94DE6C3-694C-4325-A74A-F92569960786}"/>
-              </a:ext>
-            </a:extLst>
-          </p:cNvPr>
-          <p:cNvSpPr/>
-          <p:nvPr/>
-        </p:nvSpPr>
-        <p:spPr>
-          <a:xfrm>
-            <a:off x="7080048" y="1297958"/>
-            <a:ext cx="1728000" cy="396000"/>
-          </a:xfrm>
-          <a:prstGeom prst="roundRect">
-            <a:avLst/>
-          </a:prstGeom>
-          <a:solidFill>
-            <a:schemeClr val="bg1">
-              <a:lumMod val="95000"/>
-            </a:schemeClr>
-          </a:solidFill>
-          <a:ln>
-            <a:solidFill>
-              <a:schemeClr val="tx1"/>
-            </a:solidFill>
-          </a:ln>
-        </p:spPr>
-        <p:style>
-          <a:lnRef idx="2">
-            <a:schemeClr val="accent1">
-              <a:shade val="50000"/>
-            </a:schemeClr>
-          </a:lnRef>
-          <a:fillRef idx="1">
-            <a:schemeClr val="accent1"/>
-          </a:fillRef>
-          <a:effectRef idx="0">
-            <a:schemeClr val="accent1"/>
-          </a:effectRef>
-          <a:fontRef idx="minor">
-            <a:schemeClr val="lt1"/>
-          </a:fontRef>
-        </p:style>
-        <p:txBody>
-          <a:bodyPr wrap="none" lIns="36000" tIns="36000" rIns="36000" bIns="36000" rtlCol="0" anchor="ctr" anchorCtr="0"/>
-          <a:lstStyle/>
-          <a:p>
-            <a:pPr algn="ctr"/>
-            <a:r>
-              <a:rPr lang="zh-CN" altLang="en-US" sz="1600" b="1">
-                <a:solidFill>
-                  <a:schemeClr val="tx1"/>
-                </a:solidFill>
-                <a:latin typeface="微软雅黑" panose="020B0503020204020204" pitchFamily="34" charset="-122"/>
-                <a:ea typeface="微软雅黑" panose="020B0503020204020204" pitchFamily="34" charset="-122"/>
-              </a:rPr>
-              <a:t>购买者当前产品表</a:t>
-            </a:r>
-          </a:p>
-        </p:txBody>
-      </p:sp>
-      <p:cxnSp>
-        <p:nvCxnSpPr>
-          <p:cNvPr id="30" name="直接箭头连接符 29">
-            <a:extLst>
-              <a:ext uri="{FF2B5EF4-FFF2-40B4-BE49-F238E27FC236}">
-                <a16:creationId xmlns:a16="http://schemas.microsoft.com/office/drawing/2014/main" id="{087E8F9D-9625-4584-9F46-0FEB26403950}"/>
-              </a:ext>
-            </a:extLst>
-          </p:cNvPr>
-          <p:cNvCxnSpPr>
-            <a:cxnSpLocks/>
-            <a:stCxn id="23" idx="3"/>
-            <a:endCxn id="24" idx="1"/>
-          </p:cNvCxnSpPr>
-          <p:nvPr/>
-        </p:nvCxnSpPr>
-        <p:spPr>
-          <a:xfrm>
-            <a:off x="1936379" y="1864190"/>
-            <a:ext cx="1385769" cy="0"/>
-          </a:xfrm>
-          <a:prstGeom prst="straightConnector1">
-            <a:avLst/>
-          </a:prstGeom>
-          <a:ln w="31750">
-            <a:solidFill>
-              <a:schemeClr val="tx1"/>
-            </a:solidFill>
-            <a:tailEnd type="triangle"/>
-          </a:ln>
-        </p:spPr>
-        <p:style>
-          <a:lnRef idx="1">
-            <a:schemeClr val="accent1"/>
-          </a:lnRef>
-          <a:fillRef idx="0">
-            <a:schemeClr val="accent1"/>
-          </a:fillRef>
-          <a:effectRef idx="0">
-            <a:schemeClr val="accent1"/>
-          </a:effectRef>
-          <a:fontRef idx="minor">
-            <a:schemeClr val="tx1"/>
-          </a:fontRef>
-        </p:style>
-      </p:cxnSp>
-      <p:cxnSp>
-        <p:nvCxnSpPr>
-          <p:cNvPr id="31" name="直接箭头连接符 30">
-            <a:extLst>
-              <a:ext uri="{FF2B5EF4-FFF2-40B4-BE49-F238E27FC236}">
-                <a16:creationId xmlns:a16="http://schemas.microsoft.com/office/drawing/2014/main" id="{F299D046-0D79-4018-A409-6515D8AD0A44}"/>
-              </a:ext>
-            </a:extLst>
-          </p:cNvPr>
-          <p:cNvCxnSpPr>
-            <a:cxnSpLocks/>
-            <a:stCxn id="24" idx="3"/>
-            <a:endCxn id="28" idx="1"/>
-          </p:cNvCxnSpPr>
-          <p:nvPr/>
-        </p:nvCxnSpPr>
-        <p:spPr>
-          <a:xfrm flipV="1">
-            <a:off x="5542144" y="1495958"/>
-            <a:ext cx="1537904" cy="368232"/>
-          </a:xfrm>
-          <a:prstGeom prst="straightConnector1">
-            <a:avLst/>
-          </a:prstGeom>
-          <a:ln w="31750">
-            <a:solidFill>
-              <a:srgbClr val="FFC000"/>
-            </a:solidFill>
-            <a:tailEnd type="triangle"/>
-          </a:ln>
-        </p:spPr>
-        <p:style>
-          <a:lnRef idx="1">
-            <a:schemeClr val="accent1"/>
-          </a:lnRef>
-          <a:fillRef idx="0">
-            <a:schemeClr val="accent1"/>
-          </a:fillRef>
-          <a:effectRef idx="0">
-            <a:schemeClr val="accent1"/>
-          </a:effectRef>
-          <a:fontRef idx="minor">
-            <a:schemeClr val="tx1"/>
-          </a:fontRef>
-        </p:style>
-      </p:cxnSp>
-      <p:cxnSp>
-        <p:nvCxnSpPr>
-          <p:cNvPr id="33" name="直接箭头连接符 32">
-            <a:extLst>
-              <a:ext uri="{FF2B5EF4-FFF2-40B4-BE49-F238E27FC236}">
-                <a16:creationId xmlns:a16="http://schemas.microsoft.com/office/drawing/2014/main" id="{C53CF86D-71E2-4F21-8B78-4C2E91826DD1}"/>
-              </a:ext>
-            </a:extLst>
-          </p:cNvPr>
-          <p:cNvCxnSpPr>
-            <a:cxnSpLocks/>
-            <a:stCxn id="24" idx="3"/>
-            <a:endCxn id="26" idx="1"/>
-          </p:cNvCxnSpPr>
-          <p:nvPr/>
-        </p:nvCxnSpPr>
-        <p:spPr>
-          <a:xfrm>
-            <a:off x="5542144" y="1864190"/>
-            <a:ext cx="1537904" cy="396000"/>
-          </a:xfrm>
-          <a:prstGeom prst="straightConnector1">
-            <a:avLst/>
-          </a:prstGeom>
-          <a:ln w="31750">
-            <a:solidFill>
-              <a:srgbClr val="FFC000"/>
-            </a:solidFill>
-            <a:tailEnd type="triangle"/>
-          </a:ln>
-        </p:spPr>
-        <p:style>
-          <a:lnRef idx="1">
-            <a:schemeClr val="accent1"/>
-          </a:lnRef>
-          <a:fillRef idx="0">
-            <a:schemeClr val="accent1"/>
-          </a:fillRef>
-          <a:effectRef idx="0">
-            <a:schemeClr val="accent1"/>
-          </a:effectRef>
-          <a:fontRef idx="minor">
-            <a:schemeClr val="tx1"/>
-          </a:fontRef>
-        </p:style>
-      </p:cxnSp>
-    </p:spTree>
-    <p:extLst>
-      <p:ext uri="{BB962C8B-B14F-4D97-AF65-F5344CB8AC3E}">
-        <p14:creationId xmlns:p14="http://schemas.microsoft.com/office/powerpoint/2010/main" val="2808624295"/>
-      </p:ext>
-    </p:extLst>
-  </p:cSld>
-  <p:clrMapOvr>
-    <a:masterClrMapping/>
-  </p:clrMapOvr>
-</p:sld>
-</file>
-
-<file path=ppt/slides/slide8.xml><?xml version="1.0" encoding="utf-8"?>
-<p:sld xmlns:a="http://schemas.openxmlformats.org/drawingml/2006/main" xmlns:r="http://schemas.openxmlformats.org/officeDocument/2006/relationships" xmlns:p="http://schemas.openxmlformats.org/presentationml/2006/main">
-  <p:cSld>
-    <p:spTree>
-      <p:nvGrpSpPr>
-        <p:cNvPr id="1" name=""/>
-        <p:cNvGrpSpPr/>
-        <p:nvPr/>
-      </p:nvGrpSpPr>
-      <p:grpSpPr>
-        <a:xfrm>
-          <a:off x="0" y="0"/>
-          <a:ext cx="0" cy="0"/>
-          <a:chOff x="0" y="0"/>
-          <a:chExt cx="0" cy="0"/>
-        </a:xfrm>
-      </p:grpSpPr>
-      <p:sp>
-        <p:nvSpPr>
-          <p:cNvPr id="61" name="矩形: 圆角 60">
-            <a:extLst>
-              <a:ext uri="{FF2B5EF4-FFF2-40B4-BE49-F238E27FC236}">
-                <a16:creationId xmlns:a16="http://schemas.microsoft.com/office/drawing/2014/main" id="{E3777F73-EAAB-43DE-8A90-6B6D895B1B1F}"/>
-              </a:ext>
-            </a:extLst>
-          </p:cNvPr>
-          <p:cNvSpPr/>
-          <p:nvPr/>
-        </p:nvSpPr>
-        <p:spPr>
-          <a:xfrm>
-            <a:off x="712379" y="1643378"/>
-            <a:ext cx="1357162" cy="540000"/>
-          </a:xfrm>
-          <a:prstGeom prst="roundRect">
-            <a:avLst/>
-          </a:prstGeom>
-          <a:solidFill>
-            <a:srgbClr val="00B0F0"/>
-          </a:solidFill>
-          <a:ln>
-            <a:solidFill>
-              <a:schemeClr val="tx1"/>
-            </a:solidFill>
-          </a:ln>
-        </p:spPr>
-        <p:style>
-          <a:lnRef idx="2">
-            <a:schemeClr val="accent1">
-              <a:shade val="50000"/>
-            </a:schemeClr>
-          </a:lnRef>
-          <a:fillRef idx="1">
-            <a:schemeClr val="accent1"/>
-          </a:fillRef>
-          <a:effectRef idx="0">
-            <a:schemeClr val="accent1"/>
-          </a:effectRef>
-          <a:fontRef idx="minor">
-            <a:schemeClr val="lt1"/>
-          </a:fontRef>
-        </p:style>
-        <p:txBody>
-          <a:bodyPr wrap="none" lIns="36000" tIns="36000" rIns="36000" bIns="36000" rtlCol="0" anchor="ctr" anchorCtr="0"/>
-          <a:lstStyle/>
-          <a:p>
-            <a:pPr algn="ctr"/>
-            <a:r>
-              <a:rPr lang="zh-CN" altLang="en-US" sz="1600" b="1">
-                <a:solidFill>
-                  <a:schemeClr val="tx1"/>
-                </a:solidFill>
-                <a:latin typeface="微软雅黑" panose="020B0503020204020204" pitchFamily="34" charset="-122"/>
-                <a:ea typeface="微软雅黑" panose="020B0503020204020204" pitchFamily="34" charset="-122"/>
-              </a:rPr>
-              <a:t>用户</a:t>
-            </a:r>
-          </a:p>
-        </p:txBody>
-      </p:sp>
-      <p:sp>
-        <p:nvSpPr>
-          <p:cNvPr id="101" name="矩形: 圆角 100">
-            <a:extLst>
-              <a:ext uri="{FF2B5EF4-FFF2-40B4-BE49-F238E27FC236}">
-                <a16:creationId xmlns:a16="http://schemas.microsoft.com/office/drawing/2014/main" id="{2FD8AFDB-B92D-4C27-ABEC-799C66831DBB}"/>
-              </a:ext>
-            </a:extLst>
-          </p:cNvPr>
-          <p:cNvSpPr/>
-          <p:nvPr/>
-        </p:nvSpPr>
-        <p:spPr>
-          <a:xfrm>
-            <a:off x="3427492" y="1589378"/>
-            <a:ext cx="2297156" cy="648000"/>
-          </a:xfrm>
-          <a:prstGeom prst="roundRect">
-            <a:avLst/>
-          </a:prstGeom>
-          <a:solidFill>
-            <a:srgbClr val="00B050"/>
-          </a:solidFill>
-          <a:ln>
-            <a:solidFill>
-              <a:schemeClr val="tx1"/>
-            </a:solidFill>
-          </a:ln>
-        </p:spPr>
-        <p:style>
-          <a:lnRef idx="2">
-            <a:schemeClr val="accent1">
-              <a:shade val="50000"/>
-            </a:schemeClr>
-          </a:lnRef>
-          <a:fillRef idx="1">
-            <a:schemeClr val="accent1"/>
-          </a:fillRef>
-          <a:effectRef idx="0">
-            <a:schemeClr val="accent1"/>
-          </a:effectRef>
-          <a:fontRef idx="minor">
-            <a:schemeClr val="lt1"/>
-          </a:fontRef>
-        </p:style>
-        <p:txBody>
-          <a:bodyPr wrap="none" lIns="36000" tIns="36000" rIns="36000" bIns="36000" rtlCol="0" anchor="ctr" anchorCtr="0"/>
-          <a:lstStyle/>
-          <a:p>
-            <a:pPr algn="ctr"/>
-            <a:r>
-              <a:rPr lang="zh-CN" altLang="en-US" sz="1600" b="1">
-                <a:solidFill>
-                  <a:schemeClr val="tx1"/>
-                </a:solidFill>
-                <a:latin typeface="微软雅黑" panose="020B0503020204020204" pitchFamily="34" charset="-122"/>
-                <a:ea typeface="微软雅黑" panose="020B0503020204020204" pitchFamily="34" charset="-122"/>
-              </a:rPr>
-              <a:t>查看产品列表</a:t>
-            </a:r>
-            <a:endParaRPr lang="en-US" altLang="zh-CN" sz="1600" b="1">
-              <a:solidFill>
-                <a:schemeClr val="tx1"/>
-              </a:solidFill>
-              <a:latin typeface="微软雅黑" panose="020B0503020204020204" pitchFamily="34" charset="-122"/>
-              <a:ea typeface="微软雅黑" panose="020B0503020204020204" pitchFamily="34" charset="-122"/>
-            </a:endParaRPr>
-          </a:p>
-          <a:p>
-            <a:pPr algn="ctr"/>
-            <a:r>
-              <a:rPr lang="en-US" altLang="zh-CN" sz="1600" b="1">
-                <a:solidFill>
-                  <a:schemeClr val="tx1"/>
-                </a:solidFill>
-                <a:latin typeface="微软雅黑" panose="020B0503020204020204" pitchFamily="34" charset="-122"/>
-                <a:ea typeface="微软雅黑" panose="020B0503020204020204" pitchFamily="34" charset="-122"/>
-              </a:rPr>
-              <a:t>list_platform_goods</a:t>
-            </a:r>
-            <a:endParaRPr lang="zh-CN" altLang="en-US" sz="1600" b="1">
-              <a:solidFill>
-                <a:schemeClr val="tx1"/>
-              </a:solidFill>
-              <a:latin typeface="微软雅黑" panose="020B0503020204020204" pitchFamily="34" charset="-122"/>
-              <a:ea typeface="微软雅黑" panose="020B0503020204020204" pitchFamily="34" charset="-122"/>
-            </a:endParaRPr>
-          </a:p>
-        </p:txBody>
-      </p:sp>
-      <p:cxnSp>
-        <p:nvCxnSpPr>
-          <p:cNvPr id="239" name="直接连接符 238">
-            <a:extLst>
-              <a:ext uri="{FF2B5EF4-FFF2-40B4-BE49-F238E27FC236}">
-                <a16:creationId xmlns:a16="http://schemas.microsoft.com/office/drawing/2014/main" id="{05CC9636-A076-48A7-9A94-4E0212BA0C59}"/>
-              </a:ext>
-            </a:extLst>
-          </p:cNvPr>
-          <p:cNvCxnSpPr>
-            <a:cxnSpLocks/>
-          </p:cNvCxnSpPr>
-          <p:nvPr/>
-        </p:nvCxnSpPr>
-        <p:spPr>
-          <a:xfrm flipH="1">
-            <a:off x="433388" y="866051"/>
-            <a:ext cx="11325225" cy="1"/>
-          </a:xfrm>
-          <a:prstGeom prst="line">
-            <a:avLst/>
-          </a:prstGeom>
-          <a:ln w="19050">
-            <a:solidFill>
-              <a:srgbClr val="00576E"/>
-            </a:solidFill>
-          </a:ln>
-          <a:effectLst>
-            <a:outerShdw blurRad="50800" dist="12700" dir="5400000" algn="t" rotWithShape="0">
-              <a:prstClr val="black">
-                <a:alpha val="40000"/>
-              </a:prstClr>
-            </a:outerShdw>
-          </a:effectLst>
-        </p:spPr>
-        <p:style>
-          <a:lnRef idx="2">
-            <a:schemeClr val="accent1"/>
-          </a:lnRef>
-          <a:fillRef idx="0">
-            <a:schemeClr val="accent1"/>
-          </a:fillRef>
-          <a:effectRef idx="1">
-            <a:schemeClr val="accent1"/>
-          </a:effectRef>
-          <a:fontRef idx="minor">
-            <a:schemeClr val="tx1"/>
-          </a:fontRef>
-        </p:style>
-      </p:cxnSp>
-      <p:sp>
-        <p:nvSpPr>
-          <p:cNvPr id="240" name="矩形 239">
-            <a:extLst>
-              <a:ext uri="{FF2B5EF4-FFF2-40B4-BE49-F238E27FC236}">
-                <a16:creationId xmlns:a16="http://schemas.microsoft.com/office/drawing/2014/main" id="{CE6D800A-2E58-40A9-AF4D-2C92406102BA}"/>
-              </a:ext>
-            </a:extLst>
-          </p:cNvPr>
-          <p:cNvSpPr/>
-          <p:nvPr/>
-        </p:nvSpPr>
-        <p:spPr>
-          <a:xfrm>
-            <a:off x="471489" y="209549"/>
-            <a:ext cx="119062" cy="513626"/>
-          </a:xfrm>
-          <a:prstGeom prst="rect">
-            <a:avLst/>
-          </a:prstGeom>
-          <a:solidFill>
-            <a:srgbClr val="00576E"/>
-          </a:solidFill>
-        </p:spPr>
-        <p:style>
-          <a:lnRef idx="2">
-            <a:schemeClr val="accent1">
-              <a:shade val="50000"/>
-            </a:schemeClr>
-          </a:lnRef>
-          <a:fillRef idx="1">
-            <a:schemeClr val="accent1"/>
-          </a:fillRef>
-          <a:effectRef idx="0">
-            <a:schemeClr val="accent1"/>
-          </a:effectRef>
-          <a:fontRef idx="minor">
-            <a:schemeClr val="lt1"/>
-          </a:fontRef>
-        </p:style>
-        <p:txBody>
-          <a:bodyPr rtlCol="0" anchor="ctr"/>
-          <a:lstStyle/>
-          <a:p>
-            <a:pPr algn="ctr"/>
-            <a:endParaRPr lang="zh-CN" altLang="en-US">
-              <a:latin typeface="Consolas" panose="020B0609020204030204" pitchFamily="49" charset="0"/>
-            </a:endParaRPr>
-          </a:p>
-        </p:txBody>
-      </p:sp>
-      <p:sp>
-        <p:nvSpPr>
-          <p:cNvPr id="241" name="文本框 240">
-            <a:extLst>
-              <a:ext uri="{FF2B5EF4-FFF2-40B4-BE49-F238E27FC236}">
-                <a16:creationId xmlns:a16="http://schemas.microsoft.com/office/drawing/2014/main" id="{90ABBAE7-6707-4A6F-819E-32C1CFD4250B}"/>
-              </a:ext>
-            </a:extLst>
-          </p:cNvPr>
-          <p:cNvSpPr txBox="1"/>
-          <p:nvPr/>
-        </p:nvSpPr>
-        <p:spPr>
-          <a:xfrm>
-            <a:off x="712379" y="173975"/>
             <a:ext cx="2646878" cy="584775"/>
           </a:xfrm>
           <a:prstGeom prst="rect">
@@ -8127,485 +5404,6 @@
     <p:extLst>
       <p:ext uri="{BB962C8B-B14F-4D97-AF65-F5344CB8AC3E}">
         <p14:creationId xmlns:p14="http://schemas.microsoft.com/office/powerpoint/2010/main" val="3140327657"/>
-      </p:ext>
-    </p:extLst>
-  </p:cSld>
-  <p:clrMapOvr>
-    <a:masterClrMapping/>
-  </p:clrMapOvr>
-</p:sld>
-</file>
-
-<file path=ppt/slides/slide9.xml><?xml version="1.0" encoding="utf-8"?>
-<p:sld xmlns:a="http://schemas.openxmlformats.org/drawingml/2006/main" xmlns:r="http://schemas.openxmlformats.org/officeDocument/2006/relationships" xmlns:p="http://schemas.openxmlformats.org/presentationml/2006/main">
-  <p:cSld>
-    <p:spTree>
-      <p:nvGrpSpPr>
-        <p:cNvPr id="1" name=""/>
-        <p:cNvGrpSpPr/>
-        <p:nvPr/>
-      </p:nvGrpSpPr>
-      <p:grpSpPr>
-        <a:xfrm>
-          <a:off x="0" y="0"/>
-          <a:ext cx="0" cy="0"/>
-          <a:chOff x="0" y="0"/>
-          <a:chExt cx="0" cy="0"/>
-        </a:xfrm>
-      </p:grpSpPr>
-      <p:cxnSp>
-        <p:nvCxnSpPr>
-          <p:cNvPr id="239" name="直接连接符 238">
-            <a:extLst>
-              <a:ext uri="{FF2B5EF4-FFF2-40B4-BE49-F238E27FC236}">
-                <a16:creationId xmlns:a16="http://schemas.microsoft.com/office/drawing/2014/main" id="{05CC9636-A076-48A7-9A94-4E0212BA0C59}"/>
-              </a:ext>
-            </a:extLst>
-          </p:cNvPr>
-          <p:cNvCxnSpPr>
-            <a:cxnSpLocks/>
-          </p:cNvCxnSpPr>
-          <p:nvPr/>
-        </p:nvCxnSpPr>
-        <p:spPr>
-          <a:xfrm flipH="1">
-            <a:off x="433388" y="866051"/>
-            <a:ext cx="11325225" cy="1"/>
-          </a:xfrm>
-          <a:prstGeom prst="line">
-            <a:avLst/>
-          </a:prstGeom>
-          <a:ln w="19050">
-            <a:solidFill>
-              <a:srgbClr val="00576E"/>
-            </a:solidFill>
-          </a:ln>
-          <a:effectLst>
-            <a:outerShdw blurRad="50800" dist="12700" dir="5400000" algn="t" rotWithShape="0">
-              <a:prstClr val="black">
-                <a:alpha val="40000"/>
-              </a:prstClr>
-            </a:outerShdw>
-          </a:effectLst>
-        </p:spPr>
-        <p:style>
-          <a:lnRef idx="2">
-            <a:schemeClr val="accent1"/>
-          </a:lnRef>
-          <a:fillRef idx="0">
-            <a:schemeClr val="accent1"/>
-          </a:fillRef>
-          <a:effectRef idx="1">
-            <a:schemeClr val="accent1"/>
-          </a:effectRef>
-          <a:fontRef idx="minor">
-            <a:schemeClr val="tx1"/>
-          </a:fontRef>
-        </p:style>
-      </p:cxnSp>
-      <p:sp>
-        <p:nvSpPr>
-          <p:cNvPr id="240" name="矩形 239">
-            <a:extLst>
-              <a:ext uri="{FF2B5EF4-FFF2-40B4-BE49-F238E27FC236}">
-                <a16:creationId xmlns:a16="http://schemas.microsoft.com/office/drawing/2014/main" id="{CE6D800A-2E58-40A9-AF4D-2C92406102BA}"/>
-              </a:ext>
-            </a:extLst>
-          </p:cNvPr>
-          <p:cNvSpPr/>
-          <p:nvPr/>
-        </p:nvSpPr>
-        <p:spPr>
-          <a:xfrm>
-            <a:off x="471489" y="209549"/>
-            <a:ext cx="119062" cy="513626"/>
-          </a:xfrm>
-          <a:prstGeom prst="rect">
-            <a:avLst/>
-          </a:prstGeom>
-          <a:solidFill>
-            <a:srgbClr val="00576E"/>
-          </a:solidFill>
-        </p:spPr>
-        <p:style>
-          <a:lnRef idx="2">
-            <a:schemeClr val="accent1">
-              <a:shade val="50000"/>
-            </a:schemeClr>
-          </a:lnRef>
-          <a:fillRef idx="1">
-            <a:schemeClr val="accent1"/>
-          </a:fillRef>
-          <a:effectRef idx="0">
-            <a:schemeClr val="accent1"/>
-          </a:effectRef>
-          <a:fontRef idx="minor">
-            <a:schemeClr val="lt1"/>
-          </a:fontRef>
-        </p:style>
-        <p:txBody>
-          <a:bodyPr rtlCol="0" anchor="ctr"/>
-          <a:lstStyle/>
-          <a:p>
-            <a:pPr algn="ctr"/>
-            <a:endParaRPr lang="zh-CN" altLang="en-US">
-              <a:latin typeface="Consolas" panose="020B0609020204030204" pitchFamily="49" charset="0"/>
-            </a:endParaRPr>
-          </a:p>
-        </p:txBody>
-      </p:sp>
-      <p:sp>
-        <p:nvSpPr>
-          <p:cNvPr id="241" name="文本框 240">
-            <a:extLst>
-              <a:ext uri="{FF2B5EF4-FFF2-40B4-BE49-F238E27FC236}">
-                <a16:creationId xmlns:a16="http://schemas.microsoft.com/office/drawing/2014/main" id="{90ABBAE7-6707-4A6F-819E-32C1CFD4250B}"/>
-              </a:ext>
-            </a:extLst>
-          </p:cNvPr>
-          <p:cNvSpPr txBox="1"/>
-          <p:nvPr/>
-        </p:nvSpPr>
-        <p:spPr>
-          <a:xfrm>
-            <a:off x="712379" y="173975"/>
-            <a:ext cx="3467616" cy="584775"/>
-          </a:xfrm>
-          <a:prstGeom prst="rect">
-            <a:avLst/>
-          </a:prstGeom>
-          <a:noFill/>
-        </p:spPr>
-        <p:txBody>
-          <a:bodyPr wrap="none" rtlCol="0">
-            <a:spAutoFit/>
-          </a:bodyPr>
-          <a:lstStyle/>
-          <a:p>
-            <a:r>
-              <a:rPr lang="zh-CN" altLang="en-US" sz="3200" b="1">
-                <a:latin typeface="Consolas" panose="020B0609020204030204" pitchFamily="49" charset="0"/>
-                <a:ea typeface="微软雅黑" panose="020B0503020204020204" pitchFamily="34" charset="-122"/>
-              </a:rPr>
-              <a:t>查看用户产品列表</a:t>
-            </a:r>
-          </a:p>
-        </p:txBody>
-      </p:sp>
-      <p:sp>
-        <p:nvSpPr>
-          <p:cNvPr id="17" name="矩形: 圆角 16">
-            <a:extLst>
-              <a:ext uri="{FF2B5EF4-FFF2-40B4-BE49-F238E27FC236}">
-                <a16:creationId xmlns:a16="http://schemas.microsoft.com/office/drawing/2014/main" id="{0F567187-0C43-4575-8464-C3D2C859E137}"/>
-              </a:ext>
-            </a:extLst>
-          </p:cNvPr>
-          <p:cNvSpPr/>
-          <p:nvPr/>
-        </p:nvSpPr>
-        <p:spPr>
-          <a:xfrm>
-            <a:off x="712379" y="1555800"/>
-            <a:ext cx="1224000" cy="540000"/>
-          </a:xfrm>
-          <a:prstGeom prst="roundRect">
-            <a:avLst/>
-          </a:prstGeom>
-          <a:solidFill>
-            <a:srgbClr val="00B0F0"/>
-          </a:solidFill>
-          <a:ln>
-            <a:solidFill>
-              <a:schemeClr val="tx1"/>
-            </a:solidFill>
-          </a:ln>
-        </p:spPr>
-        <p:style>
-          <a:lnRef idx="2">
-            <a:schemeClr val="accent1">
-              <a:shade val="50000"/>
-            </a:schemeClr>
-          </a:lnRef>
-          <a:fillRef idx="1">
-            <a:schemeClr val="accent1"/>
-          </a:fillRef>
-          <a:effectRef idx="0">
-            <a:schemeClr val="accent1"/>
-          </a:effectRef>
-          <a:fontRef idx="minor">
-            <a:schemeClr val="lt1"/>
-          </a:fontRef>
-        </p:style>
-        <p:txBody>
-          <a:bodyPr wrap="none" lIns="36000" tIns="36000" rIns="36000" bIns="36000" rtlCol="0" anchor="ctr" anchorCtr="0"/>
-          <a:lstStyle/>
-          <a:p>
-            <a:pPr algn="ctr"/>
-            <a:r>
-              <a:rPr lang="zh-CN" altLang="en-US" sz="1600" b="1">
-                <a:solidFill>
-                  <a:schemeClr val="tx1"/>
-                </a:solidFill>
-                <a:latin typeface="微软雅黑" panose="020B0503020204020204" pitchFamily="34" charset="-122"/>
-                <a:ea typeface="微软雅黑" panose="020B0503020204020204" pitchFamily="34" charset="-122"/>
-              </a:rPr>
-              <a:t>用户</a:t>
-            </a:r>
-          </a:p>
-        </p:txBody>
-      </p:sp>
-      <p:sp>
-        <p:nvSpPr>
-          <p:cNvPr id="18" name="矩形: 圆角 17">
-            <a:extLst>
-              <a:ext uri="{FF2B5EF4-FFF2-40B4-BE49-F238E27FC236}">
-                <a16:creationId xmlns:a16="http://schemas.microsoft.com/office/drawing/2014/main" id="{332C2575-AD02-407D-A122-B9AB14435E0D}"/>
-              </a:ext>
-            </a:extLst>
-          </p:cNvPr>
-          <p:cNvSpPr/>
-          <p:nvPr/>
-        </p:nvSpPr>
-        <p:spPr>
-          <a:xfrm>
-            <a:off x="3409859" y="1501800"/>
-            <a:ext cx="2153706" cy="648000"/>
-          </a:xfrm>
-          <a:prstGeom prst="roundRect">
-            <a:avLst/>
-          </a:prstGeom>
-          <a:solidFill>
-            <a:srgbClr val="00B050"/>
-          </a:solidFill>
-          <a:ln>
-            <a:solidFill>
-              <a:schemeClr val="tx1"/>
-            </a:solidFill>
-          </a:ln>
-        </p:spPr>
-        <p:style>
-          <a:lnRef idx="2">
-            <a:schemeClr val="accent1">
-              <a:shade val="50000"/>
-            </a:schemeClr>
-          </a:lnRef>
-          <a:fillRef idx="1">
-            <a:schemeClr val="accent1"/>
-          </a:fillRef>
-          <a:effectRef idx="0">
-            <a:schemeClr val="accent1"/>
-          </a:effectRef>
-          <a:fontRef idx="minor">
-            <a:schemeClr val="lt1"/>
-          </a:fontRef>
-        </p:style>
-        <p:txBody>
-          <a:bodyPr wrap="none" lIns="36000" tIns="36000" rIns="36000" bIns="36000" rtlCol="0" anchor="ctr" anchorCtr="0"/>
-          <a:lstStyle/>
-          <a:p>
-            <a:pPr algn="ctr"/>
-            <a:r>
-              <a:rPr lang="zh-CN" altLang="en-US" sz="1600" b="1">
-                <a:solidFill>
-                  <a:schemeClr val="tx1"/>
-                </a:solidFill>
-                <a:latin typeface="微软雅黑" panose="020B0503020204020204" pitchFamily="34" charset="-122"/>
-                <a:ea typeface="微软雅黑" panose="020B0503020204020204" pitchFamily="34" charset="-122"/>
-              </a:rPr>
-              <a:t>查看出售者出售表</a:t>
-            </a:r>
-            <a:endParaRPr lang="en-US" altLang="zh-CN" sz="1600" b="1">
-              <a:solidFill>
-                <a:schemeClr val="tx1"/>
-              </a:solidFill>
-              <a:latin typeface="微软雅黑" panose="020B0503020204020204" pitchFamily="34" charset="-122"/>
-              <a:ea typeface="微软雅黑" panose="020B0503020204020204" pitchFamily="34" charset="-122"/>
-            </a:endParaRPr>
-          </a:p>
-          <a:p>
-            <a:pPr algn="ctr"/>
-            <a:r>
-              <a:rPr lang="en-US" altLang="zh-CN" sz="1600" b="1">
-                <a:solidFill>
-                  <a:schemeClr val="tx1"/>
-                </a:solidFill>
-                <a:latin typeface="微软雅黑" panose="020B0503020204020204" pitchFamily="34" charset="-122"/>
-                <a:ea typeface="微软雅黑" panose="020B0503020204020204" pitchFamily="34" charset="-122"/>
-              </a:rPr>
-              <a:t>list_person_goods</a:t>
-            </a:r>
-            <a:endParaRPr lang="zh-CN" altLang="en-US" sz="1600" b="1">
-              <a:solidFill>
-                <a:schemeClr val="tx1"/>
-              </a:solidFill>
-              <a:latin typeface="微软雅黑" panose="020B0503020204020204" pitchFamily="34" charset="-122"/>
-              <a:ea typeface="微软雅黑" panose="020B0503020204020204" pitchFamily="34" charset="-122"/>
-            </a:endParaRPr>
-          </a:p>
-        </p:txBody>
-      </p:sp>
-      <p:sp>
-        <p:nvSpPr>
-          <p:cNvPr id="20" name="矩形: 圆角 19">
-            <a:extLst>
-              <a:ext uri="{FF2B5EF4-FFF2-40B4-BE49-F238E27FC236}">
-                <a16:creationId xmlns:a16="http://schemas.microsoft.com/office/drawing/2014/main" id="{1C96FCF3-319E-41E0-9440-B3425E185258}"/>
-              </a:ext>
-            </a:extLst>
-          </p:cNvPr>
-          <p:cNvSpPr/>
-          <p:nvPr/>
-        </p:nvSpPr>
-        <p:spPr>
-          <a:xfrm>
-            <a:off x="7038045" y="1627800"/>
-            <a:ext cx="1728000" cy="396000"/>
-          </a:xfrm>
-          <a:prstGeom prst="roundRect">
-            <a:avLst/>
-          </a:prstGeom>
-          <a:solidFill>
-            <a:schemeClr val="bg1">
-              <a:lumMod val="95000"/>
-            </a:schemeClr>
-          </a:solidFill>
-          <a:ln>
-            <a:solidFill>
-              <a:schemeClr val="tx1"/>
-            </a:solidFill>
-          </a:ln>
-        </p:spPr>
-        <p:style>
-          <a:lnRef idx="2">
-            <a:schemeClr val="accent1">
-              <a:shade val="50000"/>
-            </a:schemeClr>
-          </a:lnRef>
-          <a:fillRef idx="1">
-            <a:schemeClr val="accent1"/>
-          </a:fillRef>
-          <a:effectRef idx="0">
-            <a:schemeClr val="accent1"/>
-          </a:effectRef>
-          <a:fontRef idx="minor">
-            <a:schemeClr val="lt1"/>
-          </a:fontRef>
-        </p:style>
-        <p:txBody>
-          <a:bodyPr wrap="none" lIns="36000" tIns="36000" rIns="36000" bIns="36000" rtlCol="0" anchor="ctr" anchorCtr="0"/>
-          <a:lstStyle/>
-          <a:p>
-            <a:pPr algn="ctr"/>
-            <a:r>
-              <a:rPr lang="zh-CN" altLang="en-US" sz="1600" b="1">
-                <a:solidFill>
-                  <a:schemeClr val="tx1"/>
-                </a:solidFill>
-                <a:latin typeface="微软雅黑" panose="020B0503020204020204" pitchFamily="34" charset="-122"/>
-                <a:ea typeface="微软雅黑" panose="020B0503020204020204" pitchFamily="34" charset="-122"/>
-              </a:rPr>
-              <a:t>出售者产品出售表</a:t>
-            </a:r>
-          </a:p>
-        </p:txBody>
-      </p:sp>
-      <p:cxnSp>
-        <p:nvCxnSpPr>
-          <p:cNvPr id="29" name="直接箭头连接符 28">
-            <a:extLst>
-              <a:ext uri="{FF2B5EF4-FFF2-40B4-BE49-F238E27FC236}">
-                <a16:creationId xmlns:a16="http://schemas.microsoft.com/office/drawing/2014/main" id="{420B478C-7917-4430-A03D-CBC06DB3A6E2}"/>
-              </a:ext>
-            </a:extLst>
-          </p:cNvPr>
-          <p:cNvCxnSpPr>
-            <a:cxnSpLocks/>
-            <a:stCxn id="20" idx="1"/>
-            <a:endCxn id="18" idx="3"/>
-          </p:cNvCxnSpPr>
-          <p:nvPr/>
-        </p:nvCxnSpPr>
-        <p:spPr>
-          <a:xfrm flipH="1">
-            <a:off x="5563565" y="1825800"/>
-            <a:ext cx="1474480" cy="0"/>
-          </a:xfrm>
-          <a:prstGeom prst="straightConnector1">
-            <a:avLst/>
-          </a:prstGeom>
-          <a:ln w="57150">
-            <a:solidFill>
-              <a:srgbClr val="FF0000"/>
-            </a:solidFill>
-            <a:tailEnd type="triangle"/>
-          </a:ln>
-        </p:spPr>
-        <p:style>
-          <a:lnRef idx="1">
-            <a:schemeClr val="accent1"/>
-          </a:lnRef>
-          <a:fillRef idx="0">
-            <a:schemeClr val="accent1"/>
-          </a:fillRef>
-          <a:effectRef idx="0">
-            <a:schemeClr val="accent1"/>
-          </a:effectRef>
-          <a:fontRef idx="minor">
-            <a:schemeClr val="tx1"/>
-          </a:fontRef>
-        </p:style>
-      </p:cxnSp>
-      <p:cxnSp>
-        <p:nvCxnSpPr>
-          <p:cNvPr id="30" name="直接箭头连接符 29">
-            <a:extLst>
-              <a:ext uri="{FF2B5EF4-FFF2-40B4-BE49-F238E27FC236}">
-                <a16:creationId xmlns:a16="http://schemas.microsoft.com/office/drawing/2014/main" id="{5EE6AA2D-CECC-4D89-BA73-0206535849E3}"/>
-              </a:ext>
-            </a:extLst>
-          </p:cNvPr>
-          <p:cNvCxnSpPr>
-            <a:cxnSpLocks/>
-            <a:stCxn id="17" idx="3"/>
-            <a:endCxn id="18" idx="1"/>
-          </p:cNvCxnSpPr>
-          <p:nvPr/>
-        </p:nvCxnSpPr>
-        <p:spPr>
-          <a:xfrm>
-            <a:off x="1936379" y="1825800"/>
-            <a:ext cx="1473480" cy="0"/>
-          </a:xfrm>
-          <a:prstGeom prst="straightConnector1">
-            <a:avLst/>
-          </a:prstGeom>
-          <a:ln w="31750">
-            <a:solidFill>
-              <a:schemeClr val="tx1"/>
-            </a:solidFill>
-            <a:tailEnd type="triangle"/>
-          </a:ln>
-        </p:spPr>
-        <p:style>
-          <a:lnRef idx="1">
-            <a:schemeClr val="accent1"/>
-          </a:lnRef>
-          <a:fillRef idx="0">
-            <a:schemeClr val="accent1"/>
-          </a:fillRef>
-          <a:effectRef idx="0">
-            <a:schemeClr val="accent1"/>
-          </a:effectRef>
-          <a:fontRef idx="minor">
-            <a:schemeClr val="tx1"/>
-          </a:fontRef>
-        </p:style>
-      </p:cxnSp>
-    </p:spTree>
-    <p:extLst>
-      <p:ext uri="{BB962C8B-B14F-4D97-AF65-F5344CB8AC3E}">
-        <p14:creationId xmlns:p14="http://schemas.microsoft.com/office/powerpoint/2010/main" val="3467149050"/>
       </p:ext>
     </p:extLst>
   </p:cSld>

--- a/doc/04.平台产品.pptx
+++ b/doc/04.平台产品.pptx
@@ -8,7 +8,6 @@
     <p:sldId id="258" r:id="rId2"/>
     <p:sldId id="277" r:id="rId3"/>
     <p:sldId id="278" r:id="rId4"/>
-    <p:sldId id="289" r:id="rId5"/>
   </p:sldIdLst>
   <p:sldSz cx="12192000" cy="6858000"/>
   <p:notesSz cx="6858000" cy="9144000"/>
@@ -3917,121 +3916,6 @@
           </p:txBody>
         </p:sp>
       </p:grpSp>
-      <p:grpSp>
-        <p:nvGrpSpPr>
-          <p:cNvPr id="105" name="组合 104">
-            <a:extLst>
-              <a:ext uri="{FF2B5EF4-FFF2-40B4-BE49-F238E27FC236}">
-                <a16:creationId xmlns:a16="http://schemas.microsoft.com/office/drawing/2014/main" id="{4807028F-6252-41C7-B07B-1666A00BD2C1}"/>
-              </a:ext>
-            </a:extLst>
-          </p:cNvPr>
-          <p:cNvGrpSpPr/>
-          <p:nvPr/>
-        </p:nvGrpSpPr>
-        <p:grpSpPr>
-          <a:xfrm>
-            <a:off x="1628272" y="3087527"/>
-            <a:ext cx="6485472" cy="369332"/>
-            <a:chOff x="1628272" y="3689578"/>
-            <a:chExt cx="6485472" cy="369332"/>
-          </a:xfrm>
-        </p:grpSpPr>
-        <p:sp>
-          <p:nvSpPr>
-            <p:cNvPr id="106" name="文本框 105">
-              <a:extLst>
-                <a:ext uri="{FF2B5EF4-FFF2-40B4-BE49-F238E27FC236}">
-                  <a16:creationId xmlns:a16="http://schemas.microsoft.com/office/drawing/2014/main" id="{2D84D20E-E06D-49AC-B0C6-A282ADF376EC}"/>
-                </a:ext>
-              </a:extLst>
-            </p:cNvPr>
-            <p:cNvSpPr txBox="1"/>
-            <p:nvPr/>
-          </p:nvSpPr>
-          <p:spPr>
-            <a:xfrm>
-              <a:off x="2016190" y="3689578"/>
-              <a:ext cx="6097554" cy="369332"/>
-            </a:xfrm>
-            <a:prstGeom prst="rect">
-              <a:avLst/>
-            </a:prstGeom>
-            <a:noFill/>
-          </p:spPr>
-          <p:txBody>
-            <a:bodyPr wrap="square">
-              <a:spAutoFit/>
-            </a:bodyPr>
-            <a:lstStyle/>
-            <a:p>
-              <a:r>
-                <a:rPr lang="zh-CN" altLang="en-US" b="1">
-                  <a:latin typeface="Consolas" panose="020B0609020204030204" pitchFamily="49" charset="0"/>
-                  <a:ea typeface="微软雅黑" panose="020B0503020204020204" pitchFamily="34" charset="-122"/>
-                  <a:hlinkClick r:id="rId4" action="ppaction://hlinksldjump"/>
-                </a:rPr>
-                <a:t>查看平台</a:t>
-              </a:r>
-              <a:r>
-                <a:rPr lang="zh-CN" altLang="en-US" sz="1800" b="1">
-                  <a:latin typeface="Consolas" panose="020B0609020204030204" pitchFamily="49" charset="0"/>
-                  <a:ea typeface="微软雅黑" panose="020B0503020204020204" pitchFamily="34" charset="-122"/>
-                  <a:hlinkClick r:id="rId4" action="ppaction://hlinksldjump"/>
-                </a:rPr>
-                <a:t>产品</a:t>
-              </a:r>
-              <a:endParaRPr lang="zh-CN" altLang="en-US" dirty="0"/>
-            </a:p>
-          </p:txBody>
-        </p:sp>
-        <p:sp>
-          <p:nvSpPr>
-            <p:cNvPr id="107" name="菱形 106">
-              <a:extLst>
-                <a:ext uri="{FF2B5EF4-FFF2-40B4-BE49-F238E27FC236}">
-                  <a16:creationId xmlns:a16="http://schemas.microsoft.com/office/drawing/2014/main" id="{9EF5713D-4E7D-40BC-AF2D-64DDD5B7E8BC}"/>
-                </a:ext>
-              </a:extLst>
-            </p:cNvPr>
-            <p:cNvSpPr/>
-            <p:nvPr/>
-          </p:nvSpPr>
-          <p:spPr>
-            <a:xfrm>
-              <a:off x="1628272" y="3766244"/>
-              <a:ext cx="216000" cy="216000"/>
-            </a:xfrm>
-            <a:prstGeom prst="diamond">
-              <a:avLst/>
-            </a:prstGeom>
-          </p:spPr>
-          <p:style>
-            <a:lnRef idx="2">
-              <a:schemeClr val="accent1">
-                <a:shade val="50000"/>
-              </a:schemeClr>
-            </a:lnRef>
-            <a:fillRef idx="1">
-              <a:schemeClr val="accent1"/>
-            </a:fillRef>
-            <a:effectRef idx="0">
-              <a:schemeClr val="accent1"/>
-            </a:effectRef>
-            <a:fontRef idx="minor">
-              <a:schemeClr val="lt1"/>
-            </a:fontRef>
-          </p:style>
-          <p:txBody>
-            <a:bodyPr rtlCol="0" anchor="ctr"/>
-            <a:lstStyle/>
-            <a:p>
-              <a:pPr algn="ctr"/>
-              <a:endParaRPr lang="zh-CN" altLang="en-US"/>
-            </a:p>
-          </p:txBody>
-        </p:sp>
-      </p:grpSp>
     </p:spTree>
     <p:extLst>
       <p:ext uri="{BB962C8B-B14F-4D97-AF65-F5344CB8AC3E}">
@@ -4166,7 +4050,7 @@
         <p:spPr>
           <a:xfrm>
             <a:off x="712379" y="1431948"/>
-            <a:ext cx="2590657" cy="576000"/>
+            <a:ext cx="2590657" cy="648000"/>
           </a:xfrm>
           <a:prstGeom prst="roundRect">
             <a:avLst/>
@@ -4204,7 +4088,7 @@
           <a:p>
             <a:pPr algn="ctr"/>
             <a:r>
-              <a:rPr lang="zh-CN" altLang="en-US" sz="1600" b="1">
+              <a:rPr lang="zh-CN" altLang="en-US" b="1">
                 <a:solidFill>
                   <a:schemeClr val="tx1"/>
                 </a:solidFill>
@@ -4213,7 +4097,7 @@
               </a:rPr>
               <a:t>平台产品表</a:t>
             </a:r>
-            <a:endParaRPr lang="en-US" altLang="zh-CN" sz="1600" b="1">
+            <a:endParaRPr lang="en-US" altLang="zh-CN" b="1">
               <a:solidFill>
                 <a:schemeClr val="tx1"/>
               </a:solidFill>
@@ -4224,7 +4108,7 @@
           <a:p>
             <a:pPr algn="ctr"/>
             <a:r>
-              <a:rPr lang="en-US" altLang="zh-CN" sz="1600" b="1">
+              <a:rPr lang="en-US" altLang="zh-CN" b="1">
                 <a:solidFill>
                   <a:schemeClr val="tx1"/>
                 </a:solidFill>
@@ -4233,7 +4117,7 @@
               </a:rPr>
               <a:t>goods</a:t>
             </a:r>
-            <a:endParaRPr lang="zh-CN" altLang="en-US" sz="1600" b="1">
+            <a:endParaRPr lang="zh-CN" altLang="en-US" b="1">
               <a:solidFill>
                 <a:schemeClr val="tx1"/>
               </a:solidFill>
@@ -4257,8 +4141,8 @@
         </p:nvSpPr>
         <p:spPr>
           <a:xfrm>
-            <a:off x="712379" y="2007948"/>
-            <a:ext cx="2590657" cy="845292"/>
+            <a:off x="712379" y="2079947"/>
+            <a:ext cx="3047858" cy="1111101"/>
           </a:xfrm>
           <a:prstGeom prst="roundRect">
             <a:avLst>
@@ -4294,7 +4178,7 @@
           <a:lstStyle/>
           <a:p>
             <a:r>
-              <a:rPr lang="zh-CN" altLang="en-US" sz="1200" b="1">
+              <a:rPr lang="zh-CN" altLang="en-US" sz="1400" b="1">
                 <a:solidFill>
                   <a:schemeClr val="tx1"/>
                 </a:solidFill>
@@ -4304,7 +4188,7 @@
               <a:t>产品</a:t>
             </a:r>
             <a:r>
-              <a:rPr lang="en-US" altLang="zh-CN" sz="1200" b="1">
+              <a:rPr lang="en-US" altLang="zh-CN" sz="1400" b="1">
                 <a:solidFill>
                   <a:schemeClr val="tx1"/>
                 </a:solidFill>
@@ -4316,7 +4200,7 @@
           </a:p>
           <a:p>
             <a:r>
-              <a:rPr lang="zh-CN" altLang="en-US" sz="1200" b="1">
+              <a:rPr lang="zh-CN" altLang="en-US" sz="1400" b="1">
                 <a:solidFill>
                   <a:schemeClr val="tx1"/>
                 </a:solidFill>
@@ -4326,7 +4210,7 @@
               <a:t>产品类型 </a:t>
             </a:r>
             <a:r>
-              <a:rPr lang="en-US" altLang="zh-CN" sz="1200" b="1">
+              <a:rPr lang="en-US" altLang="zh-CN" sz="1400" b="1">
                 <a:solidFill>
                   <a:schemeClr val="tx1"/>
                 </a:solidFill>
@@ -4338,7 +4222,7 @@
           </a:p>
           <a:p>
             <a:r>
-              <a:rPr lang="zh-CN" altLang="en-US" sz="1200" b="1">
+              <a:rPr lang="zh-CN" altLang="en-US" sz="1400" b="1">
                 <a:solidFill>
                   <a:schemeClr val="tx1"/>
                 </a:solidFill>
@@ -4350,7 +4234,7 @@
           </a:p>
           <a:p>
             <a:r>
-              <a:rPr lang="zh-CN" altLang="en-US" sz="1200" b="1">
+              <a:rPr lang="zh-CN" altLang="en-US" sz="1400" b="1">
                 <a:solidFill>
                   <a:schemeClr val="tx1"/>
                 </a:solidFill>
@@ -4360,7 +4244,7 @@
               <a:t>产品单价 </a:t>
             </a:r>
             <a:r>
-              <a:rPr lang="en-US" altLang="zh-CN" sz="1200" b="1">
+              <a:rPr lang="en-US" altLang="zh-CN" sz="1400" b="1">
                 <a:solidFill>
                   <a:schemeClr val="tx1"/>
                 </a:solidFill>
@@ -4370,7 +4254,7 @@
               <a:t>[1</a:t>
             </a:r>
             <a:r>
-              <a:rPr lang="zh-CN" altLang="en-US" sz="1200" b="1">
+              <a:rPr lang="zh-CN" altLang="en-US" sz="1400" b="1">
                 <a:solidFill>
                   <a:schemeClr val="tx1"/>
                 </a:solidFill>
@@ -4380,7 +4264,7 @@
               <a:t>产品</a:t>
             </a:r>
             <a:r>
-              <a:rPr lang="en-US" altLang="zh-CN" sz="1200" b="1">
+              <a:rPr lang="en-US" altLang="zh-CN" sz="1400" b="1">
                 <a:solidFill>
                   <a:schemeClr val="tx1"/>
                 </a:solidFill>
@@ -4486,8 +4370,8 @@
         </p:nvSpPr>
         <p:spPr>
           <a:xfrm>
-            <a:off x="3961140" y="1767946"/>
-            <a:ext cx="2666316" cy="648000"/>
+            <a:off x="3427491" y="1767946"/>
+            <a:ext cx="2016000" cy="648000"/>
           </a:xfrm>
           <a:prstGeom prst="roundRect">
             <a:avLst/>
@@ -4550,7 +4434,7 @@
                 <a:latin typeface="微软雅黑" panose="020B0503020204020204" pitchFamily="34" charset="-122"/>
                 <a:ea typeface="微软雅黑" panose="020B0503020204020204" pitchFamily="34" charset="-122"/>
               </a:rPr>
-              <a:t>publish_goods</a:t>
+              <a:t>publish</a:t>
             </a:r>
             <a:endParaRPr lang="zh-CN" altLang="en-US" sz="1600" b="1">
               <a:solidFill>
@@ -4577,7 +4461,7 @@
         <p:spPr>
           <a:xfrm>
             <a:off x="712378" y="1821946"/>
-            <a:ext cx="1440000" cy="540000"/>
+            <a:ext cx="1080000" cy="540000"/>
           </a:xfrm>
           <a:prstGeom prst="roundRect">
             <a:avLst/>
@@ -4643,8 +4527,8 @@
         </p:nvCxnSpPr>
         <p:spPr>
           <a:xfrm>
-            <a:off x="6627456" y="2091946"/>
-            <a:ext cx="1734253" cy="0"/>
+            <a:off x="5443491" y="2091946"/>
+            <a:ext cx="1982867" cy="0"/>
           </a:xfrm>
           <a:prstGeom prst="straightConnector1">
             <a:avLst/>
@@ -4824,8 +4708,8 @@
         </p:nvSpPr>
         <p:spPr>
           <a:xfrm>
-            <a:off x="8361709" y="1893946"/>
-            <a:ext cx="1728000" cy="396000"/>
+            <a:off x="7426358" y="1875946"/>
+            <a:ext cx="1728000" cy="432000"/>
           </a:xfrm>
           <a:prstGeom prst="roundRect">
             <a:avLst/>
@@ -4893,8 +4777,8 @@
         </p:nvCxnSpPr>
         <p:spPr>
           <a:xfrm>
-            <a:off x="2152378" y="2091946"/>
-            <a:ext cx="1808762" cy="0"/>
+            <a:off x="1792378" y="2091946"/>
+            <a:ext cx="1635113" cy="0"/>
           </a:xfrm>
           <a:prstGeom prst="straightConnector1">
             <a:avLst/>
@@ -4921,42 +4805,12 @@
           </a:fontRef>
         </p:style>
       </p:cxnSp>
-    </p:spTree>
-    <p:extLst>
-      <p:ext uri="{BB962C8B-B14F-4D97-AF65-F5344CB8AC3E}">
-        <p14:creationId xmlns:p14="http://schemas.microsoft.com/office/powerpoint/2010/main" val="2192095302"/>
-      </p:ext>
-    </p:extLst>
-  </p:cSld>
-  <p:clrMapOvr>
-    <a:masterClrMapping/>
-  </p:clrMapOvr>
-</p:sld>
-</file>
-
-<file path=ppt/slides/slide4.xml><?xml version="1.0" encoding="utf-8"?>
-<p:sld xmlns:a="http://schemas.openxmlformats.org/drawingml/2006/main" xmlns:r="http://schemas.openxmlformats.org/officeDocument/2006/relationships" xmlns:p="http://schemas.openxmlformats.org/presentationml/2006/main">
-  <p:cSld>
-    <p:spTree>
-      <p:nvGrpSpPr>
-        <p:cNvPr id="1" name=""/>
-        <p:cNvGrpSpPr/>
-        <p:nvPr/>
-      </p:nvGrpSpPr>
-      <p:grpSpPr>
-        <a:xfrm>
-          <a:off x="0" y="0"/>
-          <a:ext cx="0" cy="0"/>
-          <a:chOff x="0" y="0"/>
-          <a:chExt cx="0" cy="0"/>
-        </a:xfrm>
-      </p:grpSpPr>
-      <p:sp>
-        <p:nvSpPr>
-          <p:cNvPr id="61" name="矩形: 圆角 60">
-            <a:extLst>
-              <a:ext uri="{FF2B5EF4-FFF2-40B4-BE49-F238E27FC236}">
-                <a16:creationId xmlns:a16="http://schemas.microsoft.com/office/drawing/2014/main" id="{E3777F73-EAAB-43DE-8A90-6B6D895B1B1F}"/>
+      <p:sp>
+        <p:nvSpPr>
+          <p:cNvPr id="11" name="矩形: 圆角 10">
+            <a:extLst>
+              <a:ext uri="{FF2B5EF4-FFF2-40B4-BE49-F238E27FC236}">
+                <a16:creationId xmlns:a16="http://schemas.microsoft.com/office/drawing/2014/main" id="{97AF31AB-7E9B-4C3B-8EBD-AFA643E9DAC9}"/>
               </a:ext>
             </a:extLst>
           </p:cNvPr>
@@ -4965,8 +4819,8 @@
         </p:nvSpPr>
         <p:spPr>
           <a:xfrm>
-            <a:off x="712379" y="1643378"/>
-            <a:ext cx="1357162" cy="540000"/>
+            <a:off x="712378" y="3155840"/>
+            <a:ext cx="1080000" cy="540000"/>
           </a:xfrm>
           <a:prstGeom prst="roundRect">
             <a:avLst/>
@@ -5016,10 +4870,10 @@
       </p:sp>
       <p:sp>
         <p:nvSpPr>
-          <p:cNvPr id="101" name="矩形: 圆角 100">
-            <a:extLst>
-              <a:ext uri="{FF2B5EF4-FFF2-40B4-BE49-F238E27FC236}">
-                <a16:creationId xmlns:a16="http://schemas.microsoft.com/office/drawing/2014/main" id="{2FD8AFDB-B92D-4C27-ABEC-799C66831DBB}"/>
+          <p:cNvPr id="12" name="矩形: 圆角 11">
+            <a:extLst>
+              <a:ext uri="{FF2B5EF4-FFF2-40B4-BE49-F238E27FC236}">
+                <a16:creationId xmlns:a16="http://schemas.microsoft.com/office/drawing/2014/main" id="{3F34DA25-9E7F-48F9-BF43-DB54664FC35F}"/>
               </a:ext>
             </a:extLst>
           </p:cNvPr>
@@ -5028,8 +4882,8 @@
         </p:nvSpPr>
         <p:spPr>
           <a:xfrm>
-            <a:off x="3427492" y="1589378"/>
-            <a:ext cx="2297156" cy="648000"/>
+            <a:off x="3427491" y="3101840"/>
+            <a:ext cx="2016000" cy="648000"/>
           </a:xfrm>
           <a:prstGeom prst="roundRect">
             <a:avLst/>
@@ -5104,62 +4958,12 @@
           </a:p>
         </p:txBody>
       </p:sp>
-      <p:cxnSp>
-        <p:nvCxnSpPr>
-          <p:cNvPr id="239" name="直接连接符 238">
-            <a:extLst>
-              <a:ext uri="{FF2B5EF4-FFF2-40B4-BE49-F238E27FC236}">
-                <a16:creationId xmlns:a16="http://schemas.microsoft.com/office/drawing/2014/main" id="{05CC9636-A076-48A7-9A94-4E0212BA0C59}"/>
-              </a:ext>
-            </a:extLst>
-          </p:cNvPr>
-          <p:cNvCxnSpPr>
-            <a:cxnSpLocks/>
-          </p:cNvCxnSpPr>
-          <p:nvPr/>
-        </p:nvCxnSpPr>
-        <p:spPr>
-          <a:xfrm flipH="1">
-            <a:off x="433388" y="866051"/>
-            <a:ext cx="11325225" cy="1"/>
-          </a:xfrm>
-          <a:prstGeom prst="line">
-            <a:avLst/>
-          </a:prstGeom>
-          <a:ln w="19050">
-            <a:solidFill>
-              <a:srgbClr val="00576E"/>
-            </a:solidFill>
-          </a:ln>
-          <a:effectLst>
-            <a:outerShdw blurRad="50800" dist="12700" dir="5400000" algn="t" rotWithShape="0">
-              <a:prstClr val="black">
-                <a:alpha val="40000"/>
-              </a:prstClr>
-            </a:outerShdw>
-          </a:effectLst>
-        </p:spPr>
-        <p:style>
-          <a:lnRef idx="2">
-            <a:schemeClr val="accent1"/>
-          </a:lnRef>
-          <a:fillRef idx="0">
-            <a:schemeClr val="accent1"/>
-          </a:fillRef>
-          <a:effectRef idx="1">
-            <a:schemeClr val="accent1"/>
-          </a:effectRef>
-          <a:fontRef idx="minor">
-            <a:schemeClr val="tx1"/>
-          </a:fontRef>
-        </p:style>
-      </p:cxnSp>
-      <p:sp>
-        <p:nvSpPr>
-          <p:cNvPr id="240" name="矩形 239">
-            <a:extLst>
-              <a:ext uri="{FF2B5EF4-FFF2-40B4-BE49-F238E27FC236}">
-                <a16:creationId xmlns:a16="http://schemas.microsoft.com/office/drawing/2014/main" id="{CE6D800A-2E58-40A9-AF4D-2C92406102BA}"/>
+      <p:sp>
+        <p:nvSpPr>
+          <p:cNvPr id="14" name="矩形: 圆角 13">
+            <a:extLst>
+              <a:ext uri="{FF2B5EF4-FFF2-40B4-BE49-F238E27FC236}">
+                <a16:creationId xmlns:a16="http://schemas.microsoft.com/office/drawing/2014/main" id="{8A571484-ACD3-43C1-A74E-B5AF2C7A9355}"/>
               </a:ext>
             </a:extLst>
           </p:cNvPr>
@@ -5168,97 +4972,8 @@
         </p:nvSpPr>
         <p:spPr>
           <a:xfrm>
-            <a:off x="471489" y="209549"/>
-            <a:ext cx="119062" cy="513626"/>
-          </a:xfrm>
-          <a:prstGeom prst="rect">
-            <a:avLst/>
-          </a:prstGeom>
-          <a:solidFill>
-            <a:srgbClr val="00576E"/>
-          </a:solidFill>
-        </p:spPr>
-        <p:style>
-          <a:lnRef idx="2">
-            <a:schemeClr val="accent1">
-              <a:shade val="50000"/>
-            </a:schemeClr>
-          </a:lnRef>
-          <a:fillRef idx="1">
-            <a:schemeClr val="accent1"/>
-          </a:fillRef>
-          <a:effectRef idx="0">
-            <a:schemeClr val="accent1"/>
-          </a:effectRef>
-          <a:fontRef idx="minor">
-            <a:schemeClr val="lt1"/>
-          </a:fontRef>
-        </p:style>
-        <p:txBody>
-          <a:bodyPr rtlCol="0" anchor="ctr"/>
-          <a:lstStyle/>
-          <a:p>
-            <a:pPr algn="ctr"/>
-            <a:endParaRPr lang="zh-CN" altLang="en-US">
-              <a:latin typeface="Consolas" panose="020B0609020204030204" pitchFamily="49" charset="0"/>
-            </a:endParaRPr>
-          </a:p>
-        </p:txBody>
-      </p:sp>
-      <p:sp>
-        <p:nvSpPr>
-          <p:cNvPr id="241" name="文本框 240">
-            <a:extLst>
-              <a:ext uri="{FF2B5EF4-FFF2-40B4-BE49-F238E27FC236}">
-                <a16:creationId xmlns:a16="http://schemas.microsoft.com/office/drawing/2014/main" id="{90ABBAE7-6707-4A6F-819E-32C1CFD4250B}"/>
-              </a:ext>
-            </a:extLst>
-          </p:cNvPr>
-          <p:cNvSpPr txBox="1"/>
-          <p:nvPr/>
-        </p:nvSpPr>
-        <p:spPr>
-          <a:xfrm>
-            <a:off x="712379" y="173975"/>
-            <a:ext cx="2646878" cy="584775"/>
-          </a:xfrm>
-          <a:prstGeom prst="rect">
-            <a:avLst/>
-          </a:prstGeom>
-          <a:noFill/>
-        </p:spPr>
-        <p:txBody>
-          <a:bodyPr wrap="none" rtlCol="0">
-            <a:spAutoFit/>
-          </a:bodyPr>
-          <a:lstStyle/>
-          <a:p>
-            <a:r>
-              <a:rPr lang="zh-CN" altLang="en-US" sz="3200" b="1">
-                <a:latin typeface="Consolas" panose="020B0609020204030204" pitchFamily="49" charset="0"/>
-                <a:ea typeface="微软雅黑" panose="020B0503020204020204" pitchFamily="34" charset="-122"/>
-              </a:rPr>
-              <a:t>查看平台产品</a:t>
-            </a:r>
-          </a:p>
-        </p:txBody>
-      </p:sp>
-      <p:sp>
-        <p:nvSpPr>
-          <p:cNvPr id="22" name="矩形: 圆角 21">
-            <a:extLst>
-              <a:ext uri="{FF2B5EF4-FFF2-40B4-BE49-F238E27FC236}">
-                <a16:creationId xmlns:a16="http://schemas.microsoft.com/office/drawing/2014/main" id="{5F24D3AC-21B0-4B18-8F14-8830524BC267}"/>
-              </a:ext>
-            </a:extLst>
-          </p:cNvPr>
-          <p:cNvSpPr/>
-          <p:nvPr/>
-        </p:nvSpPr>
-        <p:spPr>
-          <a:xfrm>
-            <a:off x="7426359" y="1715378"/>
-            <a:ext cx="1728000" cy="396000"/>
+            <a:off x="7426358" y="3209840"/>
+            <a:ext cx="1728000" cy="432000"/>
           </a:xfrm>
           <a:prstGeom prst="roundRect">
             <a:avLst/>
@@ -5310,24 +5025,24 @@
       </p:sp>
       <p:cxnSp>
         <p:nvCxnSpPr>
-          <p:cNvPr id="23" name="直接箭头连接符 22">
-            <a:extLst>
-              <a:ext uri="{FF2B5EF4-FFF2-40B4-BE49-F238E27FC236}">
-                <a16:creationId xmlns:a16="http://schemas.microsoft.com/office/drawing/2014/main" id="{EBCB4EAE-C253-482B-A279-5E6370E88DCC}"/>
+          <p:cNvPr id="15" name="直接箭头连接符 14">
+            <a:extLst>
+              <a:ext uri="{FF2B5EF4-FFF2-40B4-BE49-F238E27FC236}">
+                <a16:creationId xmlns:a16="http://schemas.microsoft.com/office/drawing/2014/main" id="{B87CDE6B-7EDA-4A9D-83DD-0089715D892F}"/>
               </a:ext>
             </a:extLst>
           </p:cNvPr>
           <p:cNvCxnSpPr>
             <a:cxnSpLocks/>
-            <a:stCxn id="22" idx="1"/>
-            <a:endCxn id="101" idx="3"/>
+            <a:stCxn id="14" idx="1"/>
+            <a:endCxn id="12" idx="3"/>
           </p:cNvCxnSpPr>
           <p:nvPr/>
         </p:nvCxnSpPr>
         <p:spPr>
           <a:xfrm flipH="1">
-            <a:off x="5724648" y="1913378"/>
-            <a:ext cx="1701711" cy="0"/>
+            <a:off x="5443491" y="3425840"/>
+            <a:ext cx="1982867" cy="0"/>
           </a:xfrm>
           <a:prstGeom prst="straightConnector1">
             <a:avLst/>
@@ -5356,24 +5071,24 @@
       </p:cxnSp>
       <p:cxnSp>
         <p:nvCxnSpPr>
-          <p:cNvPr id="24" name="直接箭头连接符 23">
-            <a:extLst>
-              <a:ext uri="{FF2B5EF4-FFF2-40B4-BE49-F238E27FC236}">
-                <a16:creationId xmlns:a16="http://schemas.microsoft.com/office/drawing/2014/main" id="{292D44AE-41F3-4455-AF70-91A859334ED4}"/>
+          <p:cNvPr id="16" name="直接箭头连接符 15">
+            <a:extLst>
+              <a:ext uri="{FF2B5EF4-FFF2-40B4-BE49-F238E27FC236}">
+                <a16:creationId xmlns:a16="http://schemas.microsoft.com/office/drawing/2014/main" id="{077BE494-8C9D-487C-8A89-6A126F816E1F}"/>
               </a:ext>
             </a:extLst>
           </p:cNvPr>
           <p:cNvCxnSpPr>
             <a:cxnSpLocks/>
-            <a:stCxn id="61" idx="3"/>
-            <a:endCxn id="101" idx="1"/>
+            <a:stCxn id="11" idx="3"/>
+            <a:endCxn id="12" idx="1"/>
           </p:cNvCxnSpPr>
           <p:nvPr/>
         </p:nvCxnSpPr>
         <p:spPr>
           <a:xfrm>
-            <a:off x="2069541" y="1913378"/>
-            <a:ext cx="1357951" cy="0"/>
+            <a:off x="1792378" y="3425840"/>
+            <a:ext cx="1635113" cy="0"/>
           </a:xfrm>
           <a:prstGeom prst="straightConnector1">
             <a:avLst/>
@@ -5403,7 +5118,7 @@
     </p:spTree>
     <p:extLst>
       <p:ext uri="{BB962C8B-B14F-4D97-AF65-F5344CB8AC3E}">
-        <p14:creationId xmlns:p14="http://schemas.microsoft.com/office/powerpoint/2010/main" val="3140327657"/>
+        <p14:creationId xmlns:p14="http://schemas.microsoft.com/office/powerpoint/2010/main" val="2192095302"/>
       </p:ext>
     </p:extLst>
   </p:cSld>
